--- a/presentation/intermissionary_presentation.pptx
+++ b/presentation/intermissionary_presentation.pptx
@@ -5,15 +5,23 @@
     <p:sldMasterId id="2147483652" r:id="rId1"/>
   </p:sldMasterIdLst>
   <p:notesMasterIdLst>
-    <p:notesMasterId r:id="rId5"/>
+    <p:notesMasterId r:id="rId13"/>
   </p:notesMasterIdLst>
   <p:handoutMasterIdLst>
-    <p:handoutMasterId r:id="rId6"/>
+    <p:handoutMasterId r:id="rId14"/>
   </p:handoutMasterIdLst>
   <p:sldIdLst>
     <p:sldId id="325" r:id="rId2"/>
-    <p:sldId id="327" r:id="rId3"/>
-    <p:sldId id="324" r:id="rId4"/>
+    <p:sldId id="330" r:id="rId3"/>
+    <p:sldId id="328" r:id="rId4"/>
+    <p:sldId id="332" r:id="rId5"/>
+    <p:sldId id="333" r:id="rId6"/>
+    <p:sldId id="334" r:id="rId7"/>
+    <p:sldId id="335" r:id="rId8"/>
+    <p:sldId id="336" r:id="rId9"/>
+    <p:sldId id="337" r:id="rId10"/>
+    <p:sldId id="338" r:id="rId11"/>
+    <p:sldId id="324" r:id="rId12"/>
   </p:sldIdLst>
   <p:sldSz cx="9144000" cy="6858000" type="screen4x3"/>
   <p:notesSz cx="6858000" cy="9947275"/>
@@ -182,7 +190,47 @@
       </a:defRPr>
     </a:lvl9pPr>
   </p:defaultTextStyle>
+  <p:extLst>
+    <p:ext uri="{EFAFB233-063F-42B5-8137-9DF3F51BA10A}">
+      <p15:sldGuideLst xmlns:p15="http://schemas.microsoft.com/office/powerpoint/2012/main">
+        <p15:guide id="1" orient="horz" pos="4000">
+          <p15:clr>
+            <a:srgbClr val="A4A3A4"/>
+          </p15:clr>
+        </p15:guide>
+        <p15:guide id="2" pos="2880">
+          <p15:clr>
+            <a:srgbClr val="A4A3A4"/>
+          </p15:clr>
+        </p15:guide>
+      </p15:sldGuideLst>
+    </p:ext>
+    <p:ext uri="{2D200454-40CA-4A62-9FC3-DE9A4176ACB9}">
+      <p15:notesGuideLst xmlns:p15="http://schemas.microsoft.com/office/powerpoint/2012/main">
+        <p15:guide id="1" orient="horz" pos="2880">
+          <p15:clr>
+            <a:srgbClr val="A4A3A4"/>
+          </p15:clr>
+        </p15:guide>
+        <p15:guide id="2" pos="2160">
+          <p15:clr>
+            <a:srgbClr val="A4A3A4"/>
+          </p15:clr>
+        </p15:guide>
+      </p15:notesGuideLst>
+    </p:ext>
+  </p:extLst>
 </p:presentation>
+</file>
+
+<file path=ppt/revisionInfo.xml><?xml version="1.0" encoding="utf-8"?>
+<p1510:revInfo xmlns:a="http://schemas.openxmlformats.org/drawingml/2006/main" xmlns:r="http://schemas.openxmlformats.org/officeDocument/2006/relationships" xmlns:p1510="http://schemas.microsoft.com/office/powerpoint/2015/10/main">
+  <p1510:revLst>
+    <p1510:client id="{59AF5A75-36AC-4CD0-8CF9-A8DC30ED76A0}" v="276" dt="2019-11-06T17:44:37.859"/>
+    <p1510:client id="{63C24E5F-97D2-43E6-8882-599957C6E18C}" v="721" dt="2019-11-06T12:06:05.934"/>
+    <p1510:client id="{F3A82E5E-8271-4D25-8261-A4895680E06C}" v="319" dt="2019-11-06T18:10:12.257"/>
+  </p1510:revLst>
+</p1510:revInfo>
 </file>
 
 <file path=ppt/handoutMasters/handoutMaster1.xml><?xml version="1.0" encoding="utf-8"?>
@@ -880,7 +928,7 @@
           <a:lstStyle/>
           <a:p>
             <a:pPr lvl="0"/>
-            <a:endParaRPr lang="de-DE" noProof="0" smtClean="0"/>
+            <a:endParaRPr lang="de-DE" noProof="0"/>
           </a:p>
         </p:txBody>
       </p:sp>
@@ -1771,7 +1819,7 @@
           <a:p>
             <a:pPr eaLnBrk="1" hangingPunct="1"/>
             <a:r>
-              <a:rPr lang="en-GB" smtClean="0">
+              <a:rPr lang="en-GB">
                 <a:solidFill>
                   <a:srgbClr val="000000"/>
                 </a:solidFill>
@@ -1993,7 +2041,7 @@
           <a:p>
             <a:pPr eaLnBrk="1" hangingPunct="1"/>
             <a:r>
-              <a:rPr lang="en-GB" smtClean="0">
+              <a:rPr lang="en-GB">
                 <a:solidFill>
                   <a:srgbClr val="000000"/>
                 </a:solidFill>
@@ -2179,7 +2227,7 @@
           <a:p>
             <a:pPr eaLnBrk="1" hangingPunct="1"/>
             <a:r>
-              <a:rPr lang="en-GB" smtClean="0">
+              <a:rPr lang="en-GB">
                 <a:solidFill>
                   <a:srgbClr val="000000"/>
                 </a:solidFill>
@@ -2197,7 +2245,7 @@
               <a:pPr eaLnBrk="1" hangingPunct="1"/>
               <a:t>1</a:t>
             </a:fld>
-            <a:endParaRPr lang="en-GB" smtClean="0">
+            <a:endParaRPr lang="en-GB">
               <a:solidFill>
                 <a:srgbClr val="000000"/>
               </a:solidFill>
@@ -2245,7 +2293,7 @@
           <a:bodyPr/>
           <a:lstStyle/>
           <a:p>
-            <a:endParaRPr lang="en-US" smtClean="0"/>
+            <a:endParaRPr lang="en-US"/>
           </a:p>
         </p:txBody>
       </p:sp>
@@ -2688,7 +2736,7 @@
               <a:defRPr/>
             </a:pPr>
             <a:r>
-              <a:rPr lang="en-US" sz="800" smtClean="0">
+              <a:rPr lang="en-US" sz="800">
                 <a:solidFill>
                   <a:schemeClr val="folHlink"/>
                 </a:solidFill>
@@ -2808,7 +2856,7 @@
                   <a:schemeClr val="tx1"/>
                 </a:solidFill>
               </a:rPr>
-              <a:t>10-Jul-14</a:t>
+              <a:t>6-Nov-19</a:t>
             </a:fld>
             <a:endParaRPr lang="de-DE" sz="1000" dirty="0">
               <a:solidFill>
@@ -2902,7 +2950,7 @@
           <a:p>
             <a:pPr lvl="0"/>
             <a:r>
-              <a:rPr lang="de-DE" noProof="0" dirty="0" smtClean="0"/>
+              <a:rPr lang="de-DE" noProof="0" dirty="0"/>
               <a:t>Mastertitelformat bearbeiten</a:t>
             </a:r>
           </a:p>
@@ -2941,7 +2989,7 @@
           <a:p>
             <a:pPr lvl="0"/>
             <a:r>
-              <a:rPr lang="de-DE" noProof="0" dirty="0" smtClean="0"/>
+              <a:rPr lang="de-DE" noProof="0" dirty="0"/>
               <a:t>Master-Untertitelformat bearbeiten</a:t>
             </a:r>
           </a:p>
@@ -3147,7 +3195,7 @@
               <a:defRPr/>
             </a:pPr>
             <a:r>
-              <a:rPr lang="en-US" sz="1000" dirty="0" smtClean="0">
+              <a:rPr lang="en-US" sz="1000" dirty="0">
                 <a:solidFill>
                   <a:schemeClr val="tx1"/>
                 </a:solidFill>
@@ -3171,7 +3219,7 @@
               <a:defRPr/>
             </a:pPr>
             <a:r>
-              <a:rPr lang="en-US" sz="1000" dirty="0" smtClean="0">
+              <a:rPr lang="en-US" sz="1000" dirty="0">
                 <a:solidFill>
                   <a:schemeClr val="tx1"/>
                 </a:solidFill>
@@ -3380,7 +3428,7 @@
               <a:defRPr/>
             </a:pPr>
             <a:r>
-              <a:rPr lang="en-US" sz="800" dirty="0" smtClean="0">
+              <a:rPr lang="en-US" sz="800" dirty="0">
                 <a:solidFill>
                   <a:schemeClr val="folHlink"/>
                 </a:solidFill>
@@ -3388,14 +3436,14 @@
               <a:t>Template</a:t>
             </a:r>
             <a:r>
-              <a:rPr lang="en-US" sz="800" baseline="0" dirty="0" smtClean="0">
+              <a:rPr lang="en-US" sz="800" baseline="0" dirty="0">
                 <a:solidFill>
                   <a:schemeClr val="folHlink"/>
                 </a:solidFill>
               </a:rPr>
               <a:t> all v.3.4</a:t>
             </a:r>
-            <a:endParaRPr lang="en-US" sz="800" dirty="0" smtClean="0">
+            <a:endParaRPr lang="en-US" sz="800" dirty="0">
               <a:solidFill>
                 <a:schemeClr val="folHlink"/>
               </a:solidFill>
@@ -3427,18 +3475,13 @@
           <a:p>
             <a:pPr algn="l"/>
             <a:r>
-              <a:rPr lang="en-US" sz="1000" smtClean="0">
+              <a:rPr lang="en-US" sz="1000">
                 <a:solidFill>
                   <a:srgbClr val="000000"/>
                 </a:solidFill>
               </a:rPr>
               <a:t>PPT-for-all___v.3.4_office2010___2012.09.10.pptx</a:t>
             </a:r>
-            <a:endParaRPr lang="en-US" sz="1000">
-              <a:solidFill>
-                <a:srgbClr val="000000"/>
-              </a:solidFill>
-            </a:endParaRPr>
           </a:p>
         </p:txBody>
       </p:sp>
@@ -3452,13 +3495,6 @@
   <p:clrMapOvr>
     <a:masterClrMapping/>
   </p:clrMapOvr>
-  <p:timing>
-    <p:tnLst>
-      <p:par>
-        <p:cTn id="1" dur="indefinite" restart="never" nodeType="tmRoot"/>
-      </p:par>
-    </p:tnLst>
-  </p:timing>
 </p:sldLayout>
 </file>
 
@@ -3538,7 +3574,7 @@
           <a:p>
             <a:pPr lvl="0"/>
             <a:r>
-              <a:rPr lang="de-DE" dirty="0" smtClean="0"/>
+              <a:rPr lang="de-DE" dirty="0"/>
               <a:t>Textmasterformat bearbeiten</a:t>
             </a:r>
           </a:p>
@@ -3594,38 +3630,37 @@
           <a:p>
             <a:pPr lvl="0"/>
             <a:r>
-              <a:rPr lang="de-DE" dirty="0" smtClean="0"/>
+              <a:rPr lang="de-DE" dirty="0"/>
               <a:t>Textmasterformat bearbeiten</a:t>
             </a:r>
           </a:p>
           <a:p>
             <a:pPr lvl="1"/>
             <a:r>
-              <a:rPr lang="de-DE" dirty="0" smtClean="0"/>
+              <a:rPr lang="de-DE" dirty="0"/>
               <a:t>Zweite Ebene</a:t>
             </a:r>
           </a:p>
           <a:p>
             <a:pPr lvl="2"/>
             <a:r>
-              <a:rPr lang="de-DE" dirty="0" smtClean="0"/>
+              <a:rPr lang="de-DE" dirty="0"/>
               <a:t>Dritte Ebene</a:t>
             </a:r>
           </a:p>
           <a:p>
             <a:pPr lvl="3"/>
             <a:r>
-              <a:rPr lang="de-DE" dirty="0" smtClean="0"/>
+              <a:rPr lang="de-DE" dirty="0"/>
               <a:t>Vierte Ebene</a:t>
             </a:r>
           </a:p>
           <a:p>
             <a:pPr lvl="4"/>
             <a:r>
-              <a:rPr lang="de-DE" dirty="0" smtClean="0"/>
+              <a:rPr lang="de-DE" dirty="0"/>
               <a:t>Fünfte Ebene</a:t>
             </a:r>
-            <a:endParaRPr lang="de-DE" dirty="0"/>
           </a:p>
         </p:txBody>
       </p:sp>
@@ -3688,7 +3723,7 @@
           <a:p>
             <a:pPr lvl="0"/>
             <a:r>
-              <a:rPr lang="de-DE" dirty="0" smtClean="0"/>
+              <a:rPr lang="de-DE" dirty="0"/>
               <a:t>Textmasterformat bearbeiten</a:t>
             </a:r>
           </a:p>
@@ -3744,38 +3779,37 @@
           <a:p>
             <a:pPr lvl="0"/>
             <a:r>
-              <a:rPr lang="de-DE" dirty="0" smtClean="0"/>
+              <a:rPr lang="de-DE" dirty="0"/>
               <a:t>Textmasterformat bearbeiten</a:t>
             </a:r>
           </a:p>
           <a:p>
             <a:pPr lvl="1"/>
             <a:r>
-              <a:rPr lang="de-DE" dirty="0" smtClean="0"/>
+              <a:rPr lang="de-DE" dirty="0"/>
               <a:t>Zweite Ebene</a:t>
             </a:r>
           </a:p>
           <a:p>
             <a:pPr lvl="2"/>
             <a:r>
-              <a:rPr lang="de-DE" dirty="0" smtClean="0"/>
+              <a:rPr lang="de-DE" dirty="0"/>
               <a:t>Dritte Ebene</a:t>
             </a:r>
           </a:p>
           <a:p>
             <a:pPr lvl="3"/>
             <a:r>
-              <a:rPr lang="de-DE" dirty="0" smtClean="0"/>
+              <a:rPr lang="de-DE" dirty="0"/>
               <a:t>Vierte Ebene</a:t>
             </a:r>
           </a:p>
           <a:p>
             <a:pPr lvl="4"/>
             <a:r>
-              <a:rPr lang="de-DE" dirty="0" smtClean="0"/>
+              <a:rPr lang="de-DE" dirty="0"/>
               <a:t>Fünfte Ebene</a:t>
             </a:r>
-            <a:endParaRPr lang="de-DE" dirty="0"/>
           </a:p>
         </p:txBody>
       </p:sp>
@@ -3829,7 +3863,7 @@
           <a:lstStyle/>
           <a:p>
             <a:r>
-              <a:rPr lang="de-DE" smtClean="0"/>
+              <a:rPr lang="de-DE"/>
               <a:t>Titelmasterformat durch Klicken bearbeiten</a:t>
             </a:r>
             <a:endParaRPr lang="en-US"/>
@@ -3846,13 +3880,6 @@
   <p:clrMapOvr>
     <a:masterClrMapping/>
   </p:clrMapOvr>
-  <p:timing>
-    <p:tnLst>
-      <p:par>
-        <p:cTn id="1" dur="indefinite" restart="never" nodeType="tmRoot"/>
-      </p:par>
-    </p:tnLst>
-  </p:timing>
 </p:sldLayout>
 </file>
 
@@ -3923,38 +3950,37 @@
           <a:p>
             <a:pPr lvl="0"/>
             <a:r>
-              <a:rPr lang="de-DE" dirty="0" smtClean="0"/>
+              <a:rPr lang="de-DE" dirty="0"/>
               <a:t>Textmasterformat bearbeiten</a:t>
             </a:r>
           </a:p>
           <a:p>
             <a:pPr lvl="1"/>
             <a:r>
-              <a:rPr lang="de-DE" dirty="0" smtClean="0"/>
+              <a:rPr lang="de-DE" dirty="0"/>
               <a:t>Zweite Ebene</a:t>
             </a:r>
           </a:p>
           <a:p>
             <a:pPr lvl="2"/>
             <a:r>
-              <a:rPr lang="de-DE" dirty="0" smtClean="0"/>
+              <a:rPr lang="de-DE" dirty="0"/>
               <a:t>Dritte Ebene</a:t>
             </a:r>
           </a:p>
           <a:p>
             <a:pPr lvl="3"/>
             <a:r>
-              <a:rPr lang="de-DE" dirty="0" smtClean="0"/>
+              <a:rPr lang="de-DE" dirty="0"/>
               <a:t>Vierte Ebene</a:t>
             </a:r>
           </a:p>
           <a:p>
             <a:pPr lvl="4"/>
             <a:r>
-              <a:rPr lang="de-DE" dirty="0" smtClean="0"/>
+              <a:rPr lang="de-DE" dirty="0"/>
               <a:t>Fünfte Ebene</a:t>
             </a:r>
-            <a:endParaRPr lang="de-DE" dirty="0"/>
           </a:p>
         </p:txBody>
       </p:sp>
@@ -4008,7 +4034,7 @@
           <a:lstStyle/>
           <a:p>
             <a:r>
-              <a:rPr lang="de-DE" dirty="0" smtClean="0"/>
+              <a:rPr lang="de-DE" dirty="0"/>
               <a:t>Titelmasterformat durch Klicken bearbeiten</a:t>
             </a:r>
             <a:endParaRPr lang="en-US" dirty="0"/>
@@ -4065,38 +4091,37 @@
           <a:p>
             <a:pPr lvl="0"/>
             <a:r>
-              <a:rPr lang="de-DE" dirty="0" smtClean="0"/>
+              <a:rPr lang="de-DE" dirty="0"/>
               <a:t>Textmasterformat bearbeiten</a:t>
             </a:r>
           </a:p>
           <a:p>
             <a:pPr lvl="1"/>
             <a:r>
-              <a:rPr lang="de-DE" dirty="0" smtClean="0"/>
+              <a:rPr lang="de-DE" dirty="0"/>
               <a:t>Zweite Ebene</a:t>
             </a:r>
           </a:p>
           <a:p>
             <a:pPr lvl="2"/>
             <a:r>
-              <a:rPr lang="de-DE" dirty="0" smtClean="0"/>
+              <a:rPr lang="de-DE" dirty="0"/>
               <a:t>Dritte Ebene</a:t>
             </a:r>
           </a:p>
           <a:p>
             <a:pPr lvl="3"/>
             <a:r>
-              <a:rPr lang="de-DE" dirty="0" smtClean="0"/>
+              <a:rPr lang="de-DE" dirty="0"/>
               <a:t>Vierte Ebene</a:t>
             </a:r>
           </a:p>
           <a:p>
             <a:pPr lvl="4"/>
             <a:r>
-              <a:rPr lang="de-DE" dirty="0" smtClean="0"/>
+              <a:rPr lang="de-DE" dirty="0"/>
               <a:t>Fünfte Ebene</a:t>
             </a:r>
-            <a:endParaRPr lang="de-DE" dirty="0"/>
           </a:p>
         </p:txBody>
       </p:sp>
@@ -4110,13 +4135,6 @@
   <p:clrMapOvr>
     <a:masterClrMapping/>
   </p:clrMapOvr>
-  <p:timing>
-    <p:tnLst>
-      <p:par>
-        <p:cTn id="1" dur="indefinite" restart="never" nodeType="tmRoot"/>
-      </p:par>
-    </p:tnLst>
-  </p:timing>
 </p:sldLayout>
 </file>
 
@@ -4159,38 +4177,37 @@
           <a:p>
             <a:pPr lvl="0"/>
             <a:r>
-              <a:rPr lang="de-DE" dirty="0" smtClean="0"/>
+              <a:rPr lang="de-DE" dirty="0"/>
               <a:t>Textmasterformat bearbeiten</a:t>
             </a:r>
           </a:p>
           <a:p>
             <a:pPr lvl="1"/>
             <a:r>
-              <a:rPr lang="de-DE" dirty="0" smtClean="0"/>
+              <a:rPr lang="de-DE" dirty="0"/>
               <a:t>Zweite Ebene</a:t>
             </a:r>
           </a:p>
           <a:p>
             <a:pPr lvl="2"/>
             <a:r>
-              <a:rPr lang="de-DE" dirty="0" smtClean="0"/>
+              <a:rPr lang="de-DE" dirty="0"/>
               <a:t>Dritte Ebene</a:t>
             </a:r>
           </a:p>
           <a:p>
             <a:pPr lvl="3"/>
             <a:r>
-              <a:rPr lang="de-DE" dirty="0" smtClean="0"/>
+              <a:rPr lang="de-DE" dirty="0"/>
               <a:t>Vierte Ebene</a:t>
             </a:r>
           </a:p>
           <a:p>
             <a:pPr lvl="4"/>
             <a:r>
-              <a:rPr lang="de-DE" dirty="0" smtClean="0"/>
+              <a:rPr lang="de-DE" dirty="0"/>
               <a:t>Fünfte Ebene</a:t>
             </a:r>
-            <a:endParaRPr lang="de-DE" dirty="0"/>
           </a:p>
         </p:txBody>
       </p:sp>
@@ -4216,38 +4233,37 @@
           <a:p>
             <a:pPr lvl="0"/>
             <a:r>
-              <a:rPr lang="de-DE" smtClean="0"/>
+              <a:rPr lang="de-DE"/>
               <a:t>Textmasterformat bearbeiten</a:t>
             </a:r>
           </a:p>
           <a:p>
             <a:pPr lvl="1"/>
             <a:r>
-              <a:rPr lang="de-DE" smtClean="0"/>
+              <a:rPr lang="de-DE"/>
               <a:t>Zweite Ebene</a:t>
             </a:r>
           </a:p>
           <a:p>
             <a:pPr lvl="2"/>
             <a:r>
-              <a:rPr lang="de-DE" smtClean="0"/>
+              <a:rPr lang="de-DE"/>
               <a:t>Dritte Ebene</a:t>
             </a:r>
           </a:p>
           <a:p>
             <a:pPr lvl="3"/>
             <a:r>
-              <a:rPr lang="de-DE" smtClean="0"/>
+              <a:rPr lang="de-DE"/>
               <a:t>Vierte Ebene</a:t>
             </a:r>
           </a:p>
           <a:p>
             <a:pPr lvl="4"/>
             <a:r>
-              <a:rPr lang="de-DE" smtClean="0"/>
+              <a:rPr lang="de-DE"/>
               <a:t>Fünfte Ebene</a:t>
             </a:r>
-            <a:endParaRPr lang="de-DE"/>
           </a:p>
         </p:txBody>
       </p:sp>
@@ -4301,7 +4317,7 @@
           <a:lstStyle/>
           <a:p>
             <a:r>
-              <a:rPr lang="de-DE" smtClean="0"/>
+              <a:rPr lang="de-DE"/>
               <a:t>Titelmasterformat durch Klicken bearbeiten</a:t>
             </a:r>
             <a:endParaRPr lang="en-US"/>
@@ -4318,13 +4334,6 @@
   <p:clrMapOvr>
     <a:masterClrMapping/>
   </p:clrMapOvr>
-  <p:timing>
-    <p:tnLst>
-      <p:par>
-        <p:cTn id="1" dur="indefinite" restart="never" nodeType="tmRoot"/>
-      </p:par>
-    </p:tnLst>
-  </p:timing>
 </p:sldLayout>
 </file>
 
@@ -4367,38 +4376,37 @@
           <a:p>
             <a:pPr lvl="0"/>
             <a:r>
-              <a:rPr lang="de-DE" dirty="0" smtClean="0"/>
+              <a:rPr lang="de-DE" dirty="0"/>
               <a:t>Textmasterformat bearbeiten</a:t>
             </a:r>
           </a:p>
           <a:p>
             <a:pPr lvl="1"/>
             <a:r>
-              <a:rPr lang="de-DE" dirty="0" smtClean="0"/>
+              <a:rPr lang="de-DE" dirty="0"/>
               <a:t>Zweite Ebene</a:t>
             </a:r>
           </a:p>
           <a:p>
             <a:pPr lvl="2"/>
             <a:r>
-              <a:rPr lang="de-DE" dirty="0" smtClean="0"/>
+              <a:rPr lang="de-DE" dirty="0"/>
               <a:t>Dritte Ebene</a:t>
             </a:r>
           </a:p>
           <a:p>
             <a:pPr lvl="3"/>
             <a:r>
-              <a:rPr lang="de-DE" dirty="0" smtClean="0"/>
+              <a:rPr lang="de-DE" dirty="0"/>
               <a:t>Vierte Ebene</a:t>
             </a:r>
           </a:p>
           <a:p>
             <a:pPr lvl="4"/>
             <a:r>
-              <a:rPr lang="de-DE" dirty="0" smtClean="0"/>
+              <a:rPr lang="de-DE" dirty="0"/>
               <a:t>Fünfte Ebene</a:t>
             </a:r>
-            <a:endParaRPr lang="de-DE" dirty="0"/>
           </a:p>
         </p:txBody>
       </p:sp>
@@ -4424,38 +4432,37 @@
           <a:p>
             <a:pPr lvl="0"/>
             <a:r>
-              <a:rPr lang="de-DE" dirty="0" smtClean="0"/>
+              <a:rPr lang="de-DE" dirty="0"/>
               <a:t>Textmasterformat bearbeiten</a:t>
             </a:r>
           </a:p>
           <a:p>
             <a:pPr lvl="1"/>
             <a:r>
-              <a:rPr lang="de-DE" dirty="0" smtClean="0"/>
+              <a:rPr lang="de-DE" dirty="0"/>
               <a:t>Zweite Ebene</a:t>
             </a:r>
           </a:p>
           <a:p>
             <a:pPr lvl="2"/>
             <a:r>
-              <a:rPr lang="de-DE" dirty="0" smtClean="0"/>
+              <a:rPr lang="de-DE" dirty="0"/>
               <a:t>Dritte Ebene</a:t>
             </a:r>
           </a:p>
           <a:p>
             <a:pPr lvl="3"/>
             <a:r>
-              <a:rPr lang="de-DE" dirty="0" smtClean="0"/>
+              <a:rPr lang="de-DE" dirty="0"/>
               <a:t>Vierte Ebene</a:t>
             </a:r>
           </a:p>
           <a:p>
             <a:pPr lvl="4"/>
             <a:r>
-              <a:rPr lang="de-DE" dirty="0" smtClean="0"/>
+              <a:rPr lang="de-DE" dirty="0"/>
               <a:t>Fünfte Ebene</a:t>
             </a:r>
-            <a:endParaRPr lang="de-DE" dirty="0"/>
           </a:p>
         </p:txBody>
       </p:sp>
@@ -4481,38 +4488,37 @@
           <a:p>
             <a:pPr lvl="0"/>
             <a:r>
-              <a:rPr lang="de-DE" dirty="0" smtClean="0"/>
+              <a:rPr lang="de-DE" dirty="0"/>
               <a:t>Textmasterformat bearbeiten</a:t>
             </a:r>
           </a:p>
           <a:p>
             <a:pPr lvl="1"/>
             <a:r>
-              <a:rPr lang="de-DE" dirty="0" smtClean="0"/>
+              <a:rPr lang="de-DE" dirty="0"/>
               <a:t>Zweite Ebene</a:t>
             </a:r>
           </a:p>
           <a:p>
             <a:pPr lvl="2"/>
             <a:r>
-              <a:rPr lang="de-DE" dirty="0" smtClean="0"/>
+              <a:rPr lang="de-DE" dirty="0"/>
               <a:t>Dritte Ebene</a:t>
             </a:r>
           </a:p>
           <a:p>
             <a:pPr lvl="3"/>
             <a:r>
-              <a:rPr lang="de-DE" dirty="0" smtClean="0"/>
+              <a:rPr lang="de-DE" dirty="0"/>
               <a:t>Vierte Ebene</a:t>
             </a:r>
           </a:p>
           <a:p>
             <a:pPr lvl="4"/>
             <a:r>
-              <a:rPr lang="de-DE" dirty="0" smtClean="0"/>
+              <a:rPr lang="de-DE" dirty="0"/>
               <a:t>Fünfte Ebene</a:t>
             </a:r>
-            <a:endParaRPr lang="de-DE" dirty="0"/>
           </a:p>
         </p:txBody>
       </p:sp>
@@ -4566,7 +4572,7 @@
           <a:lstStyle/>
           <a:p>
             <a:r>
-              <a:rPr lang="de-DE" smtClean="0"/>
+              <a:rPr lang="de-DE"/>
               <a:t>Titelmasterformat durch Klicken bearbeiten</a:t>
             </a:r>
             <a:endParaRPr lang="en-US"/>
@@ -4583,13 +4589,6 @@
   <p:clrMapOvr>
     <a:masterClrMapping/>
   </p:clrMapOvr>
-  <p:timing>
-    <p:tnLst>
-      <p:par>
-        <p:cTn id="1" dur="indefinite" restart="never" nodeType="tmRoot"/>
-      </p:par>
-    </p:tnLst>
-  </p:timing>
 </p:sldLayout>
 </file>
 
@@ -4626,7 +4625,7 @@
           <a:lstStyle/>
           <a:p>
             <a:r>
-              <a:rPr lang="de-DE" dirty="0" smtClean="0"/>
+              <a:rPr lang="de-DE" dirty="0"/>
               <a:t>Titelmasterformat durch Klicken bearbeiten</a:t>
             </a:r>
             <a:endParaRPr lang="en-US" dirty="0"/>
@@ -4670,35 +4669,35 @@
           <a:p>
             <a:pPr lvl="0"/>
             <a:r>
-              <a:rPr lang="de-DE" dirty="0" smtClean="0"/>
+              <a:rPr lang="de-DE" dirty="0"/>
               <a:t>Textmasterformat bearbeiten</a:t>
             </a:r>
           </a:p>
           <a:p>
             <a:pPr lvl="1"/>
             <a:r>
-              <a:rPr lang="de-DE" dirty="0" smtClean="0"/>
+              <a:rPr lang="de-DE" dirty="0"/>
               <a:t>Zweite Ebene</a:t>
             </a:r>
           </a:p>
           <a:p>
             <a:pPr lvl="2"/>
             <a:r>
-              <a:rPr lang="de-DE" dirty="0" smtClean="0"/>
+              <a:rPr lang="de-DE" dirty="0"/>
               <a:t>Dritte Ebene</a:t>
             </a:r>
           </a:p>
           <a:p>
             <a:pPr lvl="3"/>
             <a:r>
-              <a:rPr lang="de-DE" dirty="0" smtClean="0"/>
+              <a:rPr lang="de-DE" dirty="0"/>
               <a:t>Vierte Ebene</a:t>
             </a:r>
           </a:p>
           <a:p>
             <a:pPr lvl="4"/>
             <a:r>
-              <a:rPr lang="de-DE" dirty="0" smtClean="0"/>
+              <a:rPr lang="de-DE" dirty="0"/>
               <a:t>Fünfte Ebene</a:t>
             </a:r>
             <a:endParaRPr lang="en-US" dirty="0"/>
@@ -4723,7 +4722,7 @@
             <a:pPr>
               <a:defRPr/>
             </a:pPr>
-            <a:endParaRPr lang="de-DE" smtClean="0"/>
+            <a:endParaRPr lang="de-DE"/>
           </a:p>
           <a:p>
             <a:pPr>
@@ -4755,38 +4754,37 @@
           <a:p>
             <a:pPr lvl="0"/>
             <a:r>
-              <a:rPr lang="de-DE" dirty="0" smtClean="0"/>
+              <a:rPr lang="de-DE" dirty="0"/>
               <a:t>Textmasterformat bearbeiten</a:t>
             </a:r>
           </a:p>
           <a:p>
             <a:pPr lvl="1"/>
             <a:r>
-              <a:rPr lang="de-DE" dirty="0" smtClean="0"/>
+              <a:rPr lang="de-DE" dirty="0"/>
               <a:t>Zweite Ebene</a:t>
             </a:r>
           </a:p>
           <a:p>
             <a:pPr lvl="2"/>
             <a:r>
-              <a:rPr lang="de-DE" dirty="0" smtClean="0"/>
+              <a:rPr lang="de-DE" dirty="0"/>
               <a:t>Dritte Ebene</a:t>
             </a:r>
           </a:p>
           <a:p>
             <a:pPr lvl="3"/>
             <a:r>
-              <a:rPr lang="de-DE" dirty="0" smtClean="0"/>
+              <a:rPr lang="de-DE" dirty="0"/>
               <a:t>Vierte Ebene</a:t>
             </a:r>
           </a:p>
           <a:p>
             <a:pPr lvl="4"/>
             <a:r>
-              <a:rPr lang="de-DE" dirty="0" smtClean="0"/>
+              <a:rPr lang="de-DE" dirty="0"/>
               <a:t>Fünfte Ebene</a:t>
             </a:r>
-            <a:endParaRPr lang="de-DE" dirty="0"/>
           </a:p>
         </p:txBody>
       </p:sp>
@@ -4812,38 +4810,37 @@
           <a:p>
             <a:pPr lvl="0"/>
             <a:r>
-              <a:rPr lang="de-DE" smtClean="0"/>
+              <a:rPr lang="de-DE"/>
               <a:t>Textmasterformat bearbeiten</a:t>
             </a:r>
           </a:p>
           <a:p>
             <a:pPr lvl="1"/>
             <a:r>
-              <a:rPr lang="de-DE" smtClean="0"/>
+              <a:rPr lang="de-DE"/>
               <a:t>Zweite Ebene</a:t>
             </a:r>
           </a:p>
           <a:p>
             <a:pPr lvl="2"/>
             <a:r>
-              <a:rPr lang="de-DE" smtClean="0"/>
+              <a:rPr lang="de-DE"/>
               <a:t>Dritte Ebene</a:t>
             </a:r>
           </a:p>
           <a:p>
             <a:pPr lvl="3"/>
             <a:r>
-              <a:rPr lang="de-DE" smtClean="0"/>
+              <a:rPr lang="de-DE"/>
               <a:t>Vierte Ebene</a:t>
             </a:r>
           </a:p>
           <a:p>
             <a:pPr lvl="4"/>
             <a:r>
-              <a:rPr lang="de-DE" smtClean="0"/>
+              <a:rPr lang="de-DE"/>
               <a:t>Fünfte Ebene</a:t>
             </a:r>
-            <a:endParaRPr lang="de-DE"/>
           </a:p>
         </p:txBody>
       </p:sp>
@@ -4857,13 +4854,6 @@
   <p:clrMapOvr>
     <a:masterClrMapping/>
   </p:clrMapOvr>
-  <p:timing>
-    <p:tnLst>
-      <p:par>
-        <p:cTn id="1" dur="indefinite" restart="never" nodeType="tmRoot"/>
-      </p:par>
-    </p:tnLst>
-  </p:timing>
 </p:sldLayout>
 </file>
 
@@ -4901,38 +4891,37 @@
           <a:p>
             <a:pPr lvl="0"/>
             <a:r>
-              <a:rPr lang="de-DE" smtClean="0"/>
+              <a:rPr lang="de-DE"/>
               <a:t>Textmasterformat bearbeiten</a:t>
             </a:r>
           </a:p>
           <a:p>
             <a:pPr lvl="1"/>
             <a:r>
-              <a:rPr lang="de-DE" smtClean="0"/>
+              <a:rPr lang="de-DE"/>
               <a:t>Zweite Ebene</a:t>
             </a:r>
           </a:p>
           <a:p>
             <a:pPr lvl="2"/>
             <a:r>
-              <a:rPr lang="de-DE" smtClean="0"/>
+              <a:rPr lang="de-DE"/>
               <a:t>Dritte Ebene</a:t>
             </a:r>
           </a:p>
           <a:p>
             <a:pPr lvl="3"/>
             <a:r>
-              <a:rPr lang="de-DE" smtClean="0"/>
+              <a:rPr lang="de-DE"/>
               <a:t>Vierte Ebene</a:t>
             </a:r>
           </a:p>
           <a:p>
             <a:pPr lvl="4"/>
             <a:r>
-              <a:rPr lang="de-DE" smtClean="0"/>
+              <a:rPr lang="de-DE"/>
               <a:t>Fünfte Ebene</a:t>
             </a:r>
-            <a:endParaRPr lang="de-DE"/>
           </a:p>
         </p:txBody>
       </p:sp>
@@ -4986,7 +4975,7 @@
           <a:lstStyle/>
           <a:p>
             <a:r>
-              <a:rPr lang="de-DE" smtClean="0"/>
+              <a:rPr lang="de-DE"/>
               <a:t>Titelmasterformat durch Klicken bearbeiten</a:t>
             </a:r>
             <a:endParaRPr lang="en-US"/>
@@ -5003,13 +4992,6 @@
   <p:clrMapOvr>
     <a:masterClrMapping/>
   </p:clrMapOvr>
-  <p:timing>
-    <p:tnLst>
-      <p:par>
-        <p:cTn id="1" dur="indefinite" restart="never" nodeType="tmRoot"/>
-      </p:par>
-    </p:tnLst>
-  </p:timing>
 </p:sldLayout>
 </file>
 
@@ -5051,10 +5033,9 @@
           <a:lstStyle/>
           <a:p>
             <a:r>
-              <a:rPr lang="de-DE" smtClean="0"/>
+              <a:rPr lang="de-DE"/>
               <a:t>Titelmasterformat durch Klicken bearbeiten</a:t>
             </a:r>
-            <a:endParaRPr lang="de-DE"/>
           </a:p>
         </p:txBody>
       </p:sp>
@@ -5080,38 +5061,37 @@
           <a:p>
             <a:pPr lvl="0"/>
             <a:r>
-              <a:rPr lang="de-DE" dirty="0" smtClean="0"/>
+              <a:rPr lang="de-DE" dirty="0"/>
               <a:t>Textmasterformat bearbeiten</a:t>
             </a:r>
           </a:p>
           <a:p>
             <a:pPr lvl="1"/>
             <a:r>
-              <a:rPr lang="de-DE" dirty="0" smtClean="0"/>
+              <a:rPr lang="de-DE" dirty="0"/>
               <a:t>Zweite Ebene</a:t>
             </a:r>
           </a:p>
           <a:p>
             <a:pPr lvl="2"/>
             <a:r>
-              <a:rPr lang="de-DE" dirty="0" smtClean="0"/>
+              <a:rPr lang="de-DE" dirty="0"/>
               <a:t>Dritte Ebene</a:t>
             </a:r>
           </a:p>
           <a:p>
             <a:pPr lvl="3"/>
             <a:r>
-              <a:rPr lang="de-DE" dirty="0" smtClean="0"/>
+              <a:rPr lang="de-DE" dirty="0"/>
               <a:t>Vierte Ebene</a:t>
             </a:r>
           </a:p>
           <a:p>
             <a:pPr lvl="4"/>
             <a:r>
-              <a:rPr lang="de-DE" dirty="0" smtClean="0"/>
+              <a:rPr lang="de-DE" dirty="0"/>
               <a:t>Fünfte Ebene</a:t>
             </a:r>
-            <a:endParaRPr lang="de-DE" dirty="0"/>
           </a:p>
         </p:txBody>
       </p:sp>
@@ -5159,13 +5139,6 @@
   <p:clrMapOvr>
     <a:masterClrMapping/>
   </p:clrMapOvr>
-  <p:timing>
-    <p:tnLst>
-      <p:par>
-        <p:cTn id="1" dur="indefinite" restart="never" nodeType="tmRoot"/>
-      </p:par>
-    </p:tnLst>
-  </p:timing>
 </p:sldLayout>
 </file>
 
@@ -5211,10 +5184,9 @@
           </a:lstStyle>
           <a:p>
             <a:r>
-              <a:rPr lang="de-DE" dirty="0" smtClean="0"/>
+              <a:rPr lang="de-DE" dirty="0"/>
               <a:t>Titelmasterformat durch Klicken bearbeiten</a:t>
             </a:r>
-            <a:endParaRPr lang="de-DE" dirty="0"/>
           </a:p>
         </p:txBody>
       </p:sp>
@@ -5277,7 +5249,7 @@
           <a:p>
             <a:pPr lvl="0"/>
             <a:r>
-              <a:rPr lang="de-DE" dirty="0" smtClean="0"/>
+              <a:rPr lang="de-DE" dirty="0"/>
               <a:t>Textmasterformat bearbeiten</a:t>
             </a:r>
           </a:p>
@@ -5327,13 +5299,6 @@
   <p:clrMapOvr>
     <a:masterClrMapping/>
   </p:clrMapOvr>
-  <p:timing>
-    <p:tnLst>
-      <p:par>
-        <p:cTn id="1" dur="indefinite" restart="never" nodeType="tmRoot"/>
-      </p:par>
-    </p:tnLst>
-  </p:timing>
 </p:sldLayout>
 </file>
 
@@ -5379,10 +5344,9 @@
           </a:lstStyle>
           <a:p>
             <a:r>
-              <a:rPr lang="de-DE" dirty="0" smtClean="0"/>
+              <a:rPr lang="de-DE" dirty="0"/>
               <a:t>Titelmasterformat durch Klicken bearbeiten</a:t>
             </a:r>
-            <a:endParaRPr lang="de-DE" dirty="0"/>
           </a:p>
         </p:txBody>
       </p:sp>
@@ -5444,7 +5408,7 @@
           </a:lstStyle>
           <a:p>
             <a:pPr lvl="0"/>
-            <a:endParaRPr lang="de-DE" noProof="0" dirty="0" smtClean="0"/>
+            <a:endParaRPr lang="de-DE" noProof="0" dirty="0"/>
           </a:p>
         </p:txBody>
       </p:sp>
@@ -5507,7 +5471,7 @@
           <a:p>
             <a:pPr lvl="0"/>
             <a:r>
-              <a:rPr lang="de-DE" smtClean="0"/>
+              <a:rPr lang="de-DE"/>
               <a:t>Textmasterformat bearbeiten</a:t>
             </a:r>
           </a:p>
@@ -5557,13 +5521,6 @@
   <p:clrMapOvr>
     <a:masterClrMapping/>
   </p:clrMapOvr>
-  <p:timing>
-    <p:tnLst>
-      <p:par>
-        <p:cTn id="1" dur="indefinite" restart="never" nodeType="tmRoot"/>
-      </p:par>
-    </p:tnLst>
-  </p:timing>
 </p:sldLayout>
 </file>
 
@@ -5601,38 +5558,37 @@
           <a:p>
             <a:pPr lvl="0"/>
             <a:r>
-              <a:rPr lang="de-DE" dirty="0" smtClean="0"/>
+              <a:rPr lang="de-DE" dirty="0"/>
               <a:t>Textmasterformat bearbeiten</a:t>
             </a:r>
           </a:p>
           <a:p>
             <a:pPr lvl="1"/>
             <a:r>
-              <a:rPr lang="de-DE" dirty="0" smtClean="0"/>
+              <a:rPr lang="de-DE" dirty="0"/>
               <a:t>Zweite Ebene</a:t>
             </a:r>
           </a:p>
           <a:p>
             <a:pPr lvl="2"/>
             <a:r>
-              <a:rPr lang="de-DE" dirty="0" smtClean="0"/>
+              <a:rPr lang="de-DE" dirty="0"/>
               <a:t>Dritte Ebene</a:t>
             </a:r>
           </a:p>
           <a:p>
             <a:pPr lvl="3"/>
             <a:r>
-              <a:rPr lang="de-DE" dirty="0" smtClean="0"/>
+              <a:rPr lang="de-DE" dirty="0"/>
               <a:t>Vierte Ebene</a:t>
             </a:r>
           </a:p>
           <a:p>
             <a:pPr lvl="4"/>
             <a:r>
-              <a:rPr lang="de-DE" dirty="0" smtClean="0"/>
+              <a:rPr lang="de-DE" dirty="0"/>
               <a:t>Fünfte Ebene</a:t>
             </a:r>
-            <a:endParaRPr lang="de-DE" dirty="0"/>
           </a:p>
         </p:txBody>
       </p:sp>
@@ -5686,7 +5642,7 @@
           <a:lstStyle/>
           <a:p>
             <a:r>
-              <a:rPr lang="de-DE" smtClean="0"/>
+              <a:rPr lang="de-DE"/>
               <a:t>Titelmasterformat durch Klicken bearbeiten</a:t>
             </a:r>
             <a:endParaRPr lang="en-US"/>
@@ -5703,13 +5659,6 @@
   <p:clrMapOvr>
     <a:masterClrMapping/>
   </p:clrMapOvr>
-  <p:timing>
-    <p:tnLst>
-      <p:par>
-        <p:cTn id="1" dur="indefinite" restart="never" nodeType="tmRoot"/>
-      </p:par>
-    </p:tnLst>
-  </p:timing>
 </p:sldLayout>
 </file>
 
@@ -5747,35 +5696,35 @@
           <a:p>
             <a:pPr lvl="0"/>
             <a:r>
-              <a:rPr lang="de-DE" smtClean="0"/>
+              <a:rPr lang="de-DE"/>
               <a:t>Textmasterformat bearbeiten</a:t>
             </a:r>
           </a:p>
           <a:p>
             <a:pPr lvl="1"/>
             <a:r>
-              <a:rPr lang="de-DE" smtClean="0"/>
+              <a:rPr lang="de-DE"/>
               <a:t>Zweite Ebene</a:t>
             </a:r>
           </a:p>
           <a:p>
             <a:pPr lvl="2"/>
             <a:r>
-              <a:rPr lang="de-DE" smtClean="0"/>
+              <a:rPr lang="de-DE"/>
               <a:t>Dritte Ebene</a:t>
             </a:r>
           </a:p>
           <a:p>
             <a:pPr lvl="3"/>
             <a:r>
-              <a:rPr lang="de-DE" smtClean="0"/>
+              <a:rPr lang="de-DE"/>
               <a:t>Vierte Ebene</a:t>
             </a:r>
           </a:p>
           <a:p>
             <a:pPr lvl="4"/>
             <a:r>
-              <a:rPr lang="de-DE" smtClean="0"/>
+              <a:rPr lang="de-DE"/>
               <a:t>Fünfte Ebene</a:t>
             </a:r>
             <a:endParaRPr lang="en-US"/>
@@ -5800,7 +5749,7 @@
             <a:pPr>
               <a:defRPr/>
             </a:pPr>
-            <a:endParaRPr lang="de-DE" smtClean="0"/>
+            <a:endParaRPr lang="de-DE"/>
           </a:p>
           <a:p>
             <a:pPr>
@@ -5826,7 +5775,7 @@
           <a:lstStyle/>
           <a:p>
             <a:r>
-              <a:rPr lang="de-DE" smtClean="0"/>
+              <a:rPr lang="de-DE"/>
               <a:t>Titelmasterformat durch Klicken bearbeiten</a:t>
             </a:r>
             <a:endParaRPr lang="en-US"/>
@@ -5843,13 +5792,6 @@
   <p:clrMapOvr>
     <a:masterClrMapping/>
   </p:clrMapOvr>
-  <p:timing>
-    <p:tnLst>
-      <p:par>
-        <p:cTn id="1" dur="indefinite" restart="never" nodeType="tmRoot"/>
-      </p:par>
-    </p:tnLst>
-  </p:timing>
 </p:sldLayout>
 </file>
 
@@ -5920,7 +5862,7 @@
           <a:lstStyle/>
           <a:p>
             <a:r>
-              <a:rPr lang="de-DE" smtClean="0"/>
+              <a:rPr lang="de-DE"/>
               <a:t>Titelmasterformat durch Klicken bearbeiten</a:t>
             </a:r>
             <a:endParaRPr lang="en-US"/>
@@ -5937,13 +5879,6 @@
   <p:clrMapOvr>
     <a:masterClrMapping/>
   </p:clrMapOvr>
-  <p:timing>
-    <p:tnLst>
-      <p:par>
-        <p:cTn id="1" dur="indefinite" restart="never" nodeType="tmRoot"/>
-      </p:par>
-    </p:tnLst>
-  </p:timing>
 </p:sldLayout>
 </file>
 
@@ -6008,13 +5943,6 @@
   <p:clrMapOvr>
     <a:masterClrMapping/>
   </p:clrMapOvr>
-  <p:timing>
-    <p:tnLst>
-      <p:par>
-        <p:cTn id="1" dur="indefinite" restart="never" nodeType="tmRoot"/>
-      </p:par>
-    </p:tnLst>
-  </p:timing>
 </p:sldLayout>
 </file>
 
@@ -6085,38 +6013,37 @@
           <a:p>
             <a:pPr lvl="0"/>
             <a:r>
-              <a:rPr lang="de-DE" dirty="0" smtClean="0"/>
+              <a:rPr lang="de-DE" dirty="0"/>
               <a:t>Textmasterformat bearbeiten</a:t>
             </a:r>
           </a:p>
           <a:p>
             <a:pPr lvl="1"/>
             <a:r>
-              <a:rPr lang="de-DE" dirty="0" smtClean="0"/>
+              <a:rPr lang="de-DE" dirty="0"/>
               <a:t>Zweite Ebene</a:t>
             </a:r>
           </a:p>
           <a:p>
             <a:pPr lvl="2"/>
             <a:r>
-              <a:rPr lang="de-DE" dirty="0" smtClean="0"/>
+              <a:rPr lang="de-DE" dirty="0"/>
               <a:t>Dritte Ebene</a:t>
             </a:r>
           </a:p>
           <a:p>
             <a:pPr lvl="3"/>
             <a:r>
-              <a:rPr lang="de-DE" dirty="0" smtClean="0"/>
+              <a:rPr lang="de-DE" dirty="0"/>
               <a:t>Vierte Ebene</a:t>
             </a:r>
           </a:p>
           <a:p>
             <a:pPr lvl="4"/>
             <a:r>
-              <a:rPr lang="de-DE" dirty="0" smtClean="0"/>
+              <a:rPr lang="de-DE" dirty="0"/>
               <a:t>Fünfte Ebene</a:t>
             </a:r>
-            <a:endParaRPr lang="de-DE" dirty="0"/>
           </a:p>
         </p:txBody>
       </p:sp>
@@ -6170,38 +6097,37 @@
           <a:p>
             <a:pPr lvl="0"/>
             <a:r>
-              <a:rPr lang="de-DE" dirty="0" smtClean="0"/>
+              <a:rPr lang="de-DE" dirty="0"/>
               <a:t>Textmasterformat bearbeiten</a:t>
             </a:r>
           </a:p>
           <a:p>
             <a:pPr lvl="1"/>
             <a:r>
-              <a:rPr lang="de-DE" dirty="0" smtClean="0"/>
+              <a:rPr lang="de-DE" dirty="0"/>
               <a:t>Zweite Ebene</a:t>
             </a:r>
           </a:p>
           <a:p>
             <a:pPr lvl="2"/>
             <a:r>
-              <a:rPr lang="de-DE" dirty="0" smtClean="0"/>
+              <a:rPr lang="de-DE" dirty="0"/>
               <a:t>Dritte Ebene</a:t>
             </a:r>
           </a:p>
           <a:p>
             <a:pPr lvl="3"/>
             <a:r>
-              <a:rPr lang="de-DE" dirty="0" smtClean="0"/>
+              <a:rPr lang="de-DE" dirty="0"/>
               <a:t>Vierte Ebene</a:t>
             </a:r>
           </a:p>
           <a:p>
             <a:pPr lvl="4"/>
             <a:r>
-              <a:rPr lang="de-DE" dirty="0" smtClean="0"/>
+              <a:rPr lang="de-DE" dirty="0"/>
               <a:t>Fünfte Ebene</a:t>
             </a:r>
-            <a:endParaRPr lang="de-DE" dirty="0"/>
           </a:p>
         </p:txBody>
       </p:sp>
@@ -6255,7 +6181,7 @@
           <a:lstStyle/>
           <a:p>
             <a:r>
-              <a:rPr lang="de-DE" smtClean="0"/>
+              <a:rPr lang="de-DE"/>
               <a:t>Titelmasterformat durch Klicken bearbeiten</a:t>
             </a:r>
             <a:endParaRPr lang="en-US"/>
@@ -6272,13 +6198,6 @@
   <p:clrMapOvr>
     <a:masterClrMapping/>
   </p:clrMapOvr>
-  <p:timing>
-    <p:tnLst>
-      <p:par>
-        <p:cTn id="1" dur="indefinite" restart="never" nodeType="tmRoot"/>
-      </p:par>
-    </p:tnLst>
-  </p:timing>
 </p:sldLayout>
 </file>
 
@@ -6349,38 +6268,37 @@
           <a:p>
             <a:pPr lvl="0"/>
             <a:r>
-              <a:rPr lang="de-DE" dirty="0" smtClean="0"/>
+              <a:rPr lang="de-DE" dirty="0"/>
               <a:t>Textmasterformat bearbeiten</a:t>
             </a:r>
           </a:p>
           <a:p>
             <a:pPr lvl="1"/>
             <a:r>
-              <a:rPr lang="de-DE" dirty="0" smtClean="0"/>
+              <a:rPr lang="de-DE" dirty="0"/>
               <a:t>Zweite Ebene</a:t>
             </a:r>
           </a:p>
           <a:p>
             <a:pPr lvl="2"/>
             <a:r>
-              <a:rPr lang="de-DE" dirty="0" smtClean="0"/>
+              <a:rPr lang="de-DE" dirty="0"/>
               <a:t>Dritte Ebene</a:t>
             </a:r>
           </a:p>
           <a:p>
             <a:pPr lvl="3"/>
             <a:r>
-              <a:rPr lang="de-DE" dirty="0" smtClean="0"/>
+              <a:rPr lang="de-DE" dirty="0"/>
               <a:t>Vierte Ebene</a:t>
             </a:r>
           </a:p>
           <a:p>
             <a:pPr lvl="4"/>
             <a:r>
-              <a:rPr lang="de-DE" dirty="0" smtClean="0"/>
+              <a:rPr lang="de-DE" dirty="0"/>
               <a:t>Fünfte Ebene</a:t>
             </a:r>
-            <a:endParaRPr lang="de-DE" dirty="0"/>
           </a:p>
         </p:txBody>
       </p:sp>
@@ -6468,38 +6386,37 @@
           <a:p>
             <a:pPr lvl="0"/>
             <a:r>
-              <a:rPr lang="de-DE" dirty="0" smtClean="0"/>
+              <a:rPr lang="de-DE" dirty="0"/>
               <a:t>Textmasterformat bearbeiten</a:t>
             </a:r>
           </a:p>
           <a:p>
             <a:pPr lvl="1"/>
             <a:r>
-              <a:rPr lang="de-DE" dirty="0" smtClean="0"/>
+              <a:rPr lang="de-DE" dirty="0"/>
               <a:t>Zweite Ebene</a:t>
             </a:r>
           </a:p>
           <a:p>
             <a:pPr lvl="2"/>
             <a:r>
-              <a:rPr lang="de-DE" dirty="0" smtClean="0"/>
+              <a:rPr lang="de-DE" dirty="0"/>
               <a:t>Dritte Ebene</a:t>
             </a:r>
           </a:p>
           <a:p>
             <a:pPr lvl="3"/>
             <a:r>
-              <a:rPr lang="de-DE" dirty="0" smtClean="0"/>
+              <a:rPr lang="de-DE" dirty="0"/>
               <a:t>Vierte Ebene</a:t>
             </a:r>
           </a:p>
           <a:p>
             <a:pPr lvl="4"/>
             <a:r>
-              <a:rPr lang="de-DE" dirty="0" smtClean="0"/>
+              <a:rPr lang="de-DE" dirty="0"/>
               <a:t>Fünfte Ebene</a:t>
             </a:r>
-            <a:endParaRPr lang="de-DE" dirty="0"/>
           </a:p>
         </p:txBody>
       </p:sp>
@@ -6553,38 +6470,37 @@
           <a:p>
             <a:pPr lvl="0"/>
             <a:r>
-              <a:rPr lang="de-DE" dirty="0" smtClean="0"/>
+              <a:rPr lang="de-DE" dirty="0"/>
               <a:t>Textmasterformat bearbeiten</a:t>
             </a:r>
           </a:p>
           <a:p>
             <a:pPr lvl="1"/>
             <a:r>
-              <a:rPr lang="de-DE" dirty="0" smtClean="0"/>
+              <a:rPr lang="de-DE" dirty="0"/>
               <a:t>Zweite Ebene</a:t>
             </a:r>
           </a:p>
           <a:p>
             <a:pPr lvl="2"/>
             <a:r>
-              <a:rPr lang="de-DE" dirty="0" smtClean="0"/>
+              <a:rPr lang="de-DE" dirty="0"/>
               <a:t>Dritte Ebene</a:t>
             </a:r>
           </a:p>
           <a:p>
             <a:pPr lvl="3"/>
             <a:r>
-              <a:rPr lang="de-DE" dirty="0" smtClean="0"/>
+              <a:rPr lang="de-DE" dirty="0"/>
               <a:t>Vierte Ebene</a:t>
             </a:r>
           </a:p>
           <a:p>
             <a:pPr lvl="4"/>
             <a:r>
-              <a:rPr lang="de-DE" dirty="0" smtClean="0"/>
+              <a:rPr lang="de-DE" dirty="0"/>
               <a:t>Fünfte Ebene</a:t>
             </a:r>
-            <a:endParaRPr lang="de-DE" dirty="0"/>
           </a:p>
         </p:txBody>
       </p:sp>
@@ -6604,7 +6520,7 @@
           <a:lstStyle/>
           <a:p>
             <a:r>
-              <a:rPr lang="de-DE" smtClean="0"/>
+              <a:rPr lang="de-DE"/>
               <a:t>Titelmasterformat durch Klicken bearbeiten</a:t>
             </a:r>
             <a:endParaRPr lang="en-US"/>
@@ -6621,13 +6537,6 @@
   <p:clrMapOvr>
     <a:masterClrMapping/>
   </p:clrMapOvr>
-  <p:timing>
-    <p:tnLst>
-      <p:par>
-        <p:cTn id="1" dur="indefinite" restart="never" nodeType="tmRoot"/>
-      </p:par>
-    </p:tnLst>
-  </p:timing>
 </p:sldLayout>
 </file>
 
@@ -6817,7 +6726,7 @@
           <a:p>
             <a:pPr lvl="0"/>
             <a:r>
-              <a:rPr lang="de-DE" dirty="0" smtClean="0"/>
+              <a:rPr lang="de-DE" dirty="0"/>
               <a:t>Mastertitelformat bearbeiten</a:t>
             </a:r>
           </a:p>
@@ -6885,35 +6794,35 @@
           <a:p>
             <a:pPr lvl="0"/>
             <a:r>
-              <a:rPr lang="de-DE" dirty="0" smtClean="0"/>
+              <a:rPr lang="de-DE" dirty="0"/>
               <a:t>Mastertextformat bearbeiten</a:t>
             </a:r>
           </a:p>
           <a:p>
             <a:pPr lvl="1"/>
             <a:r>
-              <a:rPr lang="de-DE" dirty="0" smtClean="0"/>
+              <a:rPr lang="de-DE" dirty="0"/>
               <a:t>Zweite Ebene</a:t>
             </a:r>
           </a:p>
           <a:p>
             <a:pPr lvl="2"/>
             <a:r>
-              <a:rPr lang="de-DE" dirty="0" smtClean="0"/>
+              <a:rPr lang="de-DE" dirty="0"/>
               <a:t>Dritte Ebene</a:t>
             </a:r>
           </a:p>
           <a:p>
             <a:pPr lvl="3"/>
             <a:r>
-              <a:rPr lang="de-DE" dirty="0" smtClean="0"/>
+              <a:rPr lang="de-DE" dirty="0"/>
               <a:t>Vierte Ebene</a:t>
             </a:r>
           </a:p>
           <a:p>
             <a:pPr lvl="4"/>
             <a:r>
-              <a:rPr lang="de-DE" dirty="0" smtClean="0"/>
+              <a:rPr lang="de-DE" dirty="0"/>
               <a:t>Fünfte Ebene</a:t>
             </a:r>
           </a:p>
@@ -7406,13 +7315,6 @@
     <p:sldLayoutId id="2147483689" r:id="rId15"/>
     <p:sldLayoutId id="2147483690" r:id="rId16"/>
   </p:sldLayoutIdLst>
-  <p:timing>
-    <p:tnLst>
-      <p:par>
-        <p:cTn id="1" dur="indefinite" restart="never" nodeType="tmRoot"/>
-      </p:par>
-    </p:tnLst>
-  </p:timing>
   <p:hf sldNum="0" hdr="0" dt="0"/>
   <p:txStyles>
     <p:titleStyle>
@@ -7825,7 +7727,7 @@
           <a:p>
             <a:pPr eaLnBrk="1" hangingPunct="1"/>
             <a:r>
-              <a:rPr lang="en-US" smtClean="0"/>
+              <a:rPr lang="en-US"/>
               <a:t>Seamless …….</a:t>
             </a:r>
           </a:p>
@@ -7848,7 +7750,7 @@
           <a:p>
             <a:pPr eaLnBrk="1" hangingPunct="1"/>
             <a:r>
-              <a:rPr lang="en-US" smtClean="0"/>
+              <a:rPr lang="en-US"/>
               <a:t>……… @ KOM</a:t>
             </a:r>
           </a:p>
@@ -8113,8 +8015,8 @@
         </p:nvSpPr>
         <p:spPr bwMode="auto">
           <a:xfrm>
-            <a:off x="250825" y="5651500"/>
-            <a:ext cx="2054225" cy="754063"/>
+            <a:off x="250825" y="6159342"/>
+            <a:ext cx="1016625" cy="246221"/>
           </a:xfrm>
           <a:prstGeom prst="rect">
             <a:avLst/>
@@ -8298,141 +8200,18 @@
               <a:buClr>
                 <a:schemeClr val="tx1"/>
               </a:buClr>
-              <a:buFontTx/>
-              <a:buNone/>
             </a:pPr>
             <a:r>
-              <a:rPr lang="en-US" sz="1000" dirty="0" smtClean="0">
+              <a:rPr lang="en-US" sz="1000" dirty="0">
                 <a:solidFill>
                   <a:schemeClr val="tx1"/>
                 </a:solidFill>
+                <a:latin typeface="Arial"/>
+                <a:cs typeface="Arial"/>
               </a:rPr>
-              <a:t>Dipl.-Ing. </a:t>
-            </a:r>
-            <a:r>
-              <a:rPr lang="en-US" sz="1000" dirty="0" err="1" smtClean="0">
-                <a:solidFill>
-                  <a:schemeClr val="tx1"/>
-                </a:solidFill>
-              </a:rPr>
-              <a:t>Maximiliane</a:t>
-            </a:r>
-            <a:r>
-              <a:rPr lang="en-US" sz="1000" dirty="0" smtClean="0">
-                <a:solidFill>
-                  <a:schemeClr val="tx1"/>
-                </a:solidFill>
-              </a:rPr>
-              <a:t> </a:t>
-            </a:r>
-            <a:r>
-              <a:rPr lang="en-US" sz="1000" dirty="0" err="1" smtClean="0">
-                <a:solidFill>
-                  <a:schemeClr val="tx1"/>
-                </a:solidFill>
-              </a:rPr>
-              <a:t>Musterfrau</a:t>
-            </a:r>
-            <a:endParaRPr lang="en-US" sz="1000" dirty="0" smtClean="0">
-              <a:solidFill>
-                <a:schemeClr val="tx1"/>
-              </a:solidFill>
-            </a:endParaRPr>
-          </a:p>
-          <a:p>
-            <a:pPr algn="l">
-              <a:lnSpc>
-                <a:spcPct val="100000"/>
-              </a:lnSpc>
-              <a:spcAft>
-                <a:spcPct val="10000"/>
-              </a:spcAft>
-              <a:buClr>
-                <a:schemeClr val="tx1"/>
-              </a:buClr>
-              <a:buFontTx/>
-              <a:buNone/>
-            </a:pPr>
-            <a:r>
-              <a:rPr lang="en-US" sz="1000" dirty="0" smtClean="0">
-                <a:solidFill>
-                  <a:schemeClr val="tx1"/>
-                </a:solidFill>
-              </a:rPr>
-              <a:t>Dipl.-Inform. xxx </a:t>
-            </a:r>
-            <a:r>
-              <a:rPr lang="en-US" sz="1000" dirty="0" err="1" smtClean="0">
-                <a:solidFill>
-                  <a:schemeClr val="tx1"/>
-                </a:solidFill>
-              </a:rPr>
-              <a:t>XXX</a:t>
-            </a:r>
-            <a:endParaRPr lang="en-US" sz="1000" dirty="0" smtClean="0">
-              <a:solidFill>
-                <a:schemeClr val="tx1"/>
-              </a:solidFill>
-            </a:endParaRPr>
-          </a:p>
-          <a:p>
-            <a:pPr algn="l">
-              <a:lnSpc>
-                <a:spcPct val="100000"/>
-              </a:lnSpc>
-              <a:spcAft>
-                <a:spcPct val="10000"/>
-              </a:spcAft>
-              <a:buClr>
-                <a:schemeClr val="tx1"/>
-              </a:buClr>
-              <a:buFontTx/>
-              <a:buNone/>
-            </a:pPr>
-            <a:r>
-              <a:rPr lang="en-US" sz="1000" dirty="0" smtClean="0">
-                <a:solidFill>
-                  <a:schemeClr val="tx1"/>
-                </a:solidFill>
-              </a:rPr>
-              <a:t>Dr.-Ing.</a:t>
-            </a:r>
-          </a:p>
-          <a:p>
-            <a:pPr algn="l">
-              <a:lnSpc>
-                <a:spcPct val="100000"/>
-              </a:lnSpc>
-              <a:spcAft>
-                <a:spcPct val="10000"/>
-              </a:spcAft>
-              <a:buClr>
-                <a:schemeClr val="tx1"/>
-              </a:buClr>
-              <a:buFontTx/>
-              <a:buNone/>
-            </a:pPr>
-            <a:r>
-              <a:rPr lang="en-US" sz="1000" dirty="0" smtClean="0">
-                <a:solidFill>
-                  <a:schemeClr val="tx1"/>
-                </a:solidFill>
-              </a:rPr>
-              <a:t>Dipl.-Wirtsch.-Inform. xxx </a:t>
-            </a:r>
-            <a:r>
-              <a:rPr lang="en-US" sz="1000" dirty="0" err="1" smtClean="0">
-                <a:solidFill>
-                  <a:schemeClr val="tx1"/>
-                </a:solidFill>
-              </a:rPr>
-              <a:t>XXX</a:t>
-            </a:r>
-            <a:endParaRPr lang="en-US" sz="1000" b="1" dirty="0">
-              <a:solidFill>
-                <a:schemeClr val="tx1"/>
-              </a:solidFill>
-            </a:endParaRPr>
+              <a:t>Tim Unverzagt</a:t>
+            </a:r>
+            <a:endParaRPr lang="de-DE" dirty="0"/>
           </a:p>
         </p:txBody>
       </p:sp>
@@ -8442,17 +8221,10 @@
     <a:masterClrMapping/>
   </p:clrMapOvr>
   <p:transition/>
-  <p:timing>
-    <p:tnLst>
-      <p:par>
-        <p:cTn id="1" dur="indefinite" restart="never" nodeType="tmRoot"/>
-      </p:par>
-    </p:tnLst>
-  </p:timing>
 </p:sld>
 </file>
 
-<file path=ppt/slides/slide2.xml><?xml version="1.0" encoding="utf-8"?>
+<file path=ppt/slides/slide10.xml><?xml version="1.0" encoding="utf-8"?>
 <p:sld xmlns:a="http://schemas.openxmlformats.org/drawingml/2006/main" xmlns:r="http://schemas.openxmlformats.org/officeDocument/2006/relationships" xmlns:p="http://schemas.openxmlformats.org/presentationml/2006/main">
   <p:cSld>
     <p:spTree>
@@ -8471,80 +8243,6 @@
       </p:grpSpPr>
       <p:sp>
         <p:nvSpPr>
-          <p:cNvPr id="6" name="Textplatzhalter 5"/>
-          <p:cNvSpPr>
-            <a:spLocks noGrp="1"/>
-          </p:cNvSpPr>
-          <p:nvPr>
-            <p:ph type="body" idx="1"/>
-          </p:nvPr>
-        </p:nvSpPr>
-        <p:spPr/>
-        <p:txBody>
-          <a:bodyPr/>
-          <a:lstStyle/>
-          <a:p>
-            <a:r>
-              <a:rPr lang="en-US" dirty="0" smtClean="0"/>
-              <a:t>Level 0</a:t>
-            </a:r>
-          </a:p>
-          <a:p>
-            <a:pPr lvl="1"/>
-            <a:r>
-              <a:rPr lang="en-US" dirty="0" smtClean="0"/>
-              <a:t>Level 1</a:t>
-            </a:r>
-          </a:p>
-          <a:p>
-            <a:pPr lvl="1"/>
-            <a:r>
-              <a:rPr lang="en-US" dirty="0" smtClean="0"/>
-              <a:t>Level 1</a:t>
-            </a:r>
-          </a:p>
-          <a:p>
-            <a:pPr lvl="2"/>
-            <a:r>
-              <a:rPr lang="en-US" dirty="0" smtClean="0"/>
-              <a:t>Level 2</a:t>
-            </a:r>
-          </a:p>
-          <a:p>
-            <a:pPr lvl="2"/>
-            <a:r>
-              <a:rPr lang="en-US" dirty="0" smtClean="0"/>
-              <a:t>Level 2</a:t>
-            </a:r>
-          </a:p>
-          <a:p>
-            <a:endParaRPr lang="en-US" dirty="0"/>
-          </a:p>
-          <a:p>
-            <a:r>
-              <a:rPr lang="en-US" dirty="0" smtClean="0"/>
-              <a:t>Another Level 0</a:t>
-            </a:r>
-          </a:p>
-          <a:p>
-            <a:pPr lvl="1"/>
-            <a:r>
-              <a:rPr lang="en-US" dirty="0" smtClean="0"/>
-              <a:t>Level 1</a:t>
-            </a:r>
-          </a:p>
-          <a:p>
-            <a:pPr lvl="1"/>
-            <a:r>
-              <a:rPr lang="de-DE" dirty="0" smtClean="0"/>
-              <a:t>Level 1</a:t>
-            </a:r>
-            <a:endParaRPr lang="en-US" dirty="0"/>
-          </a:p>
-        </p:txBody>
-      </p:sp>
-      <p:sp>
-        <p:nvSpPr>
           <p:cNvPr id="4" name="Fußzeilenplatzhalter 3"/>
           <p:cNvSpPr>
             <a:spLocks noGrp="1"/>
@@ -8561,7 +8259,7 @@
             <a:pPr>
               <a:defRPr/>
             </a:pPr>
-            <a:endParaRPr lang="de-DE" smtClean="0"/>
+            <a:endParaRPr lang="de-DE"/>
           </a:p>
           <a:p>
             <a:pPr>
@@ -8587,83 +8285,561 @@
           <a:lstStyle/>
           <a:p>
             <a:r>
-              <a:rPr lang="en-US" dirty="0" smtClean="0"/>
-              <a:t>Headline</a:t>
-            </a:r>
-            <a:endParaRPr lang="en-US" dirty="0"/>
-          </a:p>
-        </p:txBody>
-      </p:sp>
-      <p:pic>
-        <p:nvPicPr>
-          <p:cNvPr id="1026" name="Picture 2"/>
-          <p:cNvPicPr>
-            <a:picLocks noChangeAspect="1" noChangeArrowheads="1"/>
-          </p:cNvPicPr>
-          <p:nvPr/>
-        </p:nvPicPr>
-        <p:blipFill>
-          <a:blip r:embed="rId2">
+              <a:rPr lang="en-US" dirty="0">
+                <a:cs typeface="Arial"/>
+              </a:rPr>
+              <a:t>Progress I</a:t>
+            </a:r>
+          </a:p>
+        </p:txBody>
+      </p:sp>
+      <p:sp>
+        <p:nvSpPr>
+          <p:cNvPr id="2" name="Rechteck: abgerundete Ecken 1">
             <a:extLst>
-              <a:ext uri="{28A0092B-C50C-407E-A947-70E740481C1C}">
-                <a14:useLocalDpi xmlns:a14="http://schemas.microsoft.com/office/drawing/2010/main" val="0"/>
+              <a:ext uri="{FF2B5EF4-FFF2-40B4-BE49-F238E27FC236}">
+                <a16:creationId xmlns:a16="http://schemas.microsoft.com/office/drawing/2014/main" id="{C6F9F1D7-5867-484C-81EF-E31F5D55F722}"/>
               </a:ext>
             </a:extLst>
-          </a:blip>
-          <a:srcRect/>
-          <a:stretch>
-            <a:fillRect/>
-          </a:stretch>
-        </p:blipFill>
+          </p:cNvPr>
+          <p:cNvSpPr/>
+          <p:nvPr/>
+        </p:nvSpPr>
         <p:spPr bwMode="auto">
           <a:xfrm>
-            <a:off x="2555777" y="4270298"/>
-            <a:ext cx="6292948" cy="1941143"/>
+            <a:off x="425640" y="1619819"/>
+            <a:ext cx="611037" cy="546818"/>
           </a:xfrm>
-          <a:prstGeom prst="rect">
+          <a:prstGeom prst="roundRect">
             <a:avLst/>
           </a:prstGeom>
-          <a:noFill/>
-          <a:ln>
-            <a:noFill/>
+          <a:solidFill>
+            <a:schemeClr val="accent6">
+              <a:lumMod val="60000"/>
+              <a:lumOff val="40000"/>
+            </a:schemeClr>
+          </a:solidFill>
+          <a:ln w="9525" cap="flat" cmpd="sng" algn="ctr">
+            <a:solidFill>
+              <a:schemeClr val="tx1"/>
+            </a:solidFill>
+            <a:prstDash val="solid"/>
+            <a:round/>
+            <a:headEnd type="none" w="med" len="med"/>
+            <a:tailEnd type="none" w="med" len="med"/>
           </a:ln>
+          <a:effectLst/>
           <a:extLst>
-            <a:ext uri="{909E8E84-426E-40DD-AFC4-6F175D3DCCD1}">
-              <a14:hiddenFill xmlns:a14="http://schemas.microsoft.com/office/drawing/2010/main">
-                <a:solidFill>
-                  <a:schemeClr val="accent1"/>
-                </a:solidFill>
-              </a14:hiddenFill>
-            </a:ext>
-            <a:ext uri="{91240B29-F687-4F45-9708-019B960494DF}">
-              <a14:hiddenLine xmlns:a14="http://schemas.microsoft.com/office/drawing/2010/main" w="9525">
-                <a:solidFill>
-                  <a:schemeClr val="tx1"/>
-                </a:solidFill>
-                <a:miter lim="800000"/>
-                <a:headEnd/>
-                <a:tailEnd/>
-              </a14:hiddenLine>
+            <a:ext uri="{AF507438-7753-43E0-B8FC-AC1667EBCBE1}">
+              <a14:hiddenEffects xmlns:a14="http://schemas.microsoft.com/office/drawing/2010/main">
+                <a:effectLst>
+                  <a:outerShdw dist="35921" dir="2700000" algn="ctr" rotWithShape="0">
+                    <a:schemeClr val="bg2"/>
+                  </a:outerShdw>
+                </a:effectLst>
+              </a14:hiddenEffects>
             </a:ext>
           </a:extLst>
         </p:spPr>
-      </p:pic>
-      <p:sp>
-        <p:nvSpPr>
-          <p:cNvPr id="7" name="Rechteckige Legende 6"/>
+        <p:txBody>
+          <a:bodyPr vert="horz" wrap="none" lIns="91440" tIns="45720" rIns="91440" bIns="45720" numCol="1" rtlCol="0" anchor="ctr" anchorCtr="0" compatLnSpc="1">
+            <a:prstTxWarp prst="textNoShape">
+              <a:avLst/>
+            </a:prstTxWarp>
+          </a:bodyPr>
+          <a:lstStyle/>
+          <a:p>
+            <a:pPr marL="0" marR="0" indent="0" algn="ctr" defTabSz="449263" rtl="0" eaLnBrk="1" fontAlgn="base" latinLnBrk="0" hangingPunct="1">
+              <a:lnSpc>
+                <a:spcPct val="93000"/>
+              </a:lnSpc>
+              <a:spcBef>
+                <a:spcPct val="0"/>
+              </a:spcBef>
+              <a:spcAft>
+                <a:spcPct val="0"/>
+              </a:spcAft>
+              <a:buClr>
+                <a:srgbClr val="000000"/>
+              </a:buClr>
+              <a:buSzPct val="100000"/>
+              <a:buFont typeface="Arial" charset="0"/>
+              <a:buNone/>
+              <a:tabLst/>
+            </a:pPr>
+            <a:r>
+              <a:rPr lang="de-DE">
+                <a:latin typeface="Arial"/>
+                <a:cs typeface="Arial"/>
+              </a:rPr>
+              <a:t>Int</a:t>
+            </a:r>
+            <a:endParaRPr lang="de-DE" sz="1800" b="0" i="0" u="none" strike="noStrike" cap="none" normalizeH="0" baseline="0" dirty="0" err="1">
+              <a:ln>
+                <a:noFill/>
+              </a:ln>
+              <a:solidFill>
+                <a:schemeClr val="bg1"/>
+              </a:solidFill>
+              <a:effectLst/>
+              <a:latin typeface="Arial" charset="0"/>
+              <a:cs typeface="Arial"/>
+            </a:endParaRPr>
+          </a:p>
+        </p:txBody>
+      </p:sp>
+      <p:sp>
+        <p:nvSpPr>
+          <p:cNvPr id="11" name="Rechteck: abgerundete Ecken 10">
+            <a:extLst>
+              <a:ext uri="{FF2B5EF4-FFF2-40B4-BE49-F238E27FC236}">
+                <a16:creationId xmlns:a16="http://schemas.microsoft.com/office/drawing/2014/main" id="{05CCFCE9-B7D5-46EC-8F1A-0A4D9ECD91FB}"/>
+              </a:ext>
+            </a:extLst>
+          </p:cNvPr>
           <p:cNvSpPr/>
           <p:nvPr/>
         </p:nvSpPr>
         <p:spPr bwMode="auto">
           <a:xfrm>
-            <a:off x="5148064" y="2564904"/>
-            <a:ext cx="2808312" cy="1584176"/>
+            <a:off x="421652" y="2322869"/>
+            <a:ext cx="610898" cy="546401"/>
           </a:xfrm>
-          <a:prstGeom prst="wedgeRectCallout">
-            <a:avLst>
-              <a:gd name="adj1" fmla="val 23906"/>
-              <a:gd name="adj2" fmla="val 83265"/>
-            </a:avLst>
+          <a:prstGeom prst="roundRect">
+            <a:avLst/>
+          </a:prstGeom>
+          <a:solidFill>
+            <a:schemeClr val="accent6">
+              <a:lumMod val="60000"/>
+              <a:lumOff val="40000"/>
+            </a:schemeClr>
+          </a:solidFill>
+          <a:ln w="9525" cap="flat" cmpd="sng" algn="ctr">
+            <a:solidFill>
+              <a:schemeClr val="tx1"/>
+            </a:solidFill>
+            <a:prstDash val="solid"/>
+            <a:round/>
+            <a:headEnd type="none" w="med" len="med"/>
+            <a:tailEnd type="none" w="med" len="med"/>
+          </a:ln>
+          <a:effectLst/>
+          <a:extLst>
+            <a:ext uri="{AF507438-7753-43E0-B8FC-AC1667EBCBE1}">
+              <a14:hiddenEffects xmlns:a14="http://schemas.microsoft.com/office/drawing/2010/main">
+                <a:effectLst>
+                  <a:outerShdw dist="35921" dir="2700000" algn="ctr" rotWithShape="0">
+                    <a:schemeClr val="bg2"/>
+                  </a:outerShdw>
+                </a:effectLst>
+              </a14:hiddenEffects>
+            </a:ext>
+          </a:extLst>
+        </p:spPr>
+        <p:txBody>
+          <a:bodyPr vert="horz" wrap="none" lIns="91440" tIns="45720" rIns="91440" bIns="45720" numCol="1" rtlCol="0" anchor="ctr" anchorCtr="0" compatLnSpc="1">
+            <a:prstTxWarp prst="textNoShape">
+              <a:avLst/>
+            </a:prstTxWarp>
+          </a:bodyPr>
+          <a:lstStyle/>
+          <a:p>
+            <a:pPr marL="0" marR="0" indent="0" algn="ctr" defTabSz="449263" rtl="0" eaLnBrk="1" fontAlgn="base" latinLnBrk="0" hangingPunct="1">
+              <a:lnSpc>
+                <a:spcPct val="93000"/>
+              </a:lnSpc>
+              <a:spcBef>
+                <a:spcPct val="0"/>
+              </a:spcBef>
+              <a:spcAft>
+                <a:spcPct val="0"/>
+              </a:spcAft>
+              <a:buClr>
+                <a:srgbClr val="000000"/>
+              </a:buClr>
+              <a:buSzPct val="100000"/>
+              <a:buFont typeface="Arial" charset="0"/>
+              <a:buNone/>
+              <a:tabLst/>
+            </a:pPr>
+            <a:r>
+              <a:rPr lang="de-DE">
+                <a:latin typeface="Arial"/>
+                <a:cs typeface="Arial"/>
+              </a:rPr>
+              <a:t>Mot</a:t>
+            </a:r>
+            <a:endParaRPr lang="de-DE" dirty="0">
+              <a:latin typeface="Arial"/>
+              <a:cs typeface="Arial"/>
+            </a:endParaRPr>
+          </a:p>
+        </p:txBody>
+      </p:sp>
+      <p:sp>
+        <p:nvSpPr>
+          <p:cNvPr id="12" name="Rechteck: abgerundete Ecken 11">
+            <a:extLst>
+              <a:ext uri="{FF2B5EF4-FFF2-40B4-BE49-F238E27FC236}">
+                <a16:creationId xmlns:a16="http://schemas.microsoft.com/office/drawing/2014/main" id="{004E5F0F-C714-4C00-BFC6-4CEDFBF93F7D}"/>
+              </a:ext>
+            </a:extLst>
+          </p:cNvPr>
+          <p:cNvSpPr/>
+          <p:nvPr/>
+        </p:nvSpPr>
+        <p:spPr bwMode="auto">
+          <a:xfrm>
+            <a:off x="421788" y="3021239"/>
+            <a:ext cx="614887" cy="546540"/>
+          </a:xfrm>
+          <a:prstGeom prst="roundRect">
+            <a:avLst/>
+          </a:prstGeom>
+          <a:solidFill>
+            <a:schemeClr val="accent6">
+              <a:lumMod val="60000"/>
+              <a:lumOff val="40000"/>
+            </a:schemeClr>
+          </a:solidFill>
+          <a:ln w="9525" cap="flat" cmpd="sng" algn="ctr">
+            <a:solidFill>
+              <a:schemeClr val="tx1"/>
+            </a:solidFill>
+            <a:prstDash val="solid"/>
+            <a:round/>
+            <a:headEnd type="none" w="med" len="med"/>
+            <a:tailEnd type="none" w="med" len="med"/>
+          </a:ln>
+          <a:effectLst/>
+          <a:extLst>
+            <a:ext uri="{AF507438-7753-43E0-B8FC-AC1667EBCBE1}">
+              <a14:hiddenEffects xmlns:a14="http://schemas.microsoft.com/office/drawing/2010/main">
+                <a:effectLst>
+                  <a:outerShdw dist="35921" dir="2700000" algn="ctr" rotWithShape="0">
+                    <a:schemeClr val="bg2"/>
+                  </a:outerShdw>
+                </a:effectLst>
+              </a14:hiddenEffects>
+            </a:ext>
+          </a:extLst>
+        </p:spPr>
+        <p:txBody>
+          <a:bodyPr vert="horz" wrap="none" lIns="91440" tIns="45720" rIns="91440" bIns="45720" numCol="1" rtlCol="0" anchor="ctr" anchorCtr="0" compatLnSpc="1">
+            <a:prstTxWarp prst="textNoShape">
+              <a:avLst/>
+            </a:prstTxWarp>
+          </a:bodyPr>
+          <a:lstStyle/>
+          <a:p>
+            <a:pPr marL="0" marR="0" indent="0" algn="ctr" defTabSz="449263" rtl="0" eaLnBrk="1" fontAlgn="base" latinLnBrk="0" hangingPunct="1">
+              <a:lnSpc>
+                <a:spcPct val="93000"/>
+              </a:lnSpc>
+              <a:spcBef>
+                <a:spcPct val="0"/>
+              </a:spcBef>
+              <a:spcAft>
+                <a:spcPct val="0"/>
+              </a:spcAft>
+              <a:buClr>
+                <a:srgbClr val="000000"/>
+              </a:buClr>
+              <a:buSzPct val="100000"/>
+              <a:buFont typeface="Arial" charset="0"/>
+              <a:buNone/>
+              <a:tabLst/>
+            </a:pPr>
+            <a:r>
+              <a:rPr lang="de-DE" dirty="0">
+                <a:latin typeface="Arial"/>
+                <a:cs typeface="Arial"/>
+              </a:rPr>
+              <a:t>B&amp;R</a:t>
+            </a:r>
+            <a:endParaRPr lang="de-DE" sz="1800" b="0" i="0" u="none" strike="noStrike" cap="none" normalizeH="0" baseline="0" dirty="0" err="1">
+              <a:ln>
+                <a:noFill/>
+              </a:ln>
+              <a:solidFill>
+                <a:schemeClr val="bg1"/>
+              </a:solidFill>
+              <a:effectLst/>
+              <a:latin typeface="Arial" charset="0"/>
+              <a:cs typeface="Arial"/>
+            </a:endParaRPr>
+          </a:p>
+        </p:txBody>
+      </p:sp>
+      <p:sp>
+        <p:nvSpPr>
+          <p:cNvPr id="13" name="Rechteck: abgerundete Ecken 12">
+            <a:extLst>
+              <a:ext uri="{FF2B5EF4-FFF2-40B4-BE49-F238E27FC236}">
+                <a16:creationId xmlns:a16="http://schemas.microsoft.com/office/drawing/2014/main" id="{58C542FF-8FB8-44AF-84C1-1AE6A6326950}"/>
+              </a:ext>
+            </a:extLst>
+          </p:cNvPr>
+          <p:cNvSpPr/>
+          <p:nvPr/>
+        </p:nvSpPr>
+        <p:spPr bwMode="auto">
+          <a:xfrm>
+            <a:off x="425917" y="4115879"/>
+            <a:ext cx="602569" cy="546540"/>
+          </a:xfrm>
+          <a:prstGeom prst="roundRect">
+            <a:avLst/>
+          </a:prstGeom>
+          <a:solidFill>
+            <a:schemeClr val="accent6">
+              <a:lumMod val="60000"/>
+              <a:lumOff val="40000"/>
+            </a:schemeClr>
+          </a:solidFill>
+          <a:ln w="9525" cap="flat" cmpd="sng" algn="ctr">
+            <a:solidFill>
+              <a:schemeClr val="tx1"/>
+            </a:solidFill>
+            <a:prstDash val="solid"/>
+            <a:round/>
+            <a:headEnd type="none" w="med" len="med"/>
+            <a:tailEnd type="none" w="med" len="med"/>
+          </a:ln>
+          <a:effectLst/>
+          <a:extLst>
+            <a:ext uri="{AF507438-7753-43E0-B8FC-AC1667EBCBE1}">
+              <a14:hiddenEffects xmlns:a14="http://schemas.microsoft.com/office/drawing/2010/main">
+                <a:effectLst>
+                  <a:outerShdw dist="35921" dir="2700000" algn="ctr" rotWithShape="0">
+                    <a:schemeClr val="bg2"/>
+                  </a:outerShdw>
+                </a:effectLst>
+              </a14:hiddenEffects>
+            </a:ext>
+          </a:extLst>
+        </p:spPr>
+        <p:txBody>
+          <a:bodyPr vert="horz" wrap="none" lIns="91440" tIns="45720" rIns="91440" bIns="45720" numCol="1" rtlCol="0" anchor="ctr" anchorCtr="0" compatLnSpc="1">
+            <a:prstTxWarp prst="textNoShape">
+              <a:avLst/>
+            </a:prstTxWarp>
+          </a:bodyPr>
+          <a:lstStyle/>
+          <a:p>
+            <a:r>
+              <a:rPr lang="de-DE">
+                <a:latin typeface="Arial"/>
+                <a:cs typeface="Arial"/>
+              </a:rPr>
+              <a:t>Task</a:t>
+            </a:r>
+            <a:endParaRPr lang="de-DE" sz="1800" b="0" i="0" u="none" strike="noStrike" cap="none" normalizeH="0" baseline="0" dirty="0" err="1">
+              <a:ln>
+                <a:noFill/>
+              </a:ln>
+              <a:solidFill>
+                <a:schemeClr val="bg1"/>
+              </a:solidFill>
+              <a:effectLst/>
+              <a:latin typeface="Arial" charset="0"/>
+              <a:cs typeface="Arial"/>
+            </a:endParaRPr>
+          </a:p>
+        </p:txBody>
+      </p:sp>
+      <p:sp>
+        <p:nvSpPr>
+          <p:cNvPr id="14" name="Rechteck: abgerundete Ecken 13">
+            <a:extLst>
+              <a:ext uri="{FF2B5EF4-FFF2-40B4-BE49-F238E27FC236}">
+                <a16:creationId xmlns:a16="http://schemas.microsoft.com/office/drawing/2014/main" id="{EF3D045F-F08A-40C3-8DF5-7395802E384D}"/>
+              </a:ext>
+            </a:extLst>
+          </p:cNvPr>
+          <p:cNvSpPr/>
+          <p:nvPr/>
+        </p:nvSpPr>
+        <p:spPr bwMode="auto">
+          <a:xfrm>
+            <a:off x="429764" y="4818513"/>
+            <a:ext cx="606634" cy="554793"/>
+          </a:xfrm>
+          <a:prstGeom prst="roundRect">
+            <a:avLst/>
+          </a:prstGeom>
+          <a:solidFill>
+            <a:schemeClr val="accent6">
+              <a:lumMod val="60000"/>
+              <a:lumOff val="40000"/>
+            </a:schemeClr>
+          </a:solidFill>
+          <a:ln w="9525" cap="flat" cmpd="sng" algn="ctr">
+            <a:solidFill>
+              <a:schemeClr val="tx1"/>
+            </a:solidFill>
+            <a:prstDash val="solid"/>
+            <a:round/>
+            <a:headEnd type="none" w="med" len="med"/>
+            <a:tailEnd type="none" w="med" len="med"/>
+          </a:ln>
+          <a:effectLst/>
+          <a:extLst>
+            <a:ext uri="{AF507438-7753-43E0-B8FC-AC1667EBCBE1}">
+              <a14:hiddenEffects xmlns:a14="http://schemas.microsoft.com/office/drawing/2010/main">
+                <a:effectLst>
+                  <a:outerShdw dist="35921" dir="2700000" algn="ctr" rotWithShape="0">
+                    <a:schemeClr val="bg2"/>
+                  </a:outerShdw>
+                </a:effectLst>
+              </a14:hiddenEffects>
+            </a:ext>
+          </a:extLst>
+        </p:spPr>
+        <p:txBody>
+          <a:bodyPr vert="horz" wrap="none" lIns="91440" tIns="45720" rIns="91440" bIns="45720" numCol="1" rtlCol="0" anchor="ctr" anchorCtr="0" compatLnSpc="1">
+            <a:prstTxWarp prst="textNoShape">
+              <a:avLst/>
+            </a:prstTxWarp>
+          </a:bodyPr>
+          <a:lstStyle/>
+          <a:p>
+            <a:pPr marL="0" marR="0" indent="0" algn="ctr" defTabSz="449263" rtl="0" eaLnBrk="1" fontAlgn="base" latinLnBrk="0" hangingPunct="1">
+              <a:lnSpc>
+                <a:spcPct val="93000"/>
+              </a:lnSpc>
+              <a:spcBef>
+                <a:spcPct val="0"/>
+              </a:spcBef>
+              <a:spcAft>
+                <a:spcPct val="0"/>
+              </a:spcAft>
+              <a:buClr>
+                <a:srgbClr val="000000"/>
+              </a:buClr>
+              <a:buSzPct val="100000"/>
+              <a:buFont typeface="Arial" charset="0"/>
+              <a:buNone/>
+              <a:tabLst/>
+            </a:pPr>
+            <a:r>
+              <a:rPr lang="de-DE">
+                <a:latin typeface="Arial"/>
+                <a:cs typeface="Arial"/>
+              </a:rPr>
+              <a:t>Pro</a:t>
+            </a:r>
+            <a:endParaRPr lang="de-DE" dirty="0">
+              <a:latin typeface="Arial" charset="0"/>
+              <a:cs typeface="Arial"/>
+            </a:endParaRPr>
+          </a:p>
+        </p:txBody>
+      </p:sp>
+      <p:sp>
+        <p:nvSpPr>
+          <p:cNvPr id="15" name="Rechteck: abgerundete Ecken 14">
+            <a:extLst>
+              <a:ext uri="{FF2B5EF4-FFF2-40B4-BE49-F238E27FC236}">
+                <a16:creationId xmlns:a16="http://schemas.microsoft.com/office/drawing/2014/main" id="{BCA8401E-F416-4694-80C9-13FD0BD74AFE}"/>
+              </a:ext>
+            </a:extLst>
+          </p:cNvPr>
+          <p:cNvSpPr/>
+          <p:nvPr/>
+        </p:nvSpPr>
+        <p:spPr bwMode="auto">
+          <a:xfrm>
+            <a:off x="421787" y="5525274"/>
+            <a:ext cx="614887" cy="554793"/>
+          </a:xfrm>
+          <a:prstGeom prst="roundRect">
+            <a:avLst/>
+          </a:prstGeom>
+          <a:solidFill>
+            <a:schemeClr val="accent6"/>
+          </a:solidFill>
+          <a:ln w="9525" cap="flat" cmpd="sng" algn="ctr">
+            <a:solidFill>
+              <a:schemeClr val="tx1"/>
+            </a:solidFill>
+            <a:prstDash val="solid"/>
+            <a:round/>
+            <a:headEnd type="none" w="med" len="med"/>
+            <a:tailEnd type="none" w="med" len="med"/>
+          </a:ln>
+          <a:effectLst/>
+          <a:extLst>
+            <a:ext uri="{AF507438-7753-43E0-B8FC-AC1667EBCBE1}">
+              <a14:hiddenEffects xmlns:a14="http://schemas.microsoft.com/office/drawing/2010/main">
+                <a:effectLst>
+                  <a:outerShdw dist="35921" dir="2700000" algn="ctr" rotWithShape="0">
+                    <a:schemeClr val="bg2"/>
+                  </a:outerShdw>
+                </a:effectLst>
+              </a14:hiddenEffects>
+            </a:ext>
+          </a:extLst>
+        </p:spPr>
+        <p:txBody>
+          <a:bodyPr vert="horz" wrap="none" lIns="91440" tIns="45720" rIns="91440" bIns="45720" numCol="1" rtlCol="0" anchor="ctr" anchorCtr="0" compatLnSpc="1">
+            <a:prstTxWarp prst="textNoShape">
+              <a:avLst/>
+            </a:prstTxWarp>
+          </a:bodyPr>
+          <a:lstStyle/>
+          <a:p>
+            <a:pPr marL="0" marR="0" indent="0" algn="ctr" defTabSz="449263" rtl="0" eaLnBrk="1" fontAlgn="base" latinLnBrk="0" hangingPunct="1">
+              <a:lnSpc>
+                <a:spcPct val="93000"/>
+              </a:lnSpc>
+              <a:spcBef>
+                <a:spcPct val="0"/>
+              </a:spcBef>
+              <a:spcAft>
+                <a:spcPct val="0"/>
+              </a:spcAft>
+              <a:buClr>
+                <a:srgbClr val="000000"/>
+              </a:buClr>
+              <a:buSzPct val="100000"/>
+              <a:buFont typeface="Arial" charset="0"/>
+              <a:buNone/>
+              <a:tabLst/>
+            </a:pPr>
+            <a:r>
+              <a:rPr lang="de-DE">
+                <a:latin typeface="Arial"/>
+                <a:cs typeface="Arial"/>
+              </a:rPr>
+              <a:t>Out</a:t>
+            </a:r>
+            <a:endParaRPr lang="de-DE" dirty="0">
+              <a:latin typeface="Arial" charset="0"/>
+              <a:cs typeface="Arial"/>
+            </a:endParaRPr>
+          </a:p>
+        </p:txBody>
+      </p:sp>
+      <p:cxnSp>
+        <p:nvCxnSpPr>
+          <p:cNvPr id="3" name="Gerade Verbindung mit Pfeil 2">
+            <a:extLst>
+              <a:ext uri="{FF2B5EF4-FFF2-40B4-BE49-F238E27FC236}">
+                <a16:creationId xmlns:a16="http://schemas.microsoft.com/office/drawing/2014/main" id="{FF1A532A-7997-40B5-A73C-28ED39C9866D}"/>
+              </a:ext>
+            </a:extLst>
+          </p:cNvPr>
+          <p:cNvCxnSpPr/>
+          <p:nvPr/>
+        </p:nvCxnSpPr>
+        <p:spPr bwMode="auto">
+          <a:xfrm flipH="1">
+            <a:off x="1109165" y="1511071"/>
+            <a:ext cx="14028" cy="4822056"/>
+          </a:xfrm>
+          <a:prstGeom prst="straightConnector1">
+            <a:avLst/>
           </a:prstGeom>
           <a:solidFill>
             <a:schemeClr val="accent2"/>
@@ -8690,294 +8866,207 @@
             </a:ext>
           </a:extLst>
         </p:spPr>
-        <p:txBody>
-          <a:bodyPr vert="horz" wrap="none" lIns="91440" tIns="45720" rIns="91440" bIns="45720" numCol="1" rtlCol="0" anchor="ctr" anchorCtr="0" compatLnSpc="1">
-            <a:prstTxWarp prst="textNoShape">
-              <a:avLst/>
-            </a:prstTxWarp>
-          </a:bodyPr>
-          <a:lstStyle/>
-          <a:p>
-            <a:pPr marL="0" marR="0" indent="0" algn="ctr" defTabSz="449263" rtl="0" eaLnBrk="1" fontAlgn="base" latinLnBrk="0" hangingPunct="1">
-              <a:lnSpc>
-                <a:spcPct val="93000"/>
-              </a:lnSpc>
-              <a:spcBef>
-                <a:spcPct val="0"/>
-              </a:spcBef>
-              <a:spcAft>
-                <a:spcPct val="0"/>
-              </a:spcAft>
-              <a:buClr>
-                <a:srgbClr val="000000"/>
-              </a:buClr>
-              <a:buSzPct val="100000"/>
-              <a:buFont typeface="Arial" charset="0"/>
-              <a:buNone/>
-              <a:tabLst/>
-            </a:pPr>
-            <a:r>
-              <a:rPr kumimoji="0" lang="de-DE" sz="1800" b="0" i="0" u="none" strike="noStrike" cap="none" normalizeH="0" baseline="0" dirty="0" err="1" smtClean="0">
-                <a:ln>
-                  <a:noFill/>
-                </a:ln>
-                <a:solidFill>
-                  <a:schemeClr val="bg1"/>
-                </a:solidFill>
-                <a:effectLst/>
-                <a:latin typeface="Arial" charset="0"/>
-              </a:rPr>
-              <a:t>Please</a:t>
-            </a:r>
-            <a:r>
-              <a:rPr kumimoji="0" lang="de-DE" sz="1800" b="0" i="0" u="none" strike="noStrike" cap="none" normalizeH="0" baseline="0" dirty="0" smtClean="0">
-                <a:ln>
-                  <a:noFill/>
-                </a:ln>
-                <a:solidFill>
-                  <a:schemeClr val="bg1"/>
-                </a:solidFill>
-                <a:effectLst/>
-                <a:latin typeface="Arial" charset="0"/>
-              </a:rPr>
-              <a:t> </a:t>
-            </a:r>
-            <a:r>
-              <a:rPr kumimoji="0" lang="de-DE" sz="1800" b="0" i="0" u="none" strike="noStrike" cap="none" normalizeH="0" baseline="0" dirty="0" err="1" smtClean="0">
-                <a:ln>
-                  <a:noFill/>
-                </a:ln>
-                <a:solidFill>
-                  <a:schemeClr val="bg1"/>
-                </a:solidFill>
-                <a:effectLst/>
-                <a:latin typeface="Arial" charset="0"/>
-              </a:rPr>
-              <a:t>use</a:t>
-            </a:r>
-            <a:r>
-              <a:rPr kumimoji="0" lang="de-DE" sz="1800" b="0" i="0" u="none" strike="noStrike" cap="none" normalizeH="0" baseline="0" dirty="0" smtClean="0">
-                <a:ln>
-                  <a:noFill/>
-                </a:ln>
-                <a:solidFill>
-                  <a:schemeClr val="bg1"/>
-                </a:solidFill>
-                <a:effectLst/>
-                <a:latin typeface="Arial" charset="0"/>
-              </a:rPr>
-              <a:t> </a:t>
-            </a:r>
-            <a:r>
-              <a:rPr kumimoji="0" lang="de-DE" sz="1800" b="0" i="0" u="none" strike="noStrike" cap="none" normalizeH="0" baseline="0" dirty="0" err="1" smtClean="0">
-                <a:ln>
-                  <a:noFill/>
-                </a:ln>
-                <a:solidFill>
-                  <a:schemeClr val="bg1"/>
-                </a:solidFill>
-                <a:effectLst/>
-                <a:latin typeface="Arial" charset="0"/>
-              </a:rPr>
-              <a:t>these</a:t>
-            </a:r>
-            <a:r>
-              <a:rPr kumimoji="0" lang="de-DE" sz="1800" b="0" i="0" u="none" strike="noStrike" cap="none" normalizeH="0" baseline="0" dirty="0" smtClean="0">
-                <a:ln>
-                  <a:noFill/>
-                </a:ln>
-                <a:solidFill>
-                  <a:schemeClr val="bg1"/>
-                </a:solidFill>
-                <a:effectLst/>
-                <a:latin typeface="Arial" charset="0"/>
-              </a:rPr>
-              <a:t> </a:t>
-            </a:r>
-            <a:r>
-              <a:rPr kumimoji="0" lang="de-DE" sz="1800" b="0" i="0" u="none" strike="noStrike" cap="none" normalizeH="0" baseline="0" dirty="0" err="1" smtClean="0">
-                <a:ln>
-                  <a:noFill/>
-                </a:ln>
-                <a:solidFill>
-                  <a:schemeClr val="bg1"/>
-                </a:solidFill>
-                <a:effectLst/>
-                <a:latin typeface="Arial" charset="0"/>
-              </a:rPr>
-              <a:t>buttons</a:t>
-            </a:r>
-            <a:r>
-              <a:rPr kumimoji="0" lang="de-DE" sz="1800" b="0" i="0" u="none" strike="noStrike" cap="none" normalizeH="0" baseline="0" dirty="0" smtClean="0">
-                <a:ln>
-                  <a:noFill/>
-                </a:ln>
-                <a:solidFill>
-                  <a:schemeClr val="bg1"/>
-                </a:solidFill>
-                <a:effectLst/>
-                <a:latin typeface="Arial" charset="0"/>
-              </a:rPr>
-              <a:t> </a:t>
-            </a:r>
-            <a:br>
-              <a:rPr kumimoji="0" lang="de-DE" sz="1800" b="0" i="0" u="none" strike="noStrike" cap="none" normalizeH="0" baseline="0" dirty="0" smtClean="0">
-                <a:ln>
-                  <a:noFill/>
-                </a:ln>
-                <a:solidFill>
-                  <a:schemeClr val="bg1"/>
-                </a:solidFill>
-                <a:effectLst/>
-                <a:latin typeface="Arial" charset="0"/>
-              </a:rPr>
-            </a:br>
-            <a:r>
-              <a:rPr kumimoji="0" lang="de-DE" sz="1800" b="0" i="0" u="none" strike="noStrike" cap="none" normalizeH="0" baseline="0" dirty="0" err="1" smtClean="0">
-                <a:ln>
-                  <a:noFill/>
-                </a:ln>
-                <a:solidFill>
-                  <a:schemeClr val="bg1"/>
-                </a:solidFill>
-                <a:effectLst/>
-                <a:latin typeface="Arial" charset="0"/>
-              </a:rPr>
-              <a:t>for</a:t>
-            </a:r>
-            <a:r>
-              <a:rPr kumimoji="0" lang="de-DE" sz="1800" b="0" i="0" u="none" strike="noStrike" cap="none" normalizeH="0" baseline="0" dirty="0" smtClean="0">
-                <a:ln>
-                  <a:noFill/>
-                </a:ln>
-                <a:solidFill>
-                  <a:schemeClr val="bg1"/>
-                </a:solidFill>
-                <a:effectLst/>
-                <a:latin typeface="Arial" charset="0"/>
-              </a:rPr>
-              <a:t> </a:t>
-            </a:r>
-            <a:r>
-              <a:rPr kumimoji="0" lang="de-DE" sz="1800" b="0" i="0" u="none" strike="noStrike" cap="none" normalizeH="0" baseline="0" dirty="0" err="1" smtClean="0">
-                <a:ln>
-                  <a:noFill/>
-                </a:ln>
-                <a:solidFill>
-                  <a:schemeClr val="bg1"/>
-                </a:solidFill>
-                <a:effectLst/>
-                <a:latin typeface="Arial" charset="0"/>
-              </a:rPr>
-              <a:t>creating</a:t>
-            </a:r>
-            <a:r>
-              <a:rPr kumimoji="0" lang="de-DE" sz="1800" b="0" i="0" u="none" strike="noStrike" cap="none" normalizeH="0" baseline="0" dirty="0" smtClean="0">
-                <a:ln>
-                  <a:noFill/>
-                </a:ln>
-                <a:solidFill>
-                  <a:schemeClr val="bg1"/>
-                </a:solidFill>
-                <a:effectLst/>
-                <a:latin typeface="Arial" charset="0"/>
-              </a:rPr>
-              <a:t> </a:t>
-            </a:r>
-            <a:r>
-              <a:rPr kumimoji="0" lang="de-DE" sz="1800" b="0" i="0" u="none" strike="noStrike" cap="none" normalizeH="0" baseline="0" dirty="0" err="1" smtClean="0">
-                <a:ln>
-                  <a:noFill/>
-                </a:ln>
-                <a:solidFill>
-                  <a:schemeClr val="bg1"/>
-                </a:solidFill>
-                <a:effectLst/>
-                <a:latin typeface="Arial" charset="0"/>
-              </a:rPr>
-              <a:t>bullets</a:t>
-            </a:r>
-            <a:r>
-              <a:rPr lang="de-DE" dirty="0">
-                <a:latin typeface="Arial" charset="0"/>
-              </a:rPr>
-              <a:t>!</a:t>
-            </a:r>
-            <a:endParaRPr kumimoji="0" lang="en-US" sz="1800" b="0" i="0" u="none" strike="noStrike" cap="none" normalizeH="0" baseline="0" dirty="0" smtClean="0">
-              <a:ln>
-                <a:noFill/>
-              </a:ln>
-              <a:solidFill>
-                <a:schemeClr val="bg1"/>
-              </a:solidFill>
-              <a:effectLst/>
-              <a:latin typeface="Arial" charset="0"/>
-            </a:endParaRPr>
-          </a:p>
-        </p:txBody>
-      </p:sp>
-      <p:sp>
-        <p:nvSpPr>
-          <p:cNvPr id="8" name="Rechteck 7"/>
-          <p:cNvSpPr/>
+      </p:cxnSp>
+      <p:cxnSp>
+        <p:nvCxnSpPr>
+          <p:cNvPr id="6" name="Gerade Verbindung mit Pfeil 5">
+            <a:extLst>
+              <a:ext uri="{FF2B5EF4-FFF2-40B4-BE49-F238E27FC236}">
+                <a16:creationId xmlns:a16="http://schemas.microsoft.com/office/drawing/2014/main" id="{4052B892-F5AD-4830-A4AF-EC12BAB966C0}"/>
+              </a:ext>
+            </a:extLst>
+          </p:cNvPr>
+          <p:cNvCxnSpPr/>
           <p:nvPr/>
-        </p:nvSpPr>
+        </p:nvCxnSpPr>
         <p:spPr bwMode="auto">
-          <a:xfrm>
-            <a:off x="6948264" y="4653136"/>
-            <a:ext cx="504056" cy="216024"/>
+          <a:xfrm flipV="1">
+            <a:off x="417587" y="3844936"/>
+            <a:ext cx="609050" cy="1650"/>
           </a:xfrm>
-          <a:prstGeom prst="rect">
+          <a:prstGeom prst="straightConnector1">
             <a:avLst/>
           </a:prstGeom>
-          <a:noFill/>
-          <a:ln w="28575" cap="flat" cmpd="sng" algn="ctr">
+          <a:solidFill>
+            <a:schemeClr val="accent2"/>
+          </a:solidFill>
+          <a:ln w="9525" cap="flat" cmpd="sng" algn="ctr">
             <a:solidFill>
-              <a:srgbClr val="C00000"/>
+              <a:schemeClr val="tx1"/>
             </a:solidFill>
-            <a:prstDash val="solid"/>
+            <a:prstDash val="dash"/>
             <a:round/>
             <a:headEnd type="none" w="med" len="med"/>
             <a:tailEnd type="none" w="med" len="med"/>
           </a:ln>
           <a:effectLst/>
-          <a:extLst/>
-        </p:spPr>
-        <p:txBody>
-          <a:bodyPr vert="horz" wrap="none" lIns="91440" tIns="45720" rIns="91440" bIns="45720" numCol="1" rtlCol="0" anchor="ctr" anchorCtr="0" compatLnSpc="1">
-            <a:prstTxWarp prst="textNoShape">
-              <a:avLst/>
-            </a:prstTxWarp>
-          </a:bodyPr>
+          <a:extLst>
+            <a:ext uri="{AF507438-7753-43E0-B8FC-AC1667EBCBE1}">
+              <a14:hiddenEffects xmlns:a14="http://schemas.microsoft.com/office/drawing/2010/main">
+                <a:effectLst>
+                  <a:outerShdw dist="35921" dir="2700000" algn="ctr" rotWithShape="0">
+                    <a:schemeClr val="bg2"/>
+                  </a:outerShdw>
+                </a:effectLst>
+              </a14:hiddenEffects>
+            </a:ext>
+          </a:extLst>
+        </p:spPr>
+      </p:cxnSp>
+      <p:sp>
+        <p:nvSpPr>
+          <p:cNvPr id="9" name="Textplatzhalter 5">
+            <a:extLst>
+              <a:ext uri="{FF2B5EF4-FFF2-40B4-BE49-F238E27FC236}">
+                <a16:creationId xmlns:a16="http://schemas.microsoft.com/office/drawing/2014/main" id="{2F5C2DC8-4813-4FF1-A53F-638AD69203E7}"/>
+              </a:ext>
+            </a:extLst>
+          </p:cNvPr>
+          <p:cNvSpPr>
+            <a:spLocks noGrp="1"/>
+          </p:cNvSpPr>
+          <p:nvPr>
+            <p:ph type="body" idx="1"/>
+          </p:nvPr>
+        </p:nvSpPr>
+        <p:spPr>
+          <a:xfrm>
+            <a:off x="1275915" y="1623879"/>
+            <a:ext cx="7663799" cy="4583866"/>
+          </a:xfrm>
+        </p:spPr>
+        <p:txBody>
+          <a:bodyPr/>
           <a:lstStyle/>
           <a:p>
-            <a:pPr marL="0" marR="0" indent="0" algn="ctr" defTabSz="449263" rtl="0" eaLnBrk="1" fontAlgn="base" latinLnBrk="0" hangingPunct="1">
-              <a:lnSpc>
-                <a:spcPct val="93000"/>
-              </a:lnSpc>
-              <a:spcBef>
-                <a:spcPct val="0"/>
-              </a:spcBef>
-              <a:spcAft>
-                <a:spcPct val="0"/>
-              </a:spcAft>
-              <a:buClr>
-                <a:srgbClr val="000000"/>
-              </a:buClr>
-              <a:buSzPct val="100000"/>
-              <a:buFont typeface="Arial" charset="0"/>
-              <a:buNone/>
-              <a:tabLst/>
+            <a:pPr marL="179070" indent="-179070"/>
+            <a:r>
+              <a:rPr lang="en-US" dirty="0">
+                <a:ea typeface="+mn-lt"/>
+                <a:cs typeface="+mn-lt"/>
+              </a:rPr>
+              <a:t>More custom-layers</a:t>
+            </a:r>
+            <a:endParaRPr lang="de-DE" b="0" dirty="0">
+              <a:ea typeface="+mn-lt"/>
+              <a:cs typeface="+mn-lt"/>
+            </a:endParaRPr>
+          </a:p>
+          <a:p>
+            <a:pPr marL="513080" lvl="1" indent="-342900">
+              <a:buFont typeface="Wingdings"/>
+              <a:buChar char="§"/>
             </a:pPr>
-            <a:endParaRPr kumimoji="0" lang="en-US" sz="1800" b="0" i="0" u="none" strike="noStrike" cap="none" normalizeH="0" baseline="0" smtClean="0">
-              <a:ln>
-                <a:noFill/>
-              </a:ln>
-              <a:solidFill>
-                <a:schemeClr val="bg1"/>
-              </a:solidFill>
-              <a:effectLst/>
-              <a:latin typeface="Arial" charset="0"/>
+            <a:r>
+              <a:rPr lang="en-US" dirty="0">
+                <a:ea typeface="+mn-lt"/>
+                <a:cs typeface="+mn-lt"/>
+              </a:rPr>
+              <a:t>CNN!</a:t>
+            </a:r>
+          </a:p>
+          <a:p>
+            <a:pPr marL="513080" lvl="1" indent="-342900">
+              <a:buFont typeface="Wingdings,Sans-Serif"/>
+              <a:buChar char="§"/>
+            </a:pPr>
+            <a:r>
+              <a:rPr lang="en-US" dirty="0">
+                <a:ea typeface="+mn-lt"/>
+                <a:cs typeface="+mn-lt"/>
+              </a:rPr>
+              <a:t>...</a:t>
+            </a:r>
+            <a:endParaRPr lang="en-US" dirty="0"/>
+          </a:p>
+          <a:p>
+            <a:pPr marL="179070" indent="-179070"/>
+            <a:endParaRPr lang="en-US" dirty="0">
+              <a:ea typeface="+mn-lt"/>
+              <a:cs typeface="+mn-lt"/>
+            </a:endParaRPr>
+          </a:p>
+          <a:p>
+            <a:pPr marL="179070" indent="-179070"/>
+            <a:endParaRPr lang="en-US" dirty="0">
+              <a:ea typeface="+mn-lt"/>
+              <a:cs typeface="+mn-lt"/>
+            </a:endParaRPr>
+          </a:p>
+          <a:p>
+            <a:pPr marL="179070" indent="-179070"/>
+            <a:r>
+              <a:rPr lang="en-US" dirty="0">
+                <a:ea typeface="+mn-lt"/>
+                <a:cs typeface="+mn-lt"/>
+              </a:rPr>
+              <a:t>More experiments</a:t>
+            </a:r>
+            <a:endParaRPr lang="de-DE" dirty="0"/>
+          </a:p>
+          <a:p>
+            <a:pPr marL="513080" lvl="1" indent="-342900">
+              <a:buFont typeface="Wingdings"/>
+              <a:buChar char="§"/>
+            </a:pPr>
+            <a:r>
+              <a:rPr lang="en-US" sz="2000" dirty="0">
+                <a:ea typeface="+mn-lt"/>
+                <a:cs typeface="+mn-lt"/>
+              </a:rPr>
+              <a:t>...</a:t>
+            </a:r>
+          </a:p>
+          <a:p>
+            <a:pPr marL="513080" lvl="1" indent="-342900">
+              <a:buFont typeface="Wingdings"/>
+              <a:buChar char="§"/>
+            </a:pPr>
+            <a:r>
+              <a:rPr lang="en-US" dirty="0">
+                <a:ea typeface="+mn-lt"/>
+                <a:cs typeface="+mn-lt"/>
+              </a:rPr>
+              <a:t>...</a:t>
+            </a:r>
+            <a:endParaRPr lang="en-US" b="0" dirty="0">
+              <a:ea typeface="+mn-lt"/>
+              <a:cs typeface="+mn-lt"/>
+            </a:endParaRPr>
+          </a:p>
+          <a:p>
+            <a:pPr marL="179070" indent="0"/>
+            <a:endParaRPr lang="en-US" b="0" dirty="0">
+              <a:ea typeface="+mn-lt"/>
+              <a:cs typeface="+mn-lt"/>
+            </a:endParaRPr>
+          </a:p>
+          <a:p>
+            <a:pPr marL="179070" indent="0"/>
+            <a:endParaRPr lang="en-US" b="0" dirty="0">
+              <a:cs typeface="Arial"/>
+            </a:endParaRPr>
+          </a:p>
+          <a:p>
+            <a:pPr marL="0" indent="0"/>
+            <a:br>
+              <a:rPr lang="en-US" dirty="0"/>
+            </a:br>
+            <a:endParaRPr lang="en-US" sz="1800" b="0">
+              <a:cs typeface="Arial"/>
+            </a:endParaRPr>
+          </a:p>
+          <a:p>
+            <a:pPr marL="179070" indent="-179070"/>
+            <a:br>
+              <a:rPr lang="en-US" dirty="0"/>
+            </a:br>
+            <a:endParaRPr lang="en-US" dirty="0"/>
+          </a:p>
+          <a:p>
+            <a:pPr lvl="1"/>
+            <a:endParaRPr lang="en-US" dirty="0">
+              <a:cs typeface="Arial"/>
             </a:endParaRPr>
           </a:p>
         </p:txBody>
@@ -8985,24 +9074,17 @@
     </p:spTree>
     <p:extLst>
       <p:ext uri="{BB962C8B-B14F-4D97-AF65-F5344CB8AC3E}">
-        <p14:creationId xmlns:p14="http://schemas.microsoft.com/office/powerpoint/2010/main" val="3419926412"/>
+        <p14:creationId xmlns:p14="http://schemas.microsoft.com/office/powerpoint/2010/main" val="502379729"/>
       </p:ext>
     </p:extLst>
   </p:cSld>
   <p:clrMapOvr>
     <a:masterClrMapping/>
   </p:clrMapOvr>
-  <p:timing>
-    <p:tnLst>
-      <p:par>
-        <p:cTn id="1" dur="indefinite" restart="never" nodeType="tmRoot"/>
-      </p:par>
-    </p:tnLst>
-  </p:timing>
 </p:sld>
 </file>
 
-<file path=ppt/slides/slide3.xml><?xml version="1.0" encoding="utf-8"?>
+<file path=ppt/slides/slide11.xml><?xml version="1.0" encoding="utf-8"?>
 <p:sld xmlns:a="http://schemas.openxmlformats.org/drawingml/2006/main" xmlns:r="http://schemas.openxmlformats.org/officeDocument/2006/relationships" xmlns:p="http://schemas.openxmlformats.org/presentationml/2006/main">
   <p:cSld>
     <p:spTree>
@@ -9166,7 +9248,7 @@
           </a:lstStyle>
           <a:p>
             <a:pPr eaLnBrk="1" hangingPunct="1"/>
-            <a:endParaRPr lang="en-US" smtClean="0">
+            <a:endParaRPr lang="en-US">
               <a:solidFill>
                 <a:srgbClr val="B5B5B5"/>
               </a:solidFill>
@@ -9174,7 +9256,7 @@
           </a:p>
           <a:p>
             <a:pPr eaLnBrk="1" hangingPunct="1"/>
-            <a:endParaRPr lang="en-US" smtClean="0">
+            <a:endParaRPr lang="en-US">
               <a:solidFill>
                 <a:srgbClr val="B5B5B5"/>
               </a:solidFill>
@@ -9204,10 +9286,9 @@
           <a:p>
             <a:pPr eaLnBrk="1" hangingPunct="1"/>
             <a:r>
-              <a:rPr lang="en-US" dirty="0" smtClean="0"/>
+              <a:rPr lang="en-US" dirty="0"/>
               <a:t>Thank you for your attention! Questions?</a:t>
             </a:r>
-            <a:endParaRPr lang="en-US" dirty="0" smtClean="0"/>
           </a:p>
         </p:txBody>
       </p:sp>
@@ -9275,13 +9356,6310 @@
   <p:clrMapOvr>
     <a:masterClrMapping/>
   </p:clrMapOvr>
-  <p:timing>
-    <p:tnLst>
-      <p:par>
-        <p:cTn id="1" dur="indefinite" restart="never" nodeType="tmRoot"/>
-      </p:par>
-    </p:tnLst>
-  </p:timing>
+</p:sld>
+</file>
+
+<file path=ppt/slides/slide2.xml><?xml version="1.0" encoding="utf-8"?>
+<p:sld xmlns:a="http://schemas.openxmlformats.org/drawingml/2006/main" xmlns:r="http://schemas.openxmlformats.org/officeDocument/2006/relationships" xmlns:p="http://schemas.openxmlformats.org/presentationml/2006/main">
+  <p:cSld>
+    <p:spTree>
+      <p:nvGrpSpPr>
+        <p:cNvPr id="1" name=""/>
+        <p:cNvGrpSpPr/>
+        <p:nvPr/>
+      </p:nvGrpSpPr>
+      <p:grpSpPr>
+        <a:xfrm>
+          <a:off x="0" y="0"/>
+          <a:ext cx="0" cy="0"/>
+          <a:chOff x="0" y="0"/>
+          <a:chExt cx="0" cy="0"/>
+        </a:xfrm>
+      </p:grpSpPr>
+      <p:sp>
+        <p:nvSpPr>
+          <p:cNvPr id="4" name="Fußzeilenplatzhalter 3"/>
+          <p:cNvSpPr>
+            <a:spLocks noGrp="1"/>
+          </p:cNvSpPr>
+          <p:nvPr>
+            <p:ph type="ftr" sz="quarter" idx="10"/>
+          </p:nvPr>
+        </p:nvSpPr>
+        <p:spPr/>
+        <p:txBody>
+          <a:bodyPr/>
+          <a:lstStyle/>
+          <a:p>
+            <a:pPr>
+              <a:defRPr/>
+            </a:pPr>
+            <a:endParaRPr lang="de-DE"/>
+          </a:p>
+          <a:p>
+            <a:pPr>
+              <a:defRPr/>
+            </a:pPr>
+            <a:endParaRPr lang="de-DE"/>
+          </a:p>
+        </p:txBody>
+      </p:sp>
+      <p:sp>
+        <p:nvSpPr>
+          <p:cNvPr id="5" name="Titel 4"/>
+          <p:cNvSpPr>
+            <a:spLocks noGrp="1"/>
+          </p:cNvSpPr>
+          <p:nvPr>
+            <p:ph type="title"/>
+          </p:nvPr>
+        </p:nvSpPr>
+        <p:spPr/>
+        <p:txBody>
+          <a:bodyPr/>
+          <a:lstStyle/>
+          <a:p>
+            <a:r>
+              <a:rPr lang="en-US" dirty="0"/>
+              <a:t>Structure</a:t>
+            </a:r>
+          </a:p>
+        </p:txBody>
+      </p:sp>
+      <p:sp>
+        <p:nvSpPr>
+          <p:cNvPr id="16" name="Rechteck: abgerundete Ecken 15">
+            <a:extLst>
+              <a:ext uri="{FF2B5EF4-FFF2-40B4-BE49-F238E27FC236}">
+                <a16:creationId xmlns:a16="http://schemas.microsoft.com/office/drawing/2014/main" id="{C8FE6BEC-8694-42F2-BDCB-DE375B9CFD4D}"/>
+              </a:ext>
+            </a:extLst>
+          </p:cNvPr>
+          <p:cNvSpPr/>
+          <p:nvPr/>
+        </p:nvSpPr>
+        <p:spPr bwMode="auto">
+          <a:xfrm>
+            <a:off x="3673219" y="1628348"/>
+            <a:ext cx="1733405" cy="546818"/>
+          </a:xfrm>
+          <a:prstGeom prst="roundRect">
+            <a:avLst/>
+          </a:prstGeom>
+          <a:solidFill>
+            <a:schemeClr val="accent2"/>
+          </a:solidFill>
+          <a:ln w="9525" cap="flat" cmpd="sng" algn="ctr">
+            <a:solidFill>
+              <a:schemeClr val="tx1"/>
+            </a:solidFill>
+            <a:prstDash val="solid"/>
+            <a:round/>
+            <a:headEnd type="none" w="med" len="med"/>
+            <a:tailEnd type="none" w="med" len="med"/>
+          </a:ln>
+          <a:effectLst/>
+          <a:extLst>
+            <a:ext uri="{AF507438-7753-43E0-B8FC-AC1667EBCBE1}">
+              <a14:hiddenEffects xmlns:a14="http://schemas.microsoft.com/office/drawing/2010/main">
+                <a:effectLst>
+                  <a:outerShdw dist="35921" dir="2700000" algn="ctr" rotWithShape="0">
+                    <a:schemeClr val="bg2"/>
+                  </a:outerShdw>
+                </a:effectLst>
+              </a14:hiddenEffects>
+            </a:ext>
+          </a:extLst>
+        </p:spPr>
+        <p:txBody>
+          <a:bodyPr vert="horz" wrap="none" lIns="91440" tIns="45720" rIns="91440" bIns="45720" numCol="1" rtlCol="0" anchor="ctr" anchorCtr="0" compatLnSpc="1">
+            <a:prstTxWarp prst="textNoShape">
+              <a:avLst/>
+            </a:prstTxWarp>
+          </a:bodyPr>
+          <a:lstStyle/>
+          <a:p>
+            <a:pPr marL="0" marR="0" indent="0" algn="ctr" defTabSz="449263" rtl="0" eaLnBrk="1" fontAlgn="base" latinLnBrk="0" hangingPunct="1">
+              <a:lnSpc>
+                <a:spcPct val="93000"/>
+              </a:lnSpc>
+              <a:spcBef>
+                <a:spcPct val="0"/>
+              </a:spcBef>
+              <a:spcAft>
+                <a:spcPct val="0"/>
+              </a:spcAft>
+              <a:buClr>
+                <a:srgbClr val="000000"/>
+              </a:buClr>
+              <a:buSzPct val="100000"/>
+              <a:buFont typeface="Arial" charset="0"/>
+              <a:buNone/>
+              <a:tabLst/>
+            </a:pPr>
+            <a:r>
+              <a:rPr lang="de-DE" dirty="0" err="1">
+                <a:latin typeface="Arial"/>
+                <a:cs typeface="Arial"/>
+              </a:rPr>
+              <a:t>Introduction</a:t>
+            </a:r>
+            <a:endParaRPr lang="de-DE" sz="1800" b="0" i="0" u="none" strike="noStrike" cap="none" normalizeH="0" baseline="0" dirty="0" err="1">
+              <a:ln>
+                <a:noFill/>
+              </a:ln>
+              <a:solidFill>
+                <a:schemeClr val="bg1"/>
+              </a:solidFill>
+              <a:effectLst/>
+              <a:latin typeface="Arial" charset="0"/>
+              <a:cs typeface="Arial"/>
+            </a:endParaRPr>
+          </a:p>
+        </p:txBody>
+      </p:sp>
+      <p:sp>
+        <p:nvSpPr>
+          <p:cNvPr id="18" name="Rechteck: abgerundete Ecken 17">
+            <a:extLst>
+              <a:ext uri="{FF2B5EF4-FFF2-40B4-BE49-F238E27FC236}">
+                <a16:creationId xmlns:a16="http://schemas.microsoft.com/office/drawing/2014/main" id="{22FFC09B-5B97-4B31-964B-5FC33EFB6D64}"/>
+              </a:ext>
+            </a:extLst>
+          </p:cNvPr>
+          <p:cNvSpPr/>
+          <p:nvPr/>
+        </p:nvSpPr>
+        <p:spPr bwMode="auto">
+          <a:xfrm>
+            <a:off x="3664966" y="2322868"/>
+            <a:ext cx="1733266" cy="546401"/>
+          </a:xfrm>
+          <a:prstGeom prst="roundRect">
+            <a:avLst/>
+          </a:prstGeom>
+          <a:solidFill>
+            <a:schemeClr val="accent2"/>
+          </a:solidFill>
+          <a:ln w="9525" cap="flat" cmpd="sng" algn="ctr">
+            <a:solidFill>
+              <a:schemeClr val="tx1"/>
+            </a:solidFill>
+            <a:prstDash val="solid"/>
+            <a:round/>
+            <a:headEnd type="none" w="med" len="med"/>
+            <a:tailEnd type="none" w="med" len="med"/>
+          </a:ln>
+          <a:effectLst/>
+          <a:extLst>
+            <a:ext uri="{AF507438-7753-43E0-B8FC-AC1667EBCBE1}">
+              <a14:hiddenEffects xmlns:a14="http://schemas.microsoft.com/office/drawing/2010/main">
+                <a:effectLst>
+                  <a:outerShdw dist="35921" dir="2700000" algn="ctr" rotWithShape="0">
+                    <a:schemeClr val="bg2"/>
+                  </a:outerShdw>
+                </a:effectLst>
+              </a14:hiddenEffects>
+            </a:ext>
+          </a:extLst>
+        </p:spPr>
+        <p:txBody>
+          <a:bodyPr vert="horz" wrap="none" lIns="91440" tIns="45720" rIns="91440" bIns="45720" numCol="1" rtlCol="0" anchor="ctr" anchorCtr="0" compatLnSpc="1">
+            <a:prstTxWarp prst="textNoShape">
+              <a:avLst/>
+            </a:prstTxWarp>
+          </a:bodyPr>
+          <a:lstStyle/>
+          <a:p>
+            <a:pPr marL="0" marR="0" indent="0" algn="ctr" defTabSz="449263" rtl="0" eaLnBrk="1" fontAlgn="base" latinLnBrk="0" hangingPunct="1">
+              <a:lnSpc>
+                <a:spcPct val="93000"/>
+              </a:lnSpc>
+              <a:spcBef>
+                <a:spcPct val="0"/>
+              </a:spcBef>
+              <a:spcAft>
+                <a:spcPct val="0"/>
+              </a:spcAft>
+              <a:buClr>
+                <a:srgbClr val="000000"/>
+              </a:buClr>
+              <a:buSzPct val="100000"/>
+              <a:buFont typeface="Arial" charset="0"/>
+              <a:buNone/>
+              <a:tabLst/>
+            </a:pPr>
+            <a:r>
+              <a:rPr lang="de-DE" dirty="0">
+                <a:latin typeface="Arial"/>
+                <a:cs typeface="Arial"/>
+              </a:rPr>
+              <a:t>Motivation</a:t>
+            </a:r>
+          </a:p>
+        </p:txBody>
+      </p:sp>
+      <p:sp>
+        <p:nvSpPr>
+          <p:cNvPr id="19" name="Rechteck: abgerundete Ecken 18">
+            <a:extLst>
+              <a:ext uri="{FF2B5EF4-FFF2-40B4-BE49-F238E27FC236}">
+                <a16:creationId xmlns:a16="http://schemas.microsoft.com/office/drawing/2014/main" id="{B0D95075-C377-48C9-AC72-76EC71E50769}"/>
+              </a:ext>
+            </a:extLst>
+          </p:cNvPr>
+          <p:cNvSpPr/>
+          <p:nvPr/>
+        </p:nvSpPr>
+        <p:spPr bwMode="auto">
+          <a:xfrm>
+            <a:off x="2876091" y="3021238"/>
+            <a:ext cx="3392322" cy="546540"/>
+          </a:xfrm>
+          <a:prstGeom prst="roundRect">
+            <a:avLst/>
+          </a:prstGeom>
+          <a:solidFill>
+            <a:schemeClr val="accent2"/>
+          </a:solidFill>
+          <a:ln w="9525" cap="flat" cmpd="sng" algn="ctr">
+            <a:solidFill>
+              <a:schemeClr val="tx1"/>
+            </a:solidFill>
+            <a:prstDash val="solid"/>
+            <a:round/>
+            <a:headEnd type="none" w="med" len="med"/>
+            <a:tailEnd type="none" w="med" len="med"/>
+          </a:ln>
+          <a:effectLst/>
+          <a:extLst>
+            <a:ext uri="{AF507438-7753-43E0-B8FC-AC1667EBCBE1}">
+              <a14:hiddenEffects xmlns:a14="http://schemas.microsoft.com/office/drawing/2010/main">
+                <a:effectLst>
+                  <a:outerShdw dist="35921" dir="2700000" algn="ctr" rotWithShape="0">
+                    <a:schemeClr val="bg2"/>
+                  </a:outerShdw>
+                </a:effectLst>
+              </a14:hiddenEffects>
+            </a:ext>
+          </a:extLst>
+        </p:spPr>
+        <p:txBody>
+          <a:bodyPr vert="horz" wrap="none" lIns="91440" tIns="45720" rIns="91440" bIns="45720" numCol="1" rtlCol="0" anchor="ctr" anchorCtr="0" compatLnSpc="1">
+            <a:prstTxWarp prst="textNoShape">
+              <a:avLst/>
+            </a:prstTxWarp>
+          </a:bodyPr>
+          <a:lstStyle/>
+          <a:p>
+            <a:r>
+              <a:rPr lang="de-DE" dirty="0">
+                <a:latin typeface="Arial"/>
+                <a:cs typeface="Arial"/>
+              </a:rPr>
+              <a:t>Background &amp; </a:t>
+            </a:r>
+            <a:r>
+              <a:rPr lang="de-DE" dirty="0" err="1">
+                <a:latin typeface="Arial"/>
+                <a:cs typeface="Arial"/>
+              </a:rPr>
+              <a:t>Related</a:t>
+            </a:r>
+            <a:r>
+              <a:rPr lang="de-DE" dirty="0">
+                <a:latin typeface="Arial"/>
+                <a:cs typeface="Arial"/>
+              </a:rPr>
+              <a:t> Work</a:t>
+            </a:r>
+            <a:endParaRPr lang="de-DE" sz="1800" b="0" i="0" u="none" strike="noStrike" cap="none" normalizeH="0" baseline="0" dirty="0" err="1">
+              <a:ln>
+                <a:noFill/>
+              </a:ln>
+              <a:solidFill>
+                <a:schemeClr val="bg1"/>
+              </a:solidFill>
+              <a:effectLst/>
+              <a:latin typeface="Arial" charset="0"/>
+              <a:cs typeface="Arial"/>
+            </a:endParaRPr>
+          </a:p>
+        </p:txBody>
+      </p:sp>
+      <p:sp>
+        <p:nvSpPr>
+          <p:cNvPr id="20" name="Rechteck: abgerundete Ecken 19">
+            <a:extLst>
+              <a:ext uri="{FF2B5EF4-FFF2-40B4-BE49-F238E27FC236}">
+                <a16:creationId xmlns:a16="http://schemas.microsoft.com/office/drawing/2014/main" id="{CE15ECA3-44A2-41D9-AD12-C130A9F21655}"/>
+              </a:ext>
+            </a:extLst>
+          </p:cNvPr>
+          <p:cNvSpPr/>
+          <p:nvPr/>
+        </p:nvSpPr>
+        <p:spPr bwMode="auto">
+          <a:xfrm>
+            <a:off x="3537018" y="4115878"/>
+            <a:ext cx="1984897" cy="546540"/>
+          </a:xfrm>
+          <a:prstGeom prst="roundRect">
+            <a:avLst/>
+          </a:prstGeom>
+          <a:solidFill>
+            <a:schemeClr val="accent2"/>
+          </a:solidFill>
+          <a:ln w="9525" cap="flat" cmpd="sng" algn="ctr">
+            <a:solidFill>
+              <a:schemeClr val="tx1"/>
+            </a:solidFill>
+            <a:prstDash val="solid"/>
+            <a:round/>
+            <a:headEnd type="none" w="med" len="med"/>
+            <a:tailEnd type="none" w="med" len="med"/>
+          </a:ln>
+          <a:effectLst/>
+          <a:extLst>
+            <a:ext uri="{AF507438-7753-43E0-B8FC-AC1667EBCBE1}">
+              <a14:hiddenEffects xmlns:a14="http://schemas.microsoft.com/office/drawing/2010/main">
+                <a:effectLst>
+                  <a:outerShdw dist="35921" dir="2700000" algn="ctr" rotWithShape="0">
+                    <a:schemeClr val="bg2"/>
+                  </a:outerShdw>
+                </a:effectLst>
+              </a14:hiddenEffects>
+            </a:ext>
+          </a:extLst>
+        </p:spPr>
+        <p:txBody>
+          <a:bodyPr vert="horz" wrap="none" lIns="91440" tIns="45720" rIns="91440" bIns="45720" numCol="1" rtlCol="0" anchor="ctr" anchorCtr="0" compatLnSpc="1">
+            <a:prstTxWarp prst="textNoShape">
+              <a:avLst/>
+            </a:prstTxWarp>
+          </a:bodyPr>
+          <a:lstStyle/>
+          <a:p>
+            <a:r>
+              <a:rPr lang="de-DE" dirty="0">
+                <a:latin typeface="Arial"/>
+                <a:cs typeface="Arial"/>
+              </a:rPr>
+              <a:t>Task Definition</a:t>
+            </a:r>
+            <a:endParaRPr lang="de-DE" sz="1800" b="0" i="0" u="none" strike="noStrike" cap="none" normalizeH="0" baseline="0" dirty="0" err="1">
+              <a:ln>
+                <a:noFill/>
+              </a:ln>
+              <a:solidFill>
+                <a:schemeClr val="bg1"/>
+              </a:solidFill>
+              <a:effectLst/>
+              <a:latin typeface="Arial" charset="0"/>
+              <a:cs typeface="Arial"/>
+            </a:endParaRPr>
+          </a:p>
+        </p:txBody>
+      </p:sp>
+      <p:sp>
+        <p:nvSpPr>
+          <p:cNvPr id="21" name="Rechteck: abgerundete Ecken 20">
+            <a:extLst>
+              <a:ext uri="{FF2B5EF4-FFF2-40B4-BE49-F238E27FC236}">
+                <a16:creationId xmlns:a16="http://schemas.microsoft.com/office/drawing/2014/main" id="{E0429E29-C32F-45B7-8DBE-2B797EFC23D6}"/>
+              </a:ext>
+            </a:extLst>
+          </p:cNvPr>
+          <p:cNvSpPr/>
+          <p:nvPr/>
+        </p:nvSpPr>
+        <p:spPr bwMode="auto">
+          <a:xfrm>
+            <a:off x="3673078" y="4818512"/>
+            <a:ext cx="1729002" cy="554793"/>
+          </a:xfrm>
+          <a:prstGeom prst="roundRect">
+            <a:avLst/>
+          </a:prstGeom>
+          <a:solidFill>
+            <a:schemeClr val="accent2"/>
+          </a:solidFill>
+          <a:ln w="9525" cap="flat" cmpd="sng" algn="ctr">
+            <a:solidFill>
+              <a:schemeClr val="tx1"/>
+            </a:solidFill>
+            <a:prstDash val="solid"/>
+            <a:round/>
+            <a:headEnd type="none" w="med" len="med"/>
+            <a:tailEnd type="none" w="med" len="med"/>
+          </a:ln>
+          <a:effectLst/>
+          <a:extLst>
+            <a:ext uri="{AF507438-7753-43E0-B8FC-AC1667EBCBE1}">
+              <a14:hiddenEffects xmlns:a14="http://schemas.microsoft.com/office/drawing/2010/main">
+                <a:effectLst>
+                  <a:outerShdw dist="35921" dir="2700000" algn="ctr" rotWithShape="0">
+                    <a:schemeClr val="bg2"/>
+                  </a:outerShdw>
+                </a:effectLst>
+              </a14:hiddenEffects>
+            </a:ext>
+          </a:extLst>
+        </p:spPr>
+        <p:txBody>
+          <a:bodyPr vert="horz" wrap="none" lIns="91440" tIns="45720" rIns="91440" bIns="45720" numCol="1" rtlCol="0" anchor="ctr" anchorCtr="0" compatLnSpc="1">
+            <a:prstTxWarp prst="textNoShape">
+              <a:avLst/>
+            </a:prstTxWarp>
+          </a:bodyPr>
+          <a:lstStyle/>
+          <a:p>
+            <a:pPr marL="0" marR="0" indent="0" algn="ctr" defTabSz="449263" rtl="0" eaLnBrk="1" fontAlgn="base" latinLnBrk="0" hangingPunct="1">
+              <a:lnSpc>
+                <a:spcPct val="93000"/>
+              </a:lnSpc>
+              <a:spcBef>
+                <a:spcPct val="0"/>
+              </a:spcBef>
+              <a:spcAft>
+                <a:spcPct val="0"/>
+              </a:spcAft>
+              <a:buClr>
+                <a:srgbClr val="000000"/>
+              </a:buClr>
+              <a:buSzPct val="100000"/>
+              <a:buFont typeface="Arial" charset="0"/>
+              <a:buNone/>
+              <a:tabLst/>
+            </a:pPr>
+            <a:r>
+              <a:rPr lang="de-DE" dirty="0">
+                <a:latin typeface="Arial" charset="0"/>
+                <a:cs typeface="Arial"/>
+              </a:rPr>
+              <a:t>Progress</a:t>
+            </a:r>
+          </a:p>
+        </p:txBody>
+      </p:sp>
+      <p:sp>
+        <p:nvSpPr>
+          <p:cNvPr id="22" name="Rechteck: abgerundete Ecken 21">
+            <a:extLst>
+              <a:ext uri="{FF2B5EF4-FFF2-40B4-BE49-F238E27FC236}">
+                <a16:creationId xmlns:a16="http://schemas.microsoft.com/office/drawing/2014/main" id="{CF9FFBF4-C78A-43E9-8220-5BA0A59AE8F3}"/>
+              </a:ext>
+            </a:extLst>
+          </p:cNvPr>
+          <p:cNvSpPr/>
+          <p:nvPr/>
+        </p:nvSpPr>
+        <p:spPr bwMode="auto">
+          <a:xfrm>
+            <a:off x="3665101" y="5529400"/>
+            <a:ext cx="1729002" cy="554793"/>
+          </a:xfrm>
+          <a:prstGeom prst="roundRect">
+            <a:avLst/>
+          </a:prstGeom>
+          <a:solidFill>
+            <a:schemeClr val="accent2"/>
+          </a:solidFill>
+          <a:ln w="9525" cap="flat" cmpd="sng" algn="ctr">
+            <a:solidFill>
+              <a:schemeClr val="tx1"/>
+            </a:solidFill>
+            <a:prstDash val="solid"/>
+            <a:round/>
+            <a:headEnd type="none" w="med" len="med"/>
+            <a:tailEnd type="none" w="med" len="med"/>
+          </a:ln>
+          <a:effectLst/>
+          <a:extLst>
+            <a:ext uri="{AF507438-7753-43E0-B8FC-AC1667EBCBE1}">
+              <a14:hiddenEffects xmlns:a14="http://schemas.microsoft.com/office/drawing/2010/main">
+                <a:effectLst>
+                  <a:outerShdw dist="35921" dir="2700000" algn="ctr" rotWithShape="0">
+                    <a:schemeClr val="bg2"/>
+                  </a:outerShdw>
+                </a:effectLst>
+              </a14:hiddenEffects>
+            </a:ext>
+          </a:extLst>
+        </p:spPr>
+        <p:txBody>
+          <a:bodyPr vert="horz" wrap="none" lIns="91440" tIns="45720" rIns="91440" bIns="45720" numCol="1" rtlCol="0" anchor="ctr" anchorCtr="0" compatLnSpc="1">
+            <a:prstTxWarp prst="textNoShape">
+              <a:avLst/>
+            </a:prstTxWarp>
+          </a:bodyPr>
+          <a:lstStyle/>
+          <a:p>
+            <a:pPr marL="0" marR="0" indent="0" algn="ctr" defTabSz="449263" rtl="0" eaLnBrk="1" fontAlgn="base" latinLnBrk="0" hangingPunct="1">
+              <a:lnSpc>
+                <a:spcPct val="93000"/>
+              </a:lnSpc>
+              <a:spcBef>
+                <a:spcPct val="0"/>
+              </a:spcBef>
+              <a:spcAft>
+                <a:spcPct val="0"/>
+              </a:spcAft>
+              <a:buClr>
+                <a:srgbClr val="000000"/>
+              </a:buClr>
+              <a:buSzPct val="100000"/>
+              <a:buFont typeface="Arial" charset="0"/>
+              <a:buNone/>
+              <a:tabLst/>
+            </a:pPr>
+            <a:r>
+              <a:rPr lang="de-DE" dirty="0">
+                <a:latin typeface="Arial"/>
+                <a:cs typeface="Arial"/>
+              </a:rPr>
+              <a:t>Outlook</a:t>
+            </a:r>
+            <a:endParaRPr lang="de-DE" dirty="0">
+              <a:latin typeface="Arial" charset="0"/>
+              <a:cs typeface="Arial"/>
+            </a:endParaRPr>
+          </a:p>
+        </p:txBody>
+      </p:sp>
+    </p:spTree>
+    <p:extLst>
+      <p:ext uri="{BB962C8B-B14F-4D97-AF65-F5344CB8AC3E}">
+        <p14:creationId xmlns:p14="http://schemas.microsoft.com/office/powerpoint/2010/main" val="2983577608"/>
+      </p:ext>
+    </p:extLst>
+  </p:cSld>
+  <p:clrMapOvr>
+    <a:masterClrMapping/>
+  </p:clrMapOvr>
+</p:sld>
+</file>
+
+<file path=ppt/slides/slide3.xml><?xml version="1.0" encoding="utf-8"?>
+<p:sld xmlns:a="http://schemas.openxmlformats.org/drawingml/2006/main" xmlns:r="http://schemas.openxmlformats.org/officeDocument/2006/relationships" xmlns:p="http://schemas.openxmlformats.org/presentationml/2006/main">
+  <p:cSld>
+    <p:spTree>
+      <p:nvGrpSpPr>
+        <p:cNvPr id="1" name=""/>
+        <p:cNvGrpSpPr/>
+        <p:nvPr/>
+      </p:nvGrpSpPr>
+      <p:grpSpPr>
+        <a:xfrm>
+          <a:off x="0" y="0"/>
+          <a:ext cx="0" cy="0"/>
+          <a:chOff x="0" y="0"/>
+          <a:chExt cx="0" cy="0"/>
+        </a:xfrm>
+      </p:grpSpPr>
+      <p:sp>
+        <p:nvSpPr>
+          <p:cNvPr id="4" name="Fußzeilenplatzhalter 3"/>
+          <p:cNvSpPr>
+            <a:spLocks noGrp="1"/>
+          </p:cNvSpPr>
+          <p:nvPr>
+            <p:ph type="ftr" sz="quarter" idx="10"/>
+          </p:nvPr>
+        </p:nvSpPr>
+        <p:spPr/>
+        <p:txBody>
+          <a:bodyPr/>
+          <a:lstStyle/>
+          <a:p>
+            <a:pPr>
+              <a:defRPr/>
+            </a:pPr>
+            <a:endParaRPr lang="de-DE"/>
+          </a:p>
+          <a:p>
+            <a:pPr>
+              <a:defRPr/>
+            </a:pPr>
+            <a:endParaRPr lang="de-DE"/>
+          </a:p>
+        </p:txBody>
+      </p:sp>
+      <p:sp>
+        <p:nvSpPr>
+          <p:cNvPr id="5" name="Titel 4"/>
+          <p:cNvSpPr>
+            <a:spLocks noGrp="1"/>
+          </p:cNvSpPr>
+          <p:nvPr>
+            <p:ph type="title"/>
+          </p:nvPr>
+        </p:nvSpPr>
+        <p:spPr/>
+        <p:txBody>
+          <a:bodyPr/>
+          <a:lstStyle/>
+          <a:p>
+            <a:r>
+              <a:rPr lang="en-US" dirty="0"/>
+              <a:t>Structure</a:t>
+            </a:r>
+          </a:p>
+        </p:txBody>
+      </p:sp>
+      <p:sp>
+        <p:nvSpPr>
+          <p:cNvPr id="2" name="Rechteck: abgerundete Ecken 1">
+            <a:extLst>
+              <a:ext uri="{FF2B5EF4-FFF2-40B4-BE49-F238E27FC236}">
+                <a16:creationId xmlns:a16="http://schemas.microsoft.com/office/drawing/2014/main" id="{C6F9F1D7-5867-484C-81EF-E31F5D55F722}"/>
+              </a:ext>
+            </a:extLst>
+          </p:cNvPr>
+          <p:cNvSpPr/>
+          <p:nvPr/>
+        </p:nvSpPr>
+        <p:spPr bwMode="auto">
+          <a:xfrm>
+            <a:off x="425640" y="1619819"/>
+            <a:ext cx="1733405" cy="546818"/>
+          </a:xfrm>
+          <a:prstGeom prst="roundRect">
+            <a:avLst/>
+          </a:prstGeom>
+          <a:solidFill>
+            <a:schemeClr val="accent2"/>
+          </a:solidFill>
+          <a:ln w="9525" cap="flat" cmpd="sng" algn="ctr">
+            <a:solidFill>
+              <a:schemeClr val="tx1"/>
+            </a:solidFill>
+            <a:prstDash val="solid"/>
+            <a:round/>
+            <a:headEnd type="none" w="med" len="med"/>
+            <a:tailEnd type="none" w="med" len="med"/>
+          </a:ln>
+          <a:effectLst/>
+          <a:extLst>
+            <a:ext uri="{AF507438-7753-43E0-B8FC-AC1667EBCBE1}">
+              <a14:hiddenEffects xmlns:a14="http://schemas.microsoft.com/office/drawing/2010/main">
+                <a:effectLst>
+                  <a:outerShdw dist="35921" dir="2700000" algn="ctr" rotWithShape="0">
+                    <a:schemeClr val="bg2"/>
+                  </a:outerShdw>
+                </a:effectLst>
+              </a14:hiddenEffects>
+            </a:ext>
+          </a:extLst>
+        </p:spPr>
+        <p:txBody>
+          <a:bodyPr vert="horz" wrap="none" lIns="91440" tIns="45720" rIns="91440" bIns="45720" numCol="1" rtlCol="0" anchor="ctr" anchorCtr="0" compatLnSpc="1">
+            <a:prstTxWarp prst="textNoShape">
+              <a:avLst/>
+            </a:prstTxWarp>
+          </a:bodyPr>
+          <a:lstStyle/>
+          <a:p>
+            <a:pPr marL="0" marR="0" indent="0" algn="ctr" defTabSz="449263" rtl="0" eaLnBrk="1" fontAlgn="base" latinLnBrk="0" hangingPunct="1">
+              <a:lnSpc>
+                <a:spcPct val="93000"/>
+              </a:lnSpc>
+              <a:spcBef>
+                <a:spcPct val="0"/>
+              </a:spcBef>
+              <a:spcAft>
+                <a:spcPct val="0"/>
+              </a:spcAft>
+              <a:buClr>
+                <a:srgbClr val="000000"/>
+              </a:buClr>
+              <a:buSzPct val="100000"/>
+              <a:buFont typeface="Arial" charset="0"/>
+              <a:buNone/>
+              <a:tabLst/>
+            </a:pPr>
+            <a:r>
+              <a:rPr lang="de-DE" dirty="0" err="1">
+                <a:latin typeface="Arial"/>
+                <a:cs typeface="Arial"/>
+              </a:rPr>
+              <a:t>Introduction</a:t>
+            </a:r>
+            <a:endParaRPr lang="de-DE" sz="1800" b="0" i="0" u="none" strike="noStrike" cap="none" normalizeH="0" baseline="0" dirty="0" err="1">
+              <a:ln>
+                <a:noFill/>
+              </a:ln>
+              <a:solidFill>
+                <a:schemeClr val="bg1"/>
+              </a:solidFill>
+              <a:effectLst/>
+              <a:latin typeface="Arial" charset="0"/>
+              <a:cs typeface="Arial"/>
+            </a:endParaRPr>
+          </a:p>
+        </p:txBody>
+      </p:sp>
+      <p:sp>
+        <p:nvSpPr>
+          <p:cNvPr id="11" name="Rechteck: abgerundete Ecken 10">
+            <a:extLst>
+              <a:ext uri="{FF2B5EF4-FFF2-40B4-BE49-F238E27FC236}">
+                <a16:creationId xmlns:a16="http://schemas.microsoft.com/office/drawing/2014/main" id="{05CCFCE9-B7D5-46EC-8F1A-0A4D9ECD91FB}"/>
+              </a:ext>
+            </a:extLst>
+          </p:cNvPr>
+          <p:cNvSpPr/>
+          <p:nvPr/>
+        </p:nvSpPr>
+        <p:spPr bwMode="auto">
+          <a:xfrm>
+            <a:off x="421652" y="2322869"/>
+            <a:ext cx="1733266" cy="546401"/>
+          </a:xfrm>
+          <a:prstGeom prst="roundRect">
+            <a:avLst/>
+          </a:prstGeom>
+          <a:solidFill>
+            <a:schemeClr val="accent2"/>
+          </a:solidFill>
+          <a:ln w="9525" cap="flat" cmpd="sng" algn="ctr">
+            <a:solidFill>
+              <a:schemeClr val="tx1"/>
+            </a:solidFill>
+            <a:prstDash val="solid"/>
+            <a:round/>
+            <a:headEnd type="none" w="med" len="med"/>
+            <a:tailEnd type="none" w="med" len="med"/>
+          </a:ln>
+          <a:effectLst/>
+          <a:extLst>
+            <a:ext uri="{AF507438-7753-43E0-B8FC-AC1667EBCBE1}">
+              <a14:hiddenEffects xmlns:a14="http://schemas.microsoft.com/office/drawing/2010/main">
+                <a:effectLst>
+                  <a:outerShdw dist="35921" dir="2700000" algn="ctr" rotWithShape="0">
+                    <a:schemeClr val="bg2"/>
+                  </a:outerShdw>
+                </a:effectLst>
+              </a14:hiddenEffects>
+            </a:ext>
+          </a:extLst>
+        </p:spPr>
+        <p:txBody>
+          <a:bodyPr vert="horz" wrap="none" lIns="91440" tIns="45720" rIns="91440" bIns="45720" numCol="1" rtlCol="0" anchor="ctr" anchorCtr="0" compatLnSpc="1">
+            <a:prstTxWarp prst="textNoShape">
+              <a:avLst/>
+            </a:prstTxWarp>
+          </a:bodyPr>
+          <a:lstStyle/>
+          <a:p>
+            <a:pPr marL="0" marR="0" indent="0" algn="ctr" defTabSz="449263" rtl="0" eaLnBrk="1" fontAlgn="base" latinLnBrk="0" hangingPunct="1">
+              <a:lnSpc>
+                <a:spcPct val="93000"/>
+              </a:lnSpc>
+              <a:spcBef>
+                <a:spcPct val="0"/>
+              </a:spcBef>
+              <a:spcAft>
+                <a:spcPct val="0"/>
+              </a:spcAft>
+              <a:buClr>
+                <a:srgbClr val="000000"/>
+              </a:buClr>
+              <a:buSzPct val="100000"/>
+              <a:buFont typeface="Arial" charset="0"/>
+              <a:buNone/>
+              <a:tabLst/>
+            </a:pPr>
+            <a:r>
+              <a:rPr lang="de-DE" dirty="0">
+                <a:latin typeface="Arial"/>
+                <a:cs typeface="Arial"/>
+              </a:rPr>
+              <a:t>Motivation</a:t>
+            </a:r>
+          </a:p>
+        </p:txBody>
+      </p:sp>
+      <p:sp>
+        <p:nvSpPr>
+          <p:cNvPr id="12" name="Rechteck: abgerundete Ecken 11">
+            <a:extLst>
+              <a:ext uri="{FF2B5EF4-FFF2-40B4-BE49-F238E27FC236}">
+                <a16:creationId xmlns:a16="http://schemas.microsoft.com/office/drawing/2014/main" id="{004E5F0F-C714-4C00-BFC6-4CEDFBF93F7D}"/>
+              </a:ext>
+            </a:extLst>
+          </p:cNvPr>
+          <p:cNvSpPr/>
+          <p:nvPr/>
+        </p:nvSpPr>
+        <p:spPr bwMode="auto">
+          <a:xfrm>
+            <a:off x="421788" y="3021239"/>
+            <a:ext cx="3268639" cy="546540"/>
+          </a:xfrm>
+          <a:prstGeom prst="roundRect">
+            <a:avLst/>
+          </a:prstGeom>
+          <a:solidFill>
+            <a:schemeClr val="accent2"/>
+          </a:solidFill>
+          <a:ln w="9525" cap="flat" cmpd="sng" algn="ctr">
+            <a:solidFill>
+              <a:schemeClr val="tx1"/>
+            </a:solidFill>
+            <a:prstDash val="solid"/>
+            <a:round/>
+            <a:headEnd type="none" w="med" len="med"/>
+            <a:tailEnd type="none" w="med" len="med"/>
+          </a:ln>
+          <a:effectLst/>
+          <a:extLst>
+            <a:ext uri="{AF507438-7753-43E0-B8FC-AC1667EBCBE1}">
+              <a14:hiddenEffects xmlns:a14="http://schemas.microsoft.com/office/drawing/2010/main">
+                <a:effectLst>
+                  <a:outerShdw dist="35921" dir="2700000" algn="ctr" rotWithShape="0">
+                    <a:schemeClr val="bg2"/>
+                  </a:outerShdw>
+                </a:effectLst>
+              </a14:hiddenEffects>
+            </a:ext>
+          </a:extLst>
+        </p:spPr>
+        <p:txBody>
+          <a:bodyPr vert="horz" wrap="none" lIns="91440" tIns="45720" rIns="91440" bIns="45720" numCol="1" rtlCol="0" anchor="ctr" anchorCtr="0" compatLnSpc="1">
+            <a:prstTxWarp prst="textNoShape">
+              <a:avLst/>
+            </a:prstTxWarp>
+          </a:bodyPr>
+          <a:lstStyle/>
+          <a:p>
+            <a:r>
+              <a:rPr lang="de-DE" dirty="0">
+                <a:latin typeface="Arial"/>
+                <a:cs typeface="Arial"/>
+              </a:rPr>
+              <a:t>Background &amp; </a:t>
+            </a:r>
+            <a:r>
+              <a:rPr lang="de-DE" dirty="0" err="1">
+                <a:latin typeface="Arial"/>
+                <a:cs typeface="Arial"/>
+              </a:rPr>
+              <a:t>Related</a:t>
+            </a:r>
+            <a:r>
+              <a:rPr lang="de-DE" dirty="0">
+                <a:latin typeface="Arial"/>
+                <a:cs typeface="Arial"/>
+              </a:rPr>
+              <a:t> Work</a:t>
+            </a:r>
+            <a:endParaRPr lang="de-DE" sz="1800" b="0" i="0" u="none" strike="noStrike" cap="none" normalizeH="0" baseline="0" dirty="0" err="1">
+              <a:ln>
+                <a:noFill/>
+              </a:ln>
+              <a:solidFill>
+                <a:schemeClr val="bg1"/>
+              </a:solidFill>
+              <a:effectLst/>
+              <a:latin typeface="Arial" charset="0"/>
+              <a:cs typeface="Arial"/>
+            </a:endParaRPr>
+          </a:p>
+        </p:txBody>
+      </p:sp>
+      <p:sp>
+        <p:nvSpPr>
+          <p:cNvPr id="13" name="Rechteck: abgerundete Ecken 12">
+            <a:extLst>
+              <a:ext uri="{FF2B5EF4-FFF2-40B4-BE49-F238E27FC236}">
+                <a16:creationId xmlns:a16="http://schemas.microsoft.com/office/drawing/2014/main" id="{58C542FF-8FB8-44AF-84C1-1AE6A6326950}"/>
+              </a:ext>
+            </a:extLst>
+          </p:cNvPr>
+          <p:cNvSpPr/>
+          <p:nvPr/>
+        </p:nvSpPr>
+        <p:spPr bwMode="auto">
+          <a:xfrm>
+            <a:off x="425917" y="4115879"/>
+            <a:ext cx="1984897" cy="546540"/>
+          </a:xfrm>
+          <a:prstGeom prst="roundRect">
+            <a:avLst/>
+          </a:prstGeom>
+          <a:solidFill>
+            <a:schemeClr val="accent2"/>
+          </a:solidFill>
+          <a:ln w="9525" cap="flat" cmpd="sng" algn="ctr">
+            <a:solidFill>
+              <a:schemeClr val="tx1"/>
+            </a:solidFill>
+            <a:prstDash val="solid"/>
+            <a:round/>
+            <a:headEnd type="none" w="med" len="med"/>
+            <a:tailEnd type="none" w="med" len="med"/>
+          </a:ln>
+          <a:effectLst/>
+          <a:extLst>
+            <a:ext uri="{AF507438-7753-43E0-B8FC-AC1667EBCBE1}">
+              <a14:hiddenEffects xmlns:a14="http://schemas.microsoft.com/office/drawing/2010/main">
+                <a:effectLst>
+                  <a:outerShdw dist="35921" dir="2700000" algn="ctr" rotWithShape="0">
+                    <a:schemeClr val="bg2"/>
+                  </a:outerShdw>
+                </a:effectLst>
+              </a14:hiddenEffects>
+            </a:ext>
+          </a:extLst>
+        </p:spPr>
+        <p:txBody>
+          <a:bodyPr vert="horz" wrap="none" lIns="91440" tIns="45720" rIns="91440" bIns="45720" numCol="1" rtlCol="0" anchor="ctr" anchorCtr="0" compatLnSpc="1">
+            <a:prstTxWarp prst="textNoShape">
+              <a:avLst/>
+            </a:prstTxWarp>
+          </a:bodyPr>
+          <a:lstStyle/>
+          <a:p>
+            <a:r>
+              <a:rPr lang="de-DE" dirty="0">
+                <a:latin typeface="Arial"/>
+                <a:cs typeface="Arial"/>
+              </a:rPr>
+              <a:t>Task Definition</a:t>
+            </a:r>
+            <a:endParaRPr lang="de-DE" sz="1800" b="0" i="0" u="none" strike="noStrike" cap="none" normalizeH="0" baseline="0" dirty="0" err="1">
+              <a:ln>
+                <a:noFill/>
+              </a:ln>
+              <a:solidFill>
+                <a:schemeClr val="bg1"/>
+              </a:solidFill>
+              <a:effectLst/>
+              <a:latin typeface="Arial" charset="0"/>
+              <a:cs typeface="Arial"/>
+            </a:endParaRPr>
+          </a:p>
+        </p:txBody>
+      </p:sp>
+      <p:sp>
+        <p:nvSpPr>
+          <p:cNvPr id="14" name="Rechteck: abgerundete Ecken 13">
+            <a:extLst>
+              <a:ext uri="{FF2B5EF4-FFF2-40B4-BE49-F238E27FC236}">
+                <a16:creationId xmlns:a16="http://schemas.microsoft.com/office/drawing/2014/main" id="{EF3D045F-F08A-40C3-8DF5-7395802E384D}"/>
+              </a:ext>
+            </a:extLst>
+          </p:cNvPr>
+          <p:cNvSpPr/>
+          <p:nvPr/>
+        </p:nvSpPr>
+        <p:spPr bwMode="auto">
+          <a:xfrm>
+            <a:off x="429764" y="4818513"/>
+            <a:ext cx="1729002" cy="554793"/>
+          </a:xfrm>
+          <a:prstGeom prst="roundRect">
+            <a:avLst/>
+          </a:prstGeom>
+          <a:solidFill>
+            <a:schemeClr val="accent2"/>
+          </a:solidFill>
+          <a:ln w="9525" cap="flat" cmpd="sng" algn="ctr">
+            <a:solidFill>
+              <a:schemeClr val="tx1"/>
+            </a:solidFill>
+            <a:prstDash val="solid"/>
+            <a:round/>
+            <a:headEnd type="none" w="med" len="med"/>
+            <a:tailEnd type="none" w="med" len="med"/>
+          </a:ln>
+          <a:effectLst/>
+          <a:extLst>
+            <a:ext uri="{AF507438-7753-43E0-B8FC-AC1667EBCBE1}">
+              <a14:hiddenEffects xmlns:a14="http://schemas.microsoft.com/office/drawing/2010/main">
+                <a:effectLst>
+                  <a:outerShdw dist="35921" dir="2700000" algn="ctr" rotWithShape="0">
+                    <a:schemeClr val="bg2"/>
+                  </a:outerShdw>
+                </a:effectLst>
+              </a14:hiddenEffects>
+            </a:ext>
+          </a:extLst>
+        </p:spPr>
+        <p:txBody>
+          <a:bodyPr vert="horz" wrap="none" lIns="91440" tIns="45720" rIns="91440" bIns="45720" numCol="1" rtlCol="0" anchor="ctr" anchorCtr="0" compatLnSpc="1">
+            <a:prstTxWarp prst="textNoShape">
+              <a:avLst/>
+            </a:prstTxWarp>
+          </a:bodyPr>
+          <a:lstStyle/>
+          <a:p>
+            <a:pPr marL="0" marR="0" indent="0" algn="ctr" defTabSz="449263" rtl="0" eaLnBrk="1" fontAlgn="base" latinLnBrk="0" hangingPunct="1">
+              <a:lnSpc>
+                <a:spcPct val="93000"/>
+              </a:lnSpc>
+              <a:spcBef>
+                <a:spcPct val="0"/>
+              </a:spcBef>
+              <a:spcAft>
+                <a:spcPct val="0"/>
+              </a:spcAft>
+              <a:buClr>
+                <a:srgbClr val="000000"/>
+              </a:buClr>
+              <a:buSzPct val="100000"/>
+              <a:buFont typeface="Arial" charset="0"/>
+              <a:buNone/>
+              <a:tabLst/>
+            </a:pPr>
+            <a:r>
+              <a:rPr lang="de-DE" dirty="0">
+                <a:latin typeface="Arial" charset="0"/>
+                <a:cs typeface="Arial"/>
+              </a:rPr>
+              <a:t>Progress</a:t>
+            </a:r>
+          </a:p>
+        </p:txBody>
+      </p:sp>
+      <p:sp>
+        <p:nvSpPr>
+          <p:cNvPr id="15" name="Rechteck: abgerundete Ecken 14">
+            <a:extLst>
+              <a:ext uri="{FF2B5EF4-FFF2-40B4-BE49-F238E27FC236}">
+                <a16:creationId xmlns:a16="http://schemas.microsoft.com/office/drawing/2014/main" id="{BCA8401E-F416-4694-80C9-13FD0BD74AFE}"/>
+              </a:ext>
+            </a:extLst>
+          </p:cNvPr>
+          <p:cNvSpPr/>
+          <p:nvPr/>
+        </p:nvSpPr>
+        <p:spPr bwMode="auto">
+          <a:xfrm>
+            <a:off x="421787" y="5525274"/>
+            <a:ext cx="1729002" cy="554793"/>
+          </a:xfrm>
+          <a:prstGeom prst="roundRect">
+            <a:avLst/>
+          </a:prstGeom>
+          <a:solidFill>
+            <a:schemeClr val="accent2"/>
+          </a:solidFill>
+          <a:ln w="9525" cap="flat" cmpd="sng" algn="ctr">
+            <a:solidFill>
+              <a:schemeClr val="tx1"/>
+            </a:solidFill>
+            <a:prstDash val="solid"/>
+            <a:round/>
+            <a:headEnd type="none" w="med" len="med"/>
+            <a:tailEnd type="none" w="med" len="med"/>
+          </a:ln>
+          <a:effectLst/>
+          <a:extLst>
+            <a:ext uri="{AF507438-7753-43E0-B8FC-AC1667EBCBE1}">
+              <a14:hiddenEffects xmlns:a14="http://schemas.microsoft.com/office/drawing/2010/main">
+                <a:effectLst>
+                  <a:outerShdw dist="35921" dir="2700000" algn="ctr" rotWithShape="0">
+                    <a:schemeClr val="bg2"/>
+                  </a:outerShdw>
+                </a:effectLst>
+              </a14:hiddenEffects>
+            </a:ext>
+          </a:extLst>
+        </p:spPr>
+        <p:txBody>
+          <a:bodyPr vert="horz" wrap="none" lIns="91440" tIns="45720" rIns="91440" bIns="45720" numCol="1" rtlCol="0" anchor="ctr" anchorCtr="0" compatLnSpc="1">
+            <a:prstTxWarp prst="textNoShape">
+              <a:avLst/>
+            </a:prstTxWarp>
+          </a:bodyPr>
+          <a:lstStyle/>
+          <a:p>
+            <a:pPr marL="0" marR="0" indent="0" algn="ctr" defTabSz="449263" rtl="0" eaLnBrk="1" fontAlgn="base" latinLnBrk="0" hangingPunct="1">
+              <a:lnSpc>
+                <a:spcPct val="93000"/>
+              </a:lnSpc>
+              <a:spcBef>
+                <a:spcPct val="0"/>
+              </a:spcBef>
+              <a:spcAft>
+                <a:spcPct val="0"/>
+              </a:spcAft>
+              <a:buClr>
+                <a:srgbClr val="000000"/>
+              </a:buClr>
+              <a:buSzPct val="100000"/>
+              <a:buFont typeface="Arial" charset="0"/>
+              <a:buNone/>
+              <a:tabLst/>
+            </a:pPr>
+            <a:r>
+              <a:rPr lang="de-DE" dirty="0">
+                <a:latin typeface="Arial"/>
+                <a:cs typeface="Arial"/>
+              </a:rPr>
+              <a:t>Outlook</a:t>
+            </a:r>
+            <a:endParaRPr lang="de-DE" dirty="0">
+              <a:latin typeface="Arial" charset="0"/>
+              <a:cs typeface="Arial"/>
+            </a:endParaRPr>
+          </a:p>
+        </p:txBody>
+      </p:sp>
+      <p:cxnSp>
+        <p:nvCxnSpPr>
+          <p:cNvPr id="3" name="Gerade Verbindung mit Pfeil 2">
+            <a:extLst>
+              <a:ext uri="{FF2B5EF4-FFF2-40B4-BE49-F238E27FC236}">
+                <a16:creationId xmlns:a16="http://schemas.microsoft.com/office/drawing/2014/main" id="{E1756D60-9339-4F3D-AB40-B8F7885F88E1}"/>
+              </a:ext>
+            </a:extLst>
+          </p:cNvPr>
+          <p:cNvCxnSpPr/>
+          <p:nvPr/>
+        </p:nvCxnSpPr>
+        <p:spPr bwMode="auto">
+          <a:xfrm flipV="1">
+            <a:off x="310302" y="3844936"/>
+            <a:ext cx="8494511" cy="1650"/>
+          </a:xfrm>
+          <a:prstGeom prst="straightConnector1">
+            <a:avLst/>
+          </a:prstGeom>
+          <a:solidFill>
+            <a:schemeClr val="accent2"/>
+          </a:solidFill>
+          <a:ln w="9525" cap="flat" cmpd="sng" algn="ctr">
+            <a:solidFill>
+              <a:schemeClr val="tx1"/>
+            </a:solidFill>
+            <a:prstDash val="dash"/>
+            <a:round/>
+            <a:headEnd type="none" w="med" len="med"/>
+            <a:tailEnd type="none" w="med" len="med"/>
+          </a:ln>
+          <a:effectLst/>
+          <a:extLst>
+            <a:ext uri="{AF507438-7753-43E0-B8FC-AC1667EBCBE1}">
+              <a14:hiddenEffects xmlns:a14="http://schemas.microsoft.com/office/drawing/2010/main">
+                <a:effectLst>
+                  <a:outerShdw dist="35921" dir="2700000" algn="ctr" rotWithShape="0">
+                    <a:schemeClr val="bg2"/>
+                  </a:outerShdw>
+                </a:effectLst>
+              </a14:hiddenEffects>
+            </a:ext>
+          </a:extLst>
+        </p:spPr>
+      </p:cxnSp>
+      <p:sp>
+        <p:nvSpPr>
+          <p:cNvPr id="6" name="Textfeld 5">
+            <a:extLst>
+              <a:ext uri="{FF2B5EF4-FFF2-40B4-BE49-F238E27FC236}">
+                <a16:creationId xmlns:a16="http://schemas.microsoft.com/office/drawing/2014/main" id="{F12D73A3-B253-458E-9139-0952572F1778}"/>
+              </a:ext>
+            </a:extLst>
+          </p:cNvPr>
+          <p:cNvSpPr txBox="1"/>
+          <p:nvPr/>
+        </p:nvSpPr>
+        <p:spPr>
+          <a:xfrm>
+            <a:off x="4359906" y="2420520"/>
+            <a:ext cx="3246615" cy="349968"/>
+          </a:xfrm>
+          <a:prstGeom prst="rect">
+            <a:avLst/>
+          </a:prstGeom>
+          <a:noFill/>
+        </p:spPr>
+        <p:txBody>
+          <a:bodyPr rot="0" spcFirstLastPara="0" vertOverflow="overflow" horzOverflow="overflow" vert="horz" wrap="square" lIns="91440" tIns="45720" rIns="91440" bIns="45720" numCol="1" spcCol="0" rtlCol="0" fromWordArt="0" anchor="t" anchorCtr="0" forceAA="0" compatLnSpc="1">
+            <a:prstTxWarp prst="textNoShape">
+              <a:avLst/>
+            </a:prstTxWarp>
+            <a:spAutoFit/>
+          </a:bodyPr>
+          <a:lstStyle/>
+          <a:p>
+            <a:pPr algn="l"/>
+            <a:r>
+              <a:rPr lang="de-DE">
+                <a:solidFill>
+                  <a:schemeClr val="tx1"/>
+                </a:solidFill>
+                <a:latin typeface="Arial"/>
+                <a:cs typeface="Arial"/>
+              </a:rPr>
+              <a:t>Context of the thesis</a:t>
+            </a:r>
+            <a:endParaRPr lang="de-DE">
+              <a:solidFill>
+                <a:schemeClr val="tx1"/>
+              </a:solidFill>
+            </a:endParaRPr>
+          </a:p>
+        </p:txBody>
+      </p:sp>
+      <p:sp>
+        <p:nvSpPr>
+          <p:cNvPr id="17" name="Textfeld 16">
+            <a:extLst>
+              <a:ext uri="{FF2B5EF4-FFF2-40B4-BE49-F238E27FC236}">
+                <a16:creationId xmlns:a16="http://schemas.microsoft.com/office/drawing/2014/main" id="{14B1C238-D9F5-441A-B2BF-E7F92390506C}"/>
+              </a:ext>
+            </a:extLst>
+          </p:cNvPr>
+          <p:cNvSpPr txBox="1"/>
+          <p:nvPr/>
+        </p:nvSpPr>
+        <p:spPr>
+          <a:xfrm>
+            <a:off x="4359905" y="4921090"/>
+            <a:ext cx="3353900" cy="349968"/>
+          </a:xfrm>
+          <a:prstGeom prst="rect">
+            <a:avLst/>
+          </a:prstGeom>
+          <a:noFill/>
+        </p:spPr>
+        <p:txBody>
+          <a:bodyPr rot="0" spcFirstLastPara="0" vertOverflow="overflow" horzOverflow="overflow" vert="horz" wrap="square" lIns="91440" tIns="45720" rIns="91440" bIns="45720" numCol="1" spcCol="0" rtlCol="0" fromWordArt="0" anchor="t" anchorCtr="0" forceAA="0" compatLnSpc="1">
+            <a:prstTxWarp prst="textNoShape">
+              <a:avLst/>
+            </a:prstTxWarp>
+            <a:spAutoFit/>
+          </a:bodyPr>
+          <a:lstStyle/>
+          <a:p>
+            <a:pPr algn="l"/>
+            <a:r>
+              <a:rPr lang="de-DE">
+                <a:solidFill>
+                  <a:schemeClr val="tx1"/>
+                </a:solidFill>
+                <a:latin typeface="Arial"/>
+                <a:cs typeface="Arial"/>
+              </a:rPr>
+              <a:t>Content of the thesis</a:t>
+            </a:r>
+            <a:endParaRPr lang="de-DE">
+              <a:solidFill>
+                <a:schemeClr val="tx1"/>
+              </a:solidFill>
+              <a:cs typeface="Arial" pitchFamily="34" charset="0"/>
+            </a:endParaRPr>
+          </a:p>
+        </p:txBody>
+      </p:sp>
+    </p:spTree>
+    <p:extLst>
+      <p:ext uri="{BB962C8B-B14F-4D97-AF65-F5344CB8AC3E}">
+        <p14:creationId xmlns:p14="http://schemas.microsoft.com/office/powerpoint/2010/main" val="17097208"/>
+      </p:ext>
+    </p:extLst>
+  </p:cSld>
+  <p:clrMapOvr>
+    <a:masterClrMapping/>
+  </p:clrMapOvr>
+</p:sld>
+</file>
+
+<file path=ppt/slides/slide4.xml><?xml version="1.0" encoding="utf-8"?>
+<p:sld xmlns:a="http://schemas.openxmlformats.org/drawingml/2006/main" xmlns:r="http://schemas.openxmlformats.org/officeDocument/2006/relationships" xmlns:p="http://schemas.openxmlformats.org/presentationml/2006/main">
+  <p:cSld>
+    <p:spTree>
+      <p:nvGrpSpPr>
+        <p:cNvPr id="1" name=""/>
+        <p:cNvGrpSpPr/>
+        <p:nvPr/>
+      </p:nvGrpSpPr>
+      <p:grpSpPr>
+        <a:xfrm>
+          <a:off x="0" y="0"/>
+          <a:ext cx="0" cy="0"/>
+          <a:chOff x="0" y="0"/>
+          <a:chExt cx="0" cy="0"/>
+        </a:xfrm>
+      </p:grpSpPr>
+      <p:sp>
+        <p:nvSpPr>
+          <p:cNvPr id="4" name="Fußzeilenplatzhalter 3"/>
+          <p:cNvSpPr>
+            <a:spLocks noGrp="1"/>
+          </p:cNvSpPr>
+          <p:nvPr>
+            <p:ph type="ftr" sz="quarter" idx="10"/>
+          </p:nvPr>
+        </p:nvSpPr>
+        <p:spPr/>
+        <p:txBody>
+          <a:bodyPr/>
+          <a:lstStyle/>
+          <a:p>
+            <a:pPr>
+              <a:defRPr/>
+            </a:pPr>
+            <a:endParaRPr lang="de-DE"/>
+          </a:p>
+          <a:p>
+            <a:pPr>
+              <a:defRPr/>
+            </a:pPr>
+            <a:endParaRPr lang="de-DE"/>
+          </a:p>
+        </p:txBody>
+      </p:sp>
+      <p:sp>
+        <p:nvSpPr>
+          <p:cNvPr id="5" name="Titel 4"/>
+          <p:cNvSpPr>
+            <a:spLocks noGrp="1"/>
+          </p:cNvSpPr>
+          <p:nvPr>
+            <p:ph type="title"/>
+          </p:nvPr>
+        </p:nvSpPr>
+        <p:spPr/>
+        <p:txBody>
+          <a:bodyPr/>
+          <a:lstStyle/>
+          <a:p>
+            <a:r>
+              <a:rPr lang="en-US">
+                <a:cs typeface="Arial"/>
+              </a:rPr>
+              <a:t>Introduction I</a:t>
+            </a:r>
+            <a:endParaRPr lang="en-US" dirty="0">
+              <a:cs typeface="Arial"/>
+            </a:endParaRPr>
+          </a:p>
+        </p:txBody>
+      </p:sp>
+      <p:sp>
+        <p:nvSpPr>
+          <p:cNvPr id="2" name="Rechteck: abgerundete Ecken 1">
+            <a:extLst>
+              <a:ext uri="{FF2B5EF4-FFF2-40B4-BE49-F238E27FC236}">
+                <a16:creationId xmlns:a16="http://schemas.microsoft.com/office/drawing/2014/main" id="{C6F9F1D7-5867-484C-81EF-E31F5D55F722}"/>
+              </a:ext>
+            </a:extLst>
+          </p:cNvPr>
+          <p:cNvSpPr/>
+          <p:nvPr/>
+        </p:nvSpPr>
+        <p:spPr bwMode="auto">
+          <a:xfrm>
+            <a:off x="425640" y="1619819"/>
+            <a:ext cx="611037" cy="546818"/>
+          </a:xfrm>
+          <a:prstGeom prst="roundRect">
+            <a:avLst/>
+          </a:prstGeom>
+          <a:solidFill>
+            <a:schemeClr val="accent2"/>
+          </a:solidFill>
+          <a:ln w="9525" cap="flat" cmpd="sng" algn="ctr">
+            <a:solidFill>
+              <a:schemeClr val="tx1"/>
+            </a:solidFill>
+            <a:prstDash val="solid"/>
+            <a:round/>
+            <a:headEnd type="none" w="med" len="med"/>
+            <a:tailEnd type="none" w="med" len="med"/>
+          </a:ln>
+          <a:effectLst/>
+          <a:extLst>
+            <a:ext uri="{AF507438-7753-43E0-B8FC-AC1667EBCBE1}">
+              <a14:hiddenEffects xmlns:a14="http://schemas.microsoft.com/office/drawing/2010/main">
+                <a:effectLst>
+                  <a:outerShdw dist="35921" dir="2700000" algn="ctr" rotWithShape="0">
+                    <a:schemeClr val="bg2"/>
+                  </a:outerShdw>
+                </a:effectLst>
+              </a14:hiddenEffects>
+            </a:ext>
+          </a:extLst>
+        </p:spPr>
+        <p:txBody>
+          <a:bodyPr vert="horz" wrap="none" lIns="91440" tIns="45720" rIns="91440" bIns="45720" numCol="1" rtlCol="0" anchor="ctr" anchorCtr="0" compatLnSpc="1">
+            <a:prstTxWarp prst="textNoShape">
+              <a:avLst/>
+            </a:prstTxWarp>
+          </a:bodyPr>
+          <a:lstStyle/>
+          <a:p>
+            <a:pPr marL="0" marR="0" indent="0" algn="ctr" defTabSz="449263" rtl="0" eaLnBrk="1" fontAlgn="base" latinLnBrk="0" hangingPunct="1">
+              <a:lnSpc>
+                <a:spcPct val="93000"/>
+              </a:lnSpc>
+              <a:spcBef>
+                <a:spcPct val="0"/>
+              </a:spcBef>
+              <a:spcAft>
+                <a:spcPct val="0"/>
+              </a:spcAft>
+              <a:buClr>
+                <a:srgbClr val="000000"/>
+              </a:buClr>
+              <a:buSzPct val="100000"/>
+              <a:buFont typeface="Arial" charset="0"/>
+              <a:buNone/>
+              <a:tabLst/>
+            </a:pPr>
+            <a:r>
+              <a:rPr lang="de-DE">
+                <a:latin typeface="Arial"/>
+                <a:cs typeface="Arial"/>
+              </a:rPr>
+              <a:t>Int</a:t>
+            </a:r>
+            <a:endParaRPr lang="de-DE" sz="1800" b="0" i="0" u="none" strike="noStrike" cap="none" normalizeH="0" baseline="0" dirty="0" err="1">
+              <a:ln>
+                <a:noFill/>
+              </a:ln>
+              <a:solidFill>
+                <a:schemeClr val="bg1"/>
+              </a:solidFill>
+              <a:effectLst/>
+              <a:latin typeface="Arial" charset="0"/>
+              <a:cs typeface="Arial"/>
+            </a:endParaRPr>
+          </a:p>
+        </p:txBody>
+      </p:sp>
+      <p:sp>
+        <p:nvSpPr>
+          <p:cNvPr id="11" name="Rechteck: abgerundete Ecken 10">
+            <a:extLst>
+              <a:ext uri="{FF2B5EF4-FFF2-40B4-BE49-F238E27FC236}">
+                <a16:creationId xmlns:a16="http://schemas.microsoft.com/office/drawing/2014/main" id="{05CCFCE9-B7D5-46EC-8F1A-0A4D9ECD91FB}"/>
+              </a:ext>
+            </a:extLst>
+          </p:cNvPr>
+          <p:cNvSpPr/>
+          <p:nvPr/>
+        </p:nvSpPr>
+        <p:spPr bwMode="auto">
+          <a:xfrm>
+            <a:off x="421652" y="2322869"/>
+            <a:ext cx="610898" cy="546401"/>
+          </a:xfrm>
+          <a:prstGeom prst="roundRect">
+            <a:avLst/>
+          </a:prstGeom>
+          <a:solidFill>
+            <a:schemeClr val="accent6">
+              <a:lumMod val="60000"/>
+              <a:lumOff val="40000"/>
+            </a:schemeClr>
+          </a:solidFill>
+          <a:ln w="9525" cap="flat" cmpd="sng" algn="ctr">
+            <a:solidFill>
+              <a:schemeClr val="tx1"/>
+            </a:solidFill>
+            <a:prstDash val="solid"/>
+            <a:round/>
+            <a:headEnd type="none" w="med" len="med"/>
+            <a:tailEnd type="none" w="med" len="med"/>
+          </a:ln>
+          <a:effectLst/>
+          <a:extLst>
+            <a:ext uri="{AF507438-7753-43E0-B8FC-AC1667EBCBE1}">
+              <a14:hiddenEffects xmlns:a14="http://schemas.microsoft.com/office/drawing/2010/main">
+                <a:effectLst>
+                  <a:outerShdw dist="35921" dir="2700000" algn="ctr" rotWithShape="0">
+                    <a:schemeClr val="bg2"/>
+                  </a:outerShdw>
+                </a:effectLst>
+              </a14:hiddenEffects>
+            </a:ext>
+          </a:extLst>
+        </p:spPr>
+        <p:txBody>
+          <a:bodyPr vert="horz" wrap="none" lIns="91440" tIns="45720" rIns="91440" bIns="45720" numCol="1" rtlCol="0" anchor="ctr" anchorCtr="0" compatLnSpc="1">
+            <a:prstTxWarp prst="textNoShape">
+              <a:avLst/>
+            </a:prstTxWarp>
+          </a:bodyPr>
+          <a:lstStyle/>
+          <a:p>
+            <a:pPr marL="0" marR="0" indent="0" algn="ctr" defTabSz="449263" rtl="0" eaLnBrk="1" fontAlgn="base" latinLnBrk="0" hangingPunct="1">
+              <a:lnSpc>
+                <a:spcPct val="93000"/>
+              </a:lnSpc>
+              <a:spcBef>
+                <a:spcPct val="0"/>
+              </a:spcBef>
+              <a:spcAft>
+                <a:spcPct val="0"/>
+              </a:spcAft>
+              <a:buClr>
+                <a:srgbClr val="000000"/>
+              </a:buClr>
+              <a:buSzPct val="100000"/>
+              <a:buFont typeface="Arial" charset="0"/>
+              <a:buNone/>
+              <a:tabLst/>
+            </a:pPr>
+            <a:r>
+              <a:rPr lang="de-DE">
+                <a:latin typeface="Arial"/>
+                <a:cs typeface="Arial"/>
+              </a:rPr>
+              <a:t>Mot</a:t>
+            </a:r>
+            <a:endParaRPr lang="de-DE" dirty="0">
+              <a:latin typeface="Arial"/>
+              <a:cs typeface="Arial"/>
+            </a:endParaRPr>
+          </a:p>
+        </p:txBody>
+      </p:sp>
+      <p:sp>
+        <p:nvSpPr>
+          <p:cNvPr id="12" name="Rechteck: abgerundete Ecken 11">
+            <a:extLst>
+              <a:ext uri="{FF2B5EF4-FFF2-40B4-BE49-F238E27FC236}">
+                <a16:creationId xmlns:a16="http://schemas.microsoft.com/office/drawing/2014/main" id="{004E5F0F-C714-4C00-BFC6-4CEDFBF93F7D}"/>
+              </a:ext>
+            </a:extLst>
+          </p:cNvPr>
+          <p:cNvSpPr/>
+          <p:nvPr/>
+        </p:nvSpPr>
+        <p:spPr bwMode="auto">
+          <a:xfrm>
+            <a:off x="421788" y="3021239"/>
+            <a:ext cx="614887" cy="546540"/>
+          </a:xfrm>
+          <a:prstGeom prst="roundRect">
+            <a:avLst/>
+          </a:prstGeom>
+          <a:solidFill>
+            <a:schemeClr val="accent6">
+              <a:lumMod val="60000"/>
+              <a:lumOff val="40000"/>
+            </a:schemeClr>
+          </a:solidFill>
+          <a:ln w="9525" cap="flat" cmpd="sng" algn="ctr">
+            <a:solidFill>
+              <a:schemeClr val="tx1"/>
+            </a:solidFill>
+            <a:prstDash val="solid"/>
+            <a:round/>
+            <a:headEnd type="none" w="med" len="med"/>
+            <a:tailEnd type="none" w="med" len="med"/>
+          </a:ln>
+          <a:effectLst/>
+          <a:extLst>
+            <a:ext uri="{AF507438-7753-43E0-B8FC-AC1667EBCBE1}">
+              <a14:hiddenEffects xmlns:a14="http://schemas.microsoft.com/office/drawing/2010/main">
+                <a:effectLst>
+                  <a:outerShdw dist="35921" dir="2700000" algn="ctr" rotWithShape="0">
+                    <a:schemeClr val="bg2"/>
+                  </a:outerShdw>
+                </a:effectLst>
+              </a14:hiddenEffects>
+            </a:ext>
+          </a:extLst>
+        </p:spPr>
+        <p:txBody>
+          <a:bodyPr vert="horz" wrap="none" lIns="91440" tIns="45720" rIns="91440" bIns="45720" numCol="1" rtlCol="0" anchor="ctr" anchorCtr="0" compatLnSpc="1">
+            <a:prstTxWarp prst="textNoShape">
+              <a:avLst/>
+            </a:prstTxWarp>
+          </a:bodyPr>
+          <a:lstStyle/>
+          <a:p>
+            <a:r>
+              <a:rPr lang="de-DE" dirty="0">
+                <a:latin typeface="Arial"/>
+                <a:cs typeface="Arial"/>
+              </a:rPr>
+              <a:t>B&amp;R</a:t>
+            </a:r>
+            <a:endParaRPr lang="de-DE" sz="1800" b="0" i="0" u="none" strike="noStrike" cap="none" normalizeH="0" baseline="0" dirty="0" err="1">
+              <a:ln>
+                <a:noFill/>
+              </a:ln>
+              <a:solidFill>
+                <a:schemeClr val="bg1"/>
+              </a:solidFill>
+              <a:effectLst/>
+              <a:latin typeface="Arial" charset="0"/>
+              <a:cs typeface="Arial"/>
+            </a:endParaRPr>
+          </a:p>
+        </p:txBody>
+      </p:sp>
+      <p:sp>
+        <p:nvSpPr>
+          <p:cNvPr id="13" name="Rechteck: abgerundete Ecken 12">
+            <a:extLst>
+              <a:ext uri="{FF2B5EF4-FFF2-40B4-BE49-F238E27FC236}">
+                <a16:creationId xmlns:a16="http://schemas.microsoft.com/office/drawing/2014/main" id="{58C542FF-8FB8-44AF-84C1-1AE6A6326950}"/>
+              </a:ext>
+            </a:extLst>
+          </p:cNvPr>
+          <p:cNvSpPr/>
+          <p:nvPr/>
+        </p:nvSpPr>
+        <p:spPr bwMode="auto">
+          <a:xfrm>
+            <a:off x="425917" y="4115879"/>
+            <a:ext cx="602569" cy="546540"/>
+          </a:xfrm>
+          <a:prstGeom prst="roundRect">
+            <a:avLst/>
+          </a:prstGeom>
+          <a:solidFill>
+            <a:schemeClr val="accent6">
+              <a:lumMod val="60000"/>
+              <a:lumOff val="40000"/>
+            </a:schemeClr>
+          </a:solidFill>
+          <a:ln w="9525" cap="flat" cmpd="sng" algn="ctr">
+            <a:solidFill>
+              <a:schemeClr val="tx1"/>
+            </a:solidFill>
+            <a:prstDash val="solid"/>
+            <a:round/>
+            <a:headEnd type="none" w="med" len="med"/>
+            <a:tailEnd type="none" w="med" len="med"/>
+          </a:ln>
+          <a:effectLst/>
+          <a:extLst>
+            <a:ext uri="{AF507438-7753-43E0-B8FC-AC1667EBCBE1}">
+              <a14:hiddenEffects xmlns:a14="http://schemas.microsoft.com/office/drawing/2010/main">
+                <a:effectLst>
+                  <a:outerShdw dist="35921" dir="2700000" algn="ctr" rotWithShape="0">
+                    <a:schemeClr val="bg2"/>
+                  </a:outerShdw>
+                </a:effectLst>
+              </a14:hiddenEffects>
+            </a:ext>
+          </a:extLst>
+        </p:spPr>
+        <p:txBody>
+          <a:bodyPr vert="horz" wrap="none" lIns="91440" tIns="45720" rIns="91440" bIns="45720" numCol="1" rtlCol="0" anchor="ctr" anchorCtr="0" compatLnSpc="1">
+            <a:prstTxWarp prst="textNoShape">
+              <a:avLst/>
+            </a:prstTxWarp>
+          </a:bodyPr>
+          <a:lstStyle/>
+          <a:p>
+            <a:r>
+              <a:rPr lang="de-DE">
+                <a:latin typeface="Arial"/>
+                <a:cs typeface="Arial"/>
+              </a:rPr>
+              <a:t>Task</a:t>
+            </a:r>
+            <a:endParaRPr lang="de-DE" sz="1800" b="0" i="0" u="none" strike="noStrike" cap="none" normalizeH="0" baseline="0" dirty="0" err="1">
+              <a:ln>
+                <a:noFill/>
+              </a:ln>
+              <a:solidFill>
+                <a:schemeClr val="bg1"/>
+              </a:solidFill>
+              <a:effectLst/>
+              <a:latin typeface="Arial" charset="0"/>
+              <a:cs typeface="Arial"/>
+            </a:endParaRPr>
+          </a:p>
+        </p:txBody>
+      </p:sp>
+      <p:sp>
+        <p:nvSpPr>
+          <p:cNvPr id="14" name="Rechteck: abgerundete Ecken 13">
+            <a:extLst>
+              <a:ext uri="{FF2B5EF4-FFF2-40B4-BE49-F238E27FC236}">
+                <a16:creationId xmlns:a16="http://schemas.microsoft.com/office/drawing/2014/main" id="{EF3D045F-F08A-40C3-8DF5-7395802E384D}"/>
+              </a:ext>
+            </a:extLst>
+          </p:cNvPr>
+          <p:cNvSpPr/>
+          <p:nvPr/>
+        </p:nvSpPr>
+        <p:spPr bwMode="auto">
+          <a:xfrm>
+            <a:off x="429764" y="4818513"/>
+            <a:ext cx="606634" cy="554793"/>
+          </a:xfrm>
+          <a:prstGeom prst="roundRect">
+            <a:avLst/>
+          </a:prstGeom>
+          <a:solidFill>
+            <a:schemeClr val="accent6">
+              <a:lumMod val="60000"/>
+              <a:lumOff val="40000"/>
+            </a:schemeClr>
+          </a:solidFill>
+          <a:ln w="9525" cap="flat" cmpd="sng" algn="ctr">
+            <a:solidFill>
+              <a:schemeClr val="tx1"/>
+            </a:solidFill>
+            <a:prstDash val="solid"/>
+            <a:round/>
+            <a:headEnd type="none" w="med" len="med"/>
+            <a:tailEnd type="none" w="med" len="med"/>
+          </a:ln>
+          <a:effectLst/>
+          <a:extLst>
+            <a:ext uri="{AF507438-7753-43E0-B8FC-AC1667EBCBE1}">
+              <a14:hiddenEffects xmlns:a14="http://schemas.microsoft.com/office/drawing/2010/main">
+                <a:effectLst>
+                  <a:outerShdw dist="35921" dir="2700000" algn="ctr" rotWithShape="0">
+                    <a:schemeClr val="bg2"/>
+                  </a:outerShdw>
+                </a:effectLst>
+              </a14:hiddenEffects>
+            </a:ext>
+          </a:extLst>
+        </p:spPr>
+        <p:txBody>
+          <a:bodyPr vert="horz" wrap="none" lIns="91440" tIns="45720" rIns="91440" bIns="45720" numCol="1" rtlCol="0" anchor="ctr" anchorCtr="0" compatLnSpc="1">
+            <a:prstTxWarp prst="textNoShape">
+              <a:avLst/>
+            </a:prstTxWarp>
+          </a:bodyPr>
+          <a:lstStyle/>
+          <a:p>
+            <a:pPr marL="0" marR="0" indent="0" algn="ctr" defTabSz="449263" rtl="0" eaLnBrk="1" fontAlgn="base" latinLnBrk="0" hangingPunct="1">
+              <a:lnSpc>
+                <a:spcPct val="93000"/>
+              </a:lnSpc>
+              <a:spcBef>
+                <a:spcPct val="0"/>
+              </a:spcBef>
+              <a:spcAft>
+                <a:spcPct val="0"/>
+              </a:spcAft>
+              <a:buClr>
+                <a:srgbClr val="000000"/>
+              </a:buClr>
+              <a:buSzPct val="100000"/>
+              <a:buFont typeface="Arial" charset="0"/>
+              <a:buNone/>
+              <a:tabLst/>
+            </a:pPr>
+            <a:r>
+              <a:rPr lang="de-DE">
+                <a:latin typeface="Arial"/>
+                <a:cs typeface="Arial"/>
+              </a:rPr>
+              <a:t>Pro</a:t>
+            </a:r>
+            <a:endParaRPr lang="de-DE" dirty="0">
+              <a:latin typeface="Arial" charset="0"/>
+              <a:cs typeface="Arial"/>
+            </a:endParaRPr>
+          </a:p>
+        </p:txBody>
+      </p:sp>
+      <p:sp>
+        <p:nvSpPr>
+          <p:cNvPr id="15" name="Rechteck: abgerundete Ecken 14">
+            <a:extLst>
+              <a:ext uri="{FF2B5EF4-FFF2-40B4-BE49-F238E27FC236}">
+                <a16:creationId xmlns:a16="http://schemas.microsoft.com/office/drawing/2014/main" id="{BCA8401E-F416-4694-80C9-13FD0BD74AFE}"/>
+              </a:ext>
+            </a:extLst>
+          </p:cNvPr>
+          <p:cNvSpPr/>
+          <p:nvPr/>
+        </p:nvSpPr>
+        <p:spPr bwMode="auto">
+          <a:xfrm>
+            <a:off x="421787" y="5525274"/>
+            <a:ext cx="614887" cy="554793"/>
+          </a:xfrm>
+          <a:prstGeom prst="roundRect">
+            <a:avLst/>
+          </a:prstGeom>
+          <a:solidFill>
+            <a:schemeClr val="accent6">
+              <a:lumMod val="60000"/>
+              <a:lumOff val="40000"/>
+            </a:schemeClr>
+          </a:solidFill>
+          <a:ln w="9525" cap="flat" cmpd="sng" algn="ctr">
+            <a:solidFill>
+              <a:schemeClr val="tx1"/>
+            </a:solidFill>
+            <a:prstDash val="solid"/>
+            <a:round/>
+            <a:headEnd type="none" w="med" len="med"/>
+            <a:tailEnd type="none" w="med" len="med"/>
+          </a:ln>
+          <a:effectLst/>
+          <a:extLst>
+            <a:ext uri="{AF507438-7753-43E0-B8FC-AC1667EBCBE1}">
+              <a14:hiddenEffects xmlns:a14="http://schemas.microsoft.com/office/drawing/2010/main">
+                <a:effectLst>
+                  <a:outerShdw dist="35921" dir="2700000" algn="ctr" rotWithShape="0">
+                    <a:schemeClr val="bg2"/>
+                  </a:outerShdw>
+                </a:effectLst>
+              </a14:hiddenEffects>
+            </a:ext>
+          </a:extLst>
+        </p:spPr>
+        <p:txBody>
+          <a:bodyPr vert="horz" wrap="none" lIns="91440" tIns="45720" rIns="91440" bIns="45720" numCol="1" rtlCol="0" anchor="ctr" anchorCtr="0" compatLnSpc="1">
+            <a:prstTxWarp prst="textNoShape">
+              <a:avLst/>
+            </a:prstTxWarp>
+          </a:bodyPr>
+          <a:lstStyle/>
+          <a:p>
+            <a:pPr marL="0" marR="0" indent="0" algn="ctr" defTabSz="449263" rtl="0" eaLnBrk="1" fontAlgn="base" latinLnBrk="0" hangingPunct="1">
+              <a:lnSpc>
+                <a:spcPct val="93000"/>
+              </a:lnSpc>
+              <a:spcBef>
+                <a:spcPct val="0"/>
+              </a:spcBef>
+              <a:spcAft>
+                <a:spcPct val="0"/>
+              </a:spcAft>
+              <a:buClr>
+                <a:srgbClr val="000000"/>
+              </a:buClr>
+              <a:buSzPct val="100000"/>
+              <a:buFont typeface="Arial" charset="0"/>
+              <a:buNone/>
+              <a:tabLst/>
+            </a:pPr>
+            <a:r>
+              <a:rPr lang="de-DE">
+                <a:latin typeface="Arial"/>
+                <a:cs typeface="Arial"/>
+              </a:rPr>
+              <a:t>Out</a:t>
+            </a:r>
+            <a:endParaRPr lang="de-DE" dirty="0">
+              <a:latin typeface="Arial" charset="0"/>
+              <a:cs typeface="Arial"/>
+            </a:endParaRPr>
+          </a:p>
+        </p:txBody>
+      </p:sp>
+      <p:cxnSp>
+        <p:nvCxnSpPr>
+          <p:cNvPr id="3" name="Gerade Verbindung mit Pfeil 2">
+            <a:extLst>
+              <a:ext uri="{FF2B5EF4-FFF2-40B4-BE49-F238E27FC236}">
+                <a16:creationId xmlns:a16="http://schemas.microsoft.com/office/drawing/2014/main" id="{FF1A532A-7997-40B5-A73C-28ED39C9866D}"/>
+              </a:ext>
+            </a:extLst>
+          </p:cNvPr>
+          <p:cNvCxnSpPr/>
+          <p:nvPr/>
+        </p:nvCxnSpPr>
+        <p:spPr bwMode="auto">
+          <a:xfrm flipH="1">
+            <a:off x="1109165" y="1511071"/>
+            <a:ext cx="14028" cy="4822056"/>
+          </a:xfrm>
+          <a:prstGeom prst="straightConnector1">
+            <a:avLst/>
+          </a:prstGeom>
+          <a:solidFill>
+            <a:schemeClr val="accent2"/>
+          </a:solidFill>
+          <a:ln w="9525" cap="flat" cmpd="sng" algn="ctr">
+            <a:solidFill>
+              <a:schemeClr val="tx1"/>
+            </a:solidFill>
+            <a:prstDash val="solid"/>
+            <a:round/>
+            <a:headEnd type="none" w="med" len="med"/>
+            <a:tailEnd type="none" w="med" len="med"/>
+          </a:ln>
+          <a:effectLst/>
+          <a:extLst>
+            <a:ext uri="{AF507438-7753-43E0-B8FC-AC1667EBCBE1}">
+              <a14:hiddenEffects xmlns:a14="http://schemas.microsoft.com/office/drawing/2010/main">
+                <a:effectLst>
+                  <a:outerShdw dist="35921" dir="2700000" algn="ctr" rotWithShape="0">
+                    <a:schemeClr val="bg2"/>
+                  </a:outerShdw>
+                </a:effectLst>
+              </a14:hiddenEffects>
+            </a:ext>
+          </a:extLst>
+        </p:spPr>
+      </p:cxnSp>
+      <p:cxnSp>
+        <p:nvCxnSpPr>
+          <p:cNvPr id="6" name="Gerade Verbindung mit Pfeil 5">
+            <a:extLst>
+              <a:ext uri="{FF2B5EF4-FFF2-40B4-BE49-F238E27FC236}">
+                <a16:creationId xmlns:a16="http://schemas.microsoft.com/office/drawing/2014/main" id="{4052B892-F5AD-4830-A4AF-EC12BAB966C0}"/>
+              </a:ext>
+            </a:extLst>
+          </p:cNvPr>
+          <p:cNvCxnSpPr/>
+          <p:nvPr/>
+        </p:nvCxnSpPr>
+        <p:spPr bwMode="auto">
+          <a:xfrm flipV="1">
+            <a:off x="417587" y="3844936"/>
+            <a:ext cx="609050" cy="1650"/>
+          </a:xfrm>
+          <a:prstGeom prst="straightConnector1">
+            <a:avLst/>
+          </a:prstGeom>
+          <a:solidFill>
+            <a:schemeClr val="accent2"/>
+          </a:solidFill>
+          <a:ln w="9525" cap="flat" cmpd="sng" algn="ctr">
+            <a:solidFill>
+              <a:schemeClr val="tx1"/>
+            </a:solidFill>
+            <a:prstDash val="dash"/>
+            <a:round/>
+            <a:headEnd type="none" w="med" len="med"/>
+            <a:tailEnd type="none" w="med" len="med"/>
+          </a:ln>
+          <a:effectLst/>
+          <a:extLst>
+            <a:ext uri="{AF507438-7753-43E0-B8FC-AC1667EBCBE1}">
+              <a14:hiddenEffects xmlns:a14="http://schemas.microsoft.com/office/drawing/2010/main">
+                <a:effectLst>
+                  <a:outerShdw dist="35921" dir="2700000" algn="ctr" rotWithShape="0">
+                    <a:schemeClr val="bg2"/>
+                  </a:outerShdw>
+                </a:effectLst>
+              </a14:hiddenEffects>
+            </a:ext>
+          </a:extLst>
+        </p:spPr>
+      </p:cxnSp>
+      <p:sp>
+        <p:nvSpPr>
+          <p:cNvPr id="9" name="Textplatzhalter 5">
+            <a:extLst>
+              <a:ext uri="{FF2B5EF4-FFF2-40B4-BE49-F238E27FC236}">
+                <a16:creationId xmlns:a16="http://schemas.microsoft.com/office/drawing/2014/main" id="{2F5C2DC8-4813-4FF1-A53F-638AD69203E7}"/>
+              </a:ext>
+            </a:extLst>
+          </p:cNvPr>
+          <p:cNvSpPr>
+            <a:spLocks noGrp="1"/>
+          </p:cNvSpPr>
+          <p:nvPr>
+            <p:ph type="body" idx="1"/>
+          </p:nvPr>
+        </p:nvSpPr>
+        <p:spPr>
+          <a:xfrm>
+            <a:off x="1275915" y="1623879"/>
+            <a:ext cx="7663799" cy="4583866"/>
+          </a:xfrm>
+        </p:spPr>
+        <p:txBody>
+          <a:bodyPr/>
+          <a:lstStyle/>
+          <a:p>
+            <a:pPr marL="179070" indent="-179070"/>
+            <a:r>
+              <a:rPr lang="en-US" dirty="0">
+                <a:ea typeface="+mn-lt"/>
+                <a:cs typeface="+mn-lt"/>
+              </a:rPr>
+              <a:t>Neural Networks</a:t>
+            </a:r>
+            <a:endParaRPr lang="de-DE" dirty="0"/>
+          </a:p>
+          <a:p>
+            <a:pPr marL="513080" lvl="1" indent="-342900"/>
+            <a:r>
+              <a:rPr lang="en-US" dirty="0">
+                <a:ea typeface="+mn-lt"/>
+                <a:cs typeface="+mn-lt"/>
+              </a:rPr>
+              <a:t>Successful</a:t>
+            </a:r>
+            <a:endParaRPr lang="en-US" dirty="0">
+              <a:cs typeface="Arial"/>
+            </a:endParaRPr>
+          </a:p>
+          <a:p>
+            <a:pPr marL="513080" lvl="1" indent="-342900"/>
+            <a:r>
+              <a:rPr lang="en-US" dirty="0">
+                <a:ea typeface="+mn-lt"/>
+                <a:cs typeface="+mn-lt"/>
+              </a:rPr>
+              <a:t>Computationally expensive</a:t>
+            </a:r>
+          </a:p>
+          <a:p>
+            <a:pPr marL="513080" lvl="1" indent="-342900"/>
+            <a:r>
+              <a:rPr lang="en-US" dirty="0">
+                <a:ea typeface="+mn-lt"/>
+                <a:cs typeface="+mn-lt"/>
+              </a:rPr>
+              <a:t>In Execution (due to many weights)</a:t>
+            </a:r>
+          </a:p>
+          <a:p>
+            <a:pPr marL="701675" lvl="2" indent="-285750"/>
+            <a:r>
+              <a:rPr lang="en-US" dirty="0">
+                <a:ea typeface="+mn-lt"/>
+                <a:cs typeface="+mn-lt"/>
+              </a:rPr>
+              <a:t>Even more so in training</a:t>
+            </a:r>
+            <a:endParaRPr lang="en-US" dirty="0">
+              <a:cs typeface="Arial"/>
+            </a:endParaRPr>
+          </a:p>
+          <a:p>
+            <a:pPr marL="179070" indent="0"/>
+            <a:endParaRPr lang="en-US" sz="3800" b="0" dirty="0">
+              <a:cs typeface="Arial"/>
+            </a:endParaRPr>
+          </a:p>
+          <a:p>
+            <a:pPr marL="0" indent="0"/>
+            <a:r>
+              <a:rPr lang="en-US" dirty="0">
+                <a:cs typeface="Arial"/>
+              </a:rPr>
+              <a:t>Lottery Ticket Hypothesis</a:t>
+            </a:r>
+            <a:endParaRPr lang="en-US" sz="1800" b="0" dirty="0">
+              <a:cs typeface="Arial"/>
+            </a:endParaRPr>
+          </a:p>
+          <a:p>
+            <a:pPr marL="474345" lvl="2" indent="-285750"/>
+            <a:r>
+              <a:rPr lang="en-US" b="0" dirty="0">
+                <a:cs typeface="Arial"/>
+              </a:rPr>
+              <a:t>Many networks in use atm are overloaded (too many weights)</a:t>
+            </a:r>
+          </a:p>
+          <a:p>
+            <a:pPr marL="455930" lvl="1" indent="-285750"/>
+            <a:r>
+              <a:rPr lang="en-US" dirty="0">
+                <a:cs typeface="Arial"/>
+              </a:rPr>
+              <a:t>From the moment of initialization there are smaller subnetworks that perform similar given the same amount of training</a:t>
+            </a:r>
+          </a:p>
+          <a:p>
+            <a:pPr marL="455930" lvl="1" indent="-285750"/>
+            <a:r>
+              <a:rPr lang="en-US" dirty="0">
+                <a:cs typeface="Arial"/>
+              </a:rPr>
+              <a:t>These subnetworks can be deduced from the weights of the main network after it has concluded its training</a:t>
+            </a:r>
+            <a:endParaRPr lang="en-US">
+              <a:cs typeface="Arial"/>
+            </a:endParaRPr>
+          </a:p>
+          <a:p>
+            <a:pPr lvl="1"/>
+            <a:endParaRPr lang="en-US" dirty="0">
+              <a:cs typeface="Arial"/>
+            </a:endParaRPr>
+          </a:p>
+        </p:txBody>
+      </p:sp>
+    </p:spTree>
+    <p:extLst>
+      <p:ext uri="{BB962C8B-B14F-4D97-AF65-F5344CB8AC3E}">
+        <p14:creationId xmlns:p14="http://schemas.microsoft.com/office/powerpoint/2010/main" val="2713538200"/>
+      </p:ext>
+    </p:extLst>
+  </p:cSld>
+  <p:clrMapOvr>
+    <a:masterClrMapping/>
+  </p:clrMapOvr>
+</p:sld>
+</file>
+
+<file path=ppt/slides/slide5.xml><?xml version="1.0" encoding="utf-8"?>
+<p:sld xmlns:a="http://schemas.openxmlformats.org/drawingml/2006/main" xmlns:r="http://schemas.openxmlformats.org/officeDocument/2006/relationships" xmlns:p="http://schemas.openxmlformats.org/presentationml/2006/main">
+  <p:cSld>
+    <p:spTree>
+      <p:nvGrpSpPr>
+        <p:cNvPr id="1" name=""/>
+        <p:cNvGrpSpPr/>
+        <p:nvPr/>
+      </p:nvGrpSpPr>
+      <p:grpSpPr>
+        <a:xfrm>
+          <a:off x="0" y="0"/>
+          <a:ext cx="0" cy="0"/>
+          <a:chOff x="0" y="0"/>
+          <a:chExt cx="0" cy="0"/>
+        </a:xfrm>
+      </p:grpSpPr>
+      <p:sp>
+        <p:nvSpPr>
+          <p:cNvPr id="4" name="Fußzeilenplatzhalter 3"/>
+          <p:cNvSpPr>
+            <a:spLocks noGrp="1"/>
+          </p:cNvSpPr>
+          <p:nvPr>
+            <p:ph type="ftr" sz="quarter" idx="10"/>
+          </p:nvPr>
+        </p:nvSpPr>
+        <p:spPr/>
+        <p:txBody>
+          <a:bodyPr/>
+          <a:lstStyle/>
+          <a:p>
+            <a:pPr>
+              <a:defRPr/>
+            </a:pPr>
+            <a:endParaRPr lang="de-DE"/>
+          </a:p>
+          <a:p>
+            <a:pPr>
+              <a:defRPr/>
+            </a:pPr>
+            <a:endParaRPr lang="de-DE"/>
+          </a:p>
+        </p:txBody>
+      </p:sp>
+      <p:sp>
+        <p:nvSpPr>
+          <p:cNvPr id="5" name="Titel 4"/>
+          <p:cNvSpPr>
+            <a:spLocks noGrp="1"/>
+          </p:cNvSpPr>
+          <p:nvPr>
+            <p:ph type="title"/>
+          </p:nvPr>
+        </p:nvSpPr>
+        <p:spPr/>
+        <p:txBody>
+          <a:bodyPr/>
+          <a:lstStyle/>
+          <a:p>
+            <a:r>
+              <a:rPr lang="en-US" dirty="0">
+                <a:cs typeface="Arial"/>
+              </a:rPr>
+              <a:t>Motivation I</a:t>
+            </a:r>
+          </a:p>
+        </p:txBody>
+      </p:sp>
+      <p:sp>
+        <p:nvSpPr>
+          <p:cNvPr id="2" name="Rechteck: abgerundete Ecken 1">
+            <a:extLst>
+              <a:ext uri="{FF2B5EF4-FFF2-40B4-BE49-F238E27FC236}">
+                <a16:creationId xmlns:a16="http://schemas.microsoft.com/office/drawing/2014/main" id="{C6F9F1D7-5867-484C-81EF-E31F5D55F722}"/>
+              </a:ext>
+            </a:extLst>
+          </p:cNvPr>
+          <p:cNvSpPr/>
+          <p:nvPr/>
+        </p:nvSpPr>
+        <p:spPr bwMode="auto">
+          <a:xfrm>
+            <a:off x="425640" y="1619819"/>
+            <a:ext cx="611037" cy="546818"/>
+          </a:xfrm>
+          <a:prstGeom prst="roundRect">
+            <a:avLst/>
+          </a:prstGeom>
+          <a:solidFill>
+            <a:schemeClr val="accent6">
+              <a:lumMod val="60000"/>
+              <a:lumOff val="40000"/>
+            </a:schemeClr>
+          </a:solidFill>
+          <a:ln w="9525" cap="flat" cmpd="sng" algn="ctr">
+            <a:solidFill>
+              <a:schemeClr val="tx1"/>
+            </a:solidFill>
+            <a:prstDash val="solid"/>
+            <a:round/>
+            <a:headEnd type="none" w="med" len="med"/>
+            <a:tailEnd type="none" w="med" len="med"/>
+          </a:ln>
+          <a:effectLst/>
+          <a:extLst>
+            <a:ext uri="{AF507438-7753-43E0-B8FC-AC1667EBCBE1}">
+              <a14:hiddenEffects xmlns:a14="http://schemas.microsoft.com/office/drawing/2010/main">
+                <a:effectLst>
+                  <a:outerShdw dist="35921" dir="2700000" algn="ctr" rotWithShape="0">
+                    <a:schemeClr val="bg2"/>
+                  </a:outerShdw>
+                </a:effectLst>
+              </a14:hiddenEffects>
+            </a:ext>
+          </a:extLst>
+        </p:spPr>
+        <p:txBody>
+          <a:bodyPr vert="horz" wrap="none" lIns="91440" tIns="45720" rIns="91440" bIns="45720" numCol="1" rtlCol="0" anchor="ctr" anchorCtr="0" compatLnSpc="1">
+            <a:prstTxWarp prst="textNoShape">
+              <a:avLst/>
+            </a:prstTxWarp>
+          </a:bodyPr>
+          <a:lstStyle/>
+          <a:p>
+            <a:pPr marL="0" marR="0" indent="0" algn="ctr" defTabSz="449263" rtl="0" eaLnBrk="1" fontAlgn="base" latinLnBrk="0" hangingPunct="1">
+              <a:lnSpc>
+                <a:spcPct val="93000"/>
+              </a:lnSpc>
+              <a:spcBef>
+                <a:spcPct val="0"/>
+              </a:spcBef>
+              <a:spcAft>
+                <a:spcPct val="0"/>
+              </a:spcAft>
+              <a:buClr>
+                <a:srgbClr val="000000"/>
+              </a:buClr>
+              <a:buSzPct val="100000"/>
+              <a:buFont typeface="Arial" charset="0"/>
+              <a:buNone/>
+              <a:tabLst/>
+            </a:pPr>
+            <a:r>
+              <a:rPr lang="de-DE">
+                <a:latin typeface="Arial"/>
+                <a:cs typeface="Arial"/>
+              </a:rPr>
+              <a:t>Int</a:t>
+            </a:r>
+            <a:endParaRPr lang="de-DE" sz="1800" b="0" i="0" u="none" strike="noStrike" cap="none" normalizeH="0" baseline="0" dirty="0" err="1">
+              <a:ln>
+                <a:noFill/>
+              </a:ln>
+              <a:solidFill>
+                <a:schemeClr val="bg1"/>
+              </a:solidFill>
+              <a:effectLst/>
+              <a:latin typeface="Arial" charset="0"/>
+              <a:cs typeface="Arial"/>
+            </a:endParaRPr>
+          </a:p>
+        </p:txBody>
+      </p:sp>
+      <p:sp>
+        <p:nvSpPr>
+          <p:cNvPr id="11" name="Rechteck: abgerundete Ecken 10">
+            <a:extLst>
+              <a:ext uri="{FF2B5EF4-FFF2-40B4-BE49-F238E27FC236}">
+                <a16:creationId xmlns:a16="http://schemas.microsoft.com/office/drawing/2014/main" id="{05CCFCE9-B7D5-46EC-8F1A-0A4D9ECD91FB}"/>
+              </a:ext>
+            </a:extLst>
+          </p:cNvPr>
+          <p:cNvSpPr/>
+          <p:nvPr/>
+        </p:nvSpPr>
+        <p:spPr bwMode="auto">
+          <a:xfrm>
+            <a:off x="421652" y="2322869"/>
+            <a:ext cx="610898" cy="546401"/>
+          </a:xfrm>
+          <a:prstGeom prst="roundRect">
+            <a:avLst/>
+          </a:prstGeom>
+          <a:solidFill>
+            <a:schemeClr val="accent6"/>
+          </a:solidFill>
+          <a:ln w="9525" cap="flat" cmpd="sng" algn="ctr">
+            <a:solidFill>
+              <a:schemeClr val="tx1"/>
+            </a:solidFill>
+            <a:prstDash val="solid"/>
+            <a:round/>
+            <a:headEnd type="none" w="med" len="med"/>
+            <a:tailEnd type="none" w="med" len="med"/>
+          </a:ln>
+          <a:effectLst/>
+          <a:extLst>
+            <a:ext uri="{AF507438-7753-43E0-B8FC-AC1667EBCBE1}">
+              <a14:hiddenEffects xmlns:a14="http://schemas.microsoft.com/office/drawing/2010/main">
+                <a:effectLst>
+                  <a:outerShdw dist="35921" dir="2700000" algn="ctr" rotWithShape="0">
+                    <a:schemeClr val="bg2"/>
+                  </a:outerShdw>
+                </a:effectLst>
+              </a14:hiddenEffects>
+            </a:ext>
+          </a:extLst>
+        </p:spPr>
+        <p:txBody>
+          <a:bodyPr vert="horz" wrap="none" lIns="91440" tIns="45720" rIns="91440" bIns="45720" numCol="1" rtlCol="0" anchor="ctr" anchorCtr="0" compatLnSpc="1">
+            <a:prstTxWarp prst="textNoShape">
+              <a:avLst/>
+            </a:prstTxWarp>
+          </a:bodyPr>
+          <a:lstStyle/>
+          <a:p>
+            <a:pPr marL="0" marR="0" indent="0" algn="ctr" defTabSz="449263" rtl="0" eaLnBrk="1" fontAlgn="base" latinLnBrk="0" hangingPunct="1">
+              <a:lnSpc>
+                <a:spcPct val="93000"/>
+              </a:lnSpc>
+              <a:spcBef>
+                <a:spcPct val="0"/>
+              </a:spcBef>
+              <a:spcAft>
+                <a:spcPct val="0"/>
+              </a:spcAft>
+              <a:buClr>
+                <a:srgbClr val="000000"/>
+              </a:buClr>
+              <a:buSzPct val="100000"/>
+              <a:buFont typeface="Arial" charset="0"/>
+              <a:buNone/>
+              <a:tabLst/>
+            </a:pPr>
+            <a:r>
+              <a:rPr lang="de-DE">
+                <a:latin typeface="Arial"/>
+                <a:cs typeface="Arial"/>
+              </a:rPr>
+              <a:t>Mot</a:t>
+            </a:r>
+            <a:endParaRPr lang="de-DE" dirty="0">
+              <a:latin typeface="Arial"/>
+              <a:cs typeface="Arial"/>
+            </a:endParaRPr>
+          </a:p>
+        </p:txBody>
+      </p:sp>
+      <p:sp>
+        <p:nvSpPr>
+          <p:cNvPr id="12" name="Rechteck: abgerundete Ecken 11">
+            <a:extLst>
+              <a:ext uri="{FF2B5EF4-FFF2-40B4-BE49-F238E27FC236}">
+                <a16:creationId xmlns:a16="http://schemas.microsoft.com/office/drawing/2014/main" id="{004E5F0F-C714-4C00-BFC6-4CEDFBF93F7D}"/>
+              </a:ext>
+            </a:extLst>
+          </p:cNvPr>
+          <p:cNvSpPr/>
+          <p:nvPr/>
+        </p:nvSpPr>
+        <p:spPr bwMode="auto">
+          <a:xfrm>
+            <a:off x="421788" y="3021239"/>
+            <a:ext cx="614887" cy="546540"/>
+          </a:xfrm>
+          <a:prstGeom prst="roundRect">
+            <a:avLst/>
+          </a:prstGeom>
+          <a:solidFill>
+            <a:schemeClr val="accent6">
+              <a:lumMod val="60000"/>
+              <a:lumOff val="40000"/>
+            </a:schemeClr>
+          </a:solidFill>
+          <a:ln w="9525" cap="flat" cmpd="sng" algn="ctr">
+            <a:solidFill>
+              <a:schemeClr val="tx1"/>
+            </a:solidFill>
+            <a:prstDash val="solid"/>
+            <a:round/>
+            <a:headEnd type="none" w="med" len="med"/>
+            <a:tailEnd type="none" w="med" len="med"/>
+          </a:ln>
+          <a:effectLst/>
+          <a:extLst>
+            <a:ext uri="{AF507438-7753-43E0-B8FC-AC1667EBCBE1}">
+              <a14:hiddenEffects xmlns:a14="http://schemas.microsoft.com/office/drawing/2010/main">
+                <a:effectLst>
+                  <a:outerShdw dist="35921" dir="2700000" algn="ctr" rotWithShape="0">
+                    <a:schemeClr val="bg2"/>
+                  </a:outerShdw>
+                </a:effectLst>
+              </a14:hiddenEffects>
+            </a:ext>
+          </a:extLst>
+        </p:spPr>
+        <p:txBody>
+          <a:bodyPr vert="horz" wrap="none" lIns="91440" tIns="45720" rIns="91440" bIns="45720" numCol="1" rtlCol="0" anchor="ctr" anchorCtr="0" compatLnSpc="1">
+            <a:prstTxWarp prst="textNoShape">
+              <a:avLst/>
+            </a:prstTxWarp>
+          </a:bodyPr>
+          <a:lstStyle/>
+          <a:p>
+            <a:pPr marL="0" marR="0" indent="0" algn="ctr" defTabSz="449263" rtl="0" eaLnBrk="1" fontAlgn="base" latinLnBrk="0" hangingPunct="1">
+              <a:lnSpc>
+                <a:spcPct val="93000"/>
+              </a:lnSpc>
+              <a:spcBef>
+                <a:spcPct val="0"/>
+              </a:spcBef>
+              <a:spcAft>
+                <a:spcPct val="0"/>
+              </a:spcAft>
+              <a:buClr>
+                <a:srgbClr val="000000"/>
+              </a:buClr>
+              <a:buSzPct val="100000"/>
+              <a:buFont typeface="Arial" charset="0"/>
+              <a:buNone/>
+              <a:tabLst/>
+            </a:pPr>
+            <a:r>
+              <a:rPr lang="de-DE" dirty="0">
+                <a:latin typeface="Arial"/>
+                <a:cs typeface="Arial"/>
+              </a:rPr>
+              <a:t>B&amp;R</a:t>
+            </a:r>
+            <a:endParaRPr lang="de-DE" sz="1800" b="0" i="0" u="none" strike="noStrike" cap="none" normalizeH="0" baseline="0" dirty="0" err="1">
+              <a:ln>
+                <a:noFill/>
+              </a:ln>
+              <a:solidFill>
+                <a:schemeClr val="bg1"/>
+              </a:solidFill>
+              <a:effectLst/>
+              <a:latin typeface="Arial" charset="0"/>
+              <a:cs typeface="Arial"/>
+            </a:endParaRPr>
+          </a:p>
+        </p:txBody>
+      </p:sp>
+      <p:sp>
+        <p:nvSpPr>
+          <p:cNvPr id="13" name="Rechteck: abgerundete Ecken 12">
+            <a:extLst>
+              <a:ext uri="{FF2B5EF4-FFF2-40B4-BE49-F238E27FC236}">
+                <a16:creationId xmlns:a16="http://schemas.microsoft.com/office/drawing/2014/main" id="{58C542FF-8FB8-44AF-84C1-1AE6A6326950}"/>
+              </a:ext>
+            </a:extLst>
+          </p:cNvPr>
+          <p:cNvSpPr/>
+          <p:nvPr/>
+        </p:nvSpPr>
+        <p:spPr bwMode="auto">
+          <a:xfrm>
+            <a:off x="425917" y="4115879"/>
+            <a:ext cx="602569" cy="546540"/>
+          </a:xfrm>
+          <a:prstGeom prst="roundRect">
+            <a:avLst/>
+          </a:prstGeom>
+          <a:solidFill>
+            <a:schemeClr val="accent6">
+              <a:lumMod val="60000"/>
+              <a:lumOff val="40000"/>
+            </a:schemeClr>
+          </a:solidFill>
+          <a:ln w="9525" cap="flat" cmpd="sng" algn="ctr">
+            <a:solidFill>
+              <a:schemeClr val="tx1"/>
+            </a:solidFill>
+            <a:prstDash val="solid"/>
+            <a:round/>
+            <a:headEnd type="none" w="med" len="med"/>
+            <a:tailEnd type="none" w="med" len="med"/>
+          </a:ln>
+          <a:effectLst/>
+          <a:extLst>
+            <a:ext uri="{AF507438-7753-43E0-B8FC-AC1667EBCBE1}">
+              <a14:hiddenEffects xmlns:a14="http://schemas.microsoft.com/office/drawing/2010/main">
+                <a:effectLst>
+                  <a:outerShdw dist="35921" dir="2700000" algn="ctr" rotWithShape="0">
+                    <a:schemeClr val="bg2"/>
+                  </a:outerShdw>
+                </a:effectLst>
+              </a14:hiddenEffects>
+            </a:ext>
+          </a:extLst>
+        </p:spPr>
+        <p:txBody>
+          <a:bodyPr vert="horz" wrap="none" lIns="91440" tIns="45720" rIns="91440" bIns="45720" numCol="1" rtlCol="0" anchor="ctr" anchorCtr="0" compatLnSpc="1">
+            <a:prstTxWarp prst="textNoShape">
+              <a:avLst/>
+            </a:prstTxWarp>
+          </a:bodyPr>
+          <a:lstStyle/>
+          <a:p>
+            <a:r>
+              <a:rPr lang="de-DE">
+                <a:latin typeface="Arial"/>
+                <a:cs typeface="Arial"/>
+              </a:rPr>
+              <a:t>Task</a:t>
+            </a:r>
+            <a:endParaRPr lang="de-DE" sz="1800" b="0" i="0" u="none" strike="noStrike" cap="none" normalizeH="0" baseline="0" dirty="0" err="1">
+              <a:ln>
+                <a:noFill/>
+              </a:ln>
+              <a:solidFill>
+                <a:schemeClr val="bg1"/>
+              </a:solidFill>
+              <a:effectLst/>
+              <a:latin typeface="Arial" charset="0"/>
+              <a:cs typeface="Arial"/>
+            </a:endParaRPr>
+          </a:p>
+        </p:txBody>
+      </p:sp>
+      <p:sp>
+        <p:nvSpPr>
+          <p:cNvPr id="14" name="Rechteck: abgerundete Ecken 13">
+            <a:extLst>
+              <a:ext uri="{FF2B5EF4-FFF2-40B4-BE49-F238E27FC236}">
+                <a16:creationId xmlns:a16="http://schemas.microsoft.com/office/drawing/2014/main" id="{EF3D045F-F08A-40C3-8DF5-7395802E384D}"/>
+              </a:ext>
+            </a:extLst>
+          </p:cNvPr>
+          <p:cNvSpPr/>
+          <p:nvPr/>
+        </p:nvSpPr>
+        <p:spPr bwMode="auto">
+          <a:xfrm>
+            <a:off x="429764" y="4818513"/>
+            <a:ext cx="606634" cy="554793"/>
+          </a:xfrm>
+          <a:prstGeom prst="roundRect">
+            <a:avLst/>
+          </a:prstGeom>
+          <a:solidFill>
+            <a:schemeClr val="accent6">
+              <a:lumMod val="60000"/>
+              <a:lumOff val="40000"/>
+            </a:schemeClr>
+          </a:solidFill>
+          <a:ln w="9525" cap="flat" cmpd="sng" algn="ctr">
+            <a:solidFill>
+              <a:schemeClr val="tx1"/>
+            </a:solidFill>
+            <a:prstDash val="solid"/>
+            <a:round/>
+            <a:headEnd type="none" w="med" len="med"/>
+            <a:tailEnd type="none" w="med" len="med"/>
+          </a:ln>
+          <a:effectLst/>
+          <a:extLst>
+            <a:ext uri="{AF507438-7753-43E0-B8FC-AC1667EBCBE1}">
+              <a14:hiddenEffects xmlns:a14="http://schemas.microsoft.com/office/drawing/2010/main">
+                <a:effectLst>
+                  <a:outerShdw dist="35921" dir="2700000" algn="ctr" rotWithShape="0">
+                    <a:schemeClr val="bg2"/>
+                  </a:outerShdw>
+                </a:effectLst>
+              </a14:hiddenEffects>
+            </a:ext>
+          </a:extLst>
+        </p:spPr>
+        <p:txBody>
+          <a:bodyPr vert="horz" wrap="none" lIns="91440" tIns="45720" rIns="91440" bIns="45720" numCol="1" rtlCol="0" anchor="ctr" anchorCtr="0" compatLnSpc="1">
+            <a:prstTxWarp prst="textNoShape">
+              <a:avLst/>
+            </a:prstTxWarp>
+          </a:bodyPr>
+          <a:lstStyle/>
+          <a:p>
+            <a:pPr marL="0" marR="0" indent="0" algn="ctr" defTabSz="449263" rtl="0" eaLnBrk="1" fontAlgn="base" latinLnBrk="0" hangingPunct="1">
+              <a:lnSpc>
+                <a:spcPct val="93000"/>
+              </a:lnSpc>
+              <a:spcBef>
+                <a:spcPct val="0"/>
+              </a:spcBef>
+              <a:spcAft>
+                <a:spcPct val="0"/>
+              </a:spcAft>
+              <a:buClr>
+                <a:srgbClr val="000000"/>
+              </a:buClr>
+              <a:buSzPct val="100000"/>
+              <a:buFont typeface="Arial" charset="0"/>
+              <a:buNone/>
+              <a:tabLst/>
+            </a:pPr>
+            <a:r>
+              <a:rPr lang="de-DE">
+                <a:latin typeface="Arial"/>
+                <a:cs typeface="Arial"/>
+              </a:rPr>
+              <a:t>Pro</a:t>
+            </a:r>
+            <a:endParaRPr lang="de-DE" dirty="0">
+              <a:latin typeface="Arial" charset="0"/>
+              <a:cs typeface="Arial"/>
+            </a:endParaRPr>
+          </a:p>
+        </p:txBody>
+      </p:sp>
+      <p:sp>
+        <p:nvSpPr>
+          <p:cNvPr id="15" name="Rechteck: abgerundete Ecken 14">
+            <a:extLst>
+              <a:ext uri="{FF2B5EF4-FFF2-40B4-BE49-F238E27FC236}">
+                <a16:creationId xmlns:a16="http://schemas.microsoft.com/office/drawing/2014/main" id="{BCA8401E-F416-4694-80C9-13FD0BD74AFE}"/>
+              </a:ext>
+            </a:extLst>
+          </p:cNvPr>
+          <p:cNvSpPr/>
+          <p:nvPr/>
+        </p:nvSpPr>
+        <p:spPr bwMode="auto">
+          <a:xfrm>
+            <a:off x="421787" y="5525274"/>
+            <a:ext cx="614887" cy="554793"/>
+          </a:xfrm>
+          <a:prstGeom prst="roundRect">
+            <a:avLst/>
+          </a:prstGeom>
+          <a:solidFill>
+            <a:schemeClr val="accent6">
+              <a:lumMod val="60000"/>
+              <a:lumOff val="40000"/>
+            </a:schemeClr>
+          </a:solidFill>
+          <a:ln w="9525" cap="flat" cmpd="sng" algn="ctr">
+            <a:solidFill>
+              <a:schemeClr val="tx1"/>
+            </a:solidFill>
+            <a:prstDash val="solid"/>
+            <a:round/>
+            <a:headEnd type="none" w="med" len="med"/>
+            <a:tailEnd type="none" w="med" len="med"/>
+          </a:ln>
+          <a:effectLst/>
+          <a:extLst>
+            <a:ext uri="{AF507438-7753-43E0-B8FC-AC1667EBCBE1}">
+              <a14:hiddenEffects xmlns:a14="http://schemas.microsoft.com/office/drawing/2010/main">
+                <a:effectLst>
+                  <a:outerShdw dist="35921" dir="2700000" algn="ctr" rotWithShape="0">
+                    <a:schemeClr val="bg2"/>
+                  </a:outerShdw>
+                </a:effectLst>
+              </a14:hiddenEffects>
+            </a:ext>
+          </a:extLst>
+        </p:spPr>
+        <p:txBody>
+          <a:bodyPr vert="horz" wrap="none" lIns="91440" tIns="45720" rIns="91440" bIns="45720" numCol="1" rtlCol="0" anchor="ctr" anchorCtr="0" compatLnSpc="1">
+            <a:prstTxWarp prst="textNoShape">
+              <a:avLst/>
+            </a:prstTxWarp>
+          </a:bodyPr>
+          <a:lstStyle/>
+          <a:p>
+            <a:pPr marL="0" marR="0" indent="0" algn="ctr" defTabSz="449263" rtl="0" eaLnBrk="1" fontAlgn="base" latinLnBrk="0" hangingPunct="1">
+              <a:lnSpc>
+                <a:spcPct val="93000"/>
+              </a:lnSpc>
+              <a:spcBef>
+                <a:spcPct val="0"/>
+              </a:spcBef>
+              <a:spcAft>
+                <a:spcPct val="0"/>
+              </a:spcAft>
+              <a:buClr>
+                <a:srgbClr val="000000"/>
+              </a:buClr>
+              <a:buSzPct val="100000"/>
+              <a:buFont typeface="Arial" charset="0"/>
+              <a:buNone/>
+              <a:tabLst/>
+            </a:pPr>
+            <a:r>
+              <a:rPr lang="de-DE">
+                <a:latin typeface="Arial"/>
+                <a:cs typeface="Arial"/>
+              </a:rPr>
+              <a:t>Out</a:t>
+            </a:r>
+            <a:endParaRPr lang="de-DE" dirty="0">
+              <a:latin typeface="Arial" charset="0"/>
+              <a:cs typeface="Arial"/>
+            </a:endParaRPr>
+          </a:p>
+        </p:txBody>
+      </p:sp>
+      <p:cxnSp>
+        <p:nvCxnSpPr>
+          <p:cNvPr id="3" name="Gerade Verbindung mit Pfeil 2">
+            <a:extLst>
+              <a:ext uri="{FF2B5EF4-FFF2-40B4-BE49-F238E27FC236}">
+                <a16:creationId xmlns:a16="http://schemas.microsoft.com/office/drawing/2014/main" id="{FF1A532A-7997-40B5-A73C-28ED39C9866D}"/>
+              </a:ext>
+            </a:extLst>
+          </p:cNvPr>
+          <p:cNvCxnSpPr/>
+          <p:nvPr/>
+        </p:nvCxnSpPr>
+        <p:spPr bwMode="auto">
+          <a:xfrm flipH="1">
+            <a:off x="1109165" y="1511071"/>
+            <a:ext cx="14028" cy="4822056"/>
+          </a:xfrm>
+          <a:prstGeom prst="straightConnector1">
+            <a:avLst/>
+          </a:prstGeom>
+          <a:solidFill>
+            <a:schemeClr val="accent2"/>
+          </a:solidFill>
+          <a:ln w="9525" cap="flat" cmpd="sng" algn="ctr">
+            <a:solidFill>
+              <a:schemeClr val="tx1"/>
+            </a:solidFill>
+            <a:prstDash val="solid"/>
+            <a:round/>
+            <a:headEnd type="none" w="med" len="med"/>
+            <a:tailEnd type="none" w="med" len="med"/>
+          </a:ln>
+          <a:effectLst/>
+          <a:extLst>
+            <a:ext uri="{AF507438-7753-43E0-B8FC-AC1667EBCBE1}">
+              <a14:hiddenEffects xmlns:a14="http://schemas.microsoft.com/office/drawing/2010/main">
+                <a:effectLst>
+                  <a:outerShdw dist="35921" dir="2700000" algn="ctr" rotWithShape="0">
+                    <a:schemeClr val="bg2"/>
+                  </a:outerShdw>
+                </a:effectLst>
+              </a14:hiddenEffects>
+            </a:ext>
+          </a:extLst>
+        </p:spPr>
+      </p:cxnSp>
+      <p:cxnSp>
+        <p:nvCxnSpPr>
+          <p:cNvPr id="6" name="Gerade Verbindung mit Pfeil 5">
+            <a:extLst>
+              <a:ext uri="{FF2B5EF4-FFF2-40B4-BE49-F238E27FC236}">
+                <a16:creationId xmlns:a16="http://schemas.microsoft.com/office/drawing/2014/main" id="{4052B892-F5AD-4830-A4AF-EC12BAB966C0}"/>
+              </a:ext>
+            </a:extLst>
+          </p:cNvPr>
+          <p:cNvCxnSpPr/>
+          <p:nvPr/>
+        </p:nvCxnSpPr>
+        <p:spPr bwMode="auto">
+          <a:xfrm flipV="1">
+            <a:off x="417587" y="3844936"/>
+            <a:ext cx="609050" cy="1650"/>
+          </a:xfrm>
+          <a:prstGeom prst="straightConnector1">
+            <a:avLst/>
+          </a:prstGeom>
+          <a:solidFill>
+            <a:schemeClr val="accent2"/>
+          </a:solidFill>
+          <a:ln w="9525" cap="flat" cmpd="sng" algn="ctr">
+            <a:solidFill>
+              <a:schemeClr val="tx1"/>
+            </a:solidFill>
+            <a:prstDash val="dash"/>
+            <a:round/>
+            <a:headEnd type="none" w="med" len="med"/>
+            <a:tailEnd type="none" w="med" len="med"/>
+          </a:ln>
+          <a:effectLst/>
+          <a:extLst>
+            <a:ext uri="{AF507438-7753-43E0-B8FC-AC1667EBCBE1}">
+              <a14:hiddenEffects xmlns:a14="http://schemas.microsoft.com/office/drawing/2010/main">
+                <a:effectLst>
+                  <a:outerShdw dist="35921" dir="2700000" algn="ctr" rotWithShape="0">
+                    <a:schemeClr val="bg2"/>
+                  </a:outerShdw>
+                </a:effectLst>
+              </a14:hiddenEffects>
+            </a:ext>
+          </a:extLst>
+        </p:spPr>
+      </p:cxnSp>
+      <p:sp>
+        <p:nvSpPr>
+          <p:cNvPr id="9" name="Textplatzhalter 5">
+            <a:extLst>
+              <a:ext uri="{FF2B5EF4-FFF2-40B4-BE49-F238E27FC236}">
+                <a16:creationId xmlns:a16="http://schemas.microsoft.com/office/drawing/2014/main" id="{2F5C2DC8-4813-4FF1-A53F-638AD69203E7}"/>
+              </a:ext>
+            </a:extLst>
+          </p:cNvPr>
+          <p:cNvSpPr>
+            <a:spLocks noGrp="1"/>
+          </p:cNvSpPr>
+          <p:nvPr>
+            <p:ph type="body" idx="1"/>
+          </p:nvPr>
+        </p:nvSpPr>
+        <p:spPr>
+          <a:xfrm>
+            <a:off x="1275915" y="1623879"/>
+            <a:ext cx="7663799" cy="4583866"/>
+          </a:xfrm>
+        </p:spPr>
+        <p:txBody>
+          <a:bodyPr/>
+          <a:lstStyle/>
+          <a:p>
+            <a:pPr marL="179070" indent="-179070"/>
+            <a:r>
+              <a:rPr lang="en-US" dirty="0">
+                <a:cs typeface="Arial"/>
+              </a:rPr>
+              <a:t>Executability</a:t>
+            </a:r>
+          </a:p>
+          <a:p>
+            <a:pPr marL="513080" lvl="1" indent="-342900"/>
+            <a:r>
+              <a:rPr lang="en-US" dirty="0">
+                <a:ea typeface="+mn-lt"/>
+                <a:cs typeface="+mn-lt"/>
+              </a:rPr>
+              <a:t>During Use</a:t>
+            </a:r>
+            <a:endParaRPr lang="en-US" dirty="0">
+              <a:cs typeface="Arial"/>
+            </a:endParaRPr>
+          </a:p>
+          <a:p>
+            <a:pPr marL="179070" indent="0"/>
+            <a:endParaRPr lang="en-US" sz="3800" b="0" dirty="0">
+              <a:cs typeface="Arial"/>
+            </a:endParaRPr>
+          </a:p>
+          <a:p>
+            <a:pPr marL="0" indent="0"/>
+            <a:r>
+              <a:rPr lang="en-US" dirty="0">
+                <a:cs typeface="Arial"/>
+              </a:rPr>
+              <a:t>Trainability</a:t>
+            </a:r>
+            <a:endParaRPr lang="en-US" sz="1800" b="0" dirty="0">
+              <a:cs typeface="Arial"/>
+            </a:endParaRPr>
+          </a:p>
+          <a:p>
+            <a:pPr marL="474345" lvl="2" indent="-285750"/>
+            <a:r>
+              <a:rPr lang="en-US" dirty="0">
+                <a:cs typeface="Arial"/>
+              </a:rPr>
+              <a:t>During Development</a:t>
+            </a:r>
+            <a:endParaRPr lang="en-US" dirty="0"/>
+          </a:p>
+          <a:p>
+            <a:pPr lvl="1"/>
+            <a:endParaRPr lang="en-US" dirty="0">
+              <a:cs typeface="Arial"/>
+            </a:endParaRPr>
+          </a:p>
+        </p:txBody>
+      </p:sp>
+    </p:spTree>
+    <p:extLst>
+      <p:ext uri="{BB962C8B-B14F-4D97-AF65-F5344CB8AC3E}">
+        <p14:creationId xmlns:p14="http://schemas.microsoft.com/office/powerpoint/2010/main" val="443057797"/>
+      </p:ext>
+    </p:extLst>
+  </p:cSld>
+  <p:clrMapOvr>
+    <a:masterClrMapping/>
+  </p:clrMapOvr>
+</p:sld>
+</file>
+
+<file path=ppt/slides/slide6.xml><?xml version="1.0" encoding="utf-8"?>
+<p:sld xmlns:a="http://schemas.openxmlformats.org/drawingml/2006/main" xmlns:r="http://schemas.openxmlformats.org/officeDocument/2006/relationships" xmlns:p="http://schemas.openxmlformats.org/presentationml/2006/main">
+  <p:cSld>
+    <p:spTree>
+      <p:nvGrpSpPr>
+        <p:cNvPr id="1" name=""/>
+        <p:cNvGrpSpPr/>
+        <p:nvPr/>
+      </p:nvGrpSpPr>
+      <p:grpSpPr>
+        <a:xfrm>
+          <a:off x="0" y="0"/>
+          <a:ext cx="0" cy="0"/>
+          <a:chOff x="0" y="0"/>
+          <a:chExt cx="0" cy="0"/>
+        </a:xfrm>
+      </p:grpSpPr>
+      <p:sp>
+        <p:nvSpPr>
+          <p:cNvPr id="4" name="Fußzeilenplatzhalter 3"/>
+          <p:cNvSpPr>
+            <a:spLocks noGrp="1"/>
+          </p:cNvSpPr>
+          <p:nvPr>
+            <p:ph type="ftr" sz="quarter" idx="10"/>
+          </p:nvPr>
+        </p:nvSpPr>
+        <p:spPr/>
+        <p:txBody>
+          <a:bodyPr/>
+          <a:lstStyle/>
+          <a:p>
+            <a:pPr>
+              <a:defRPr/>
+            </a:pPr>
+            <a:endParaRPr lang="de-DE"/>
+          </a:p>
+          <a:p>
+            <a:pPr>
+              <a:defRPr/>
+            </a:pPr>
+            <a:endParaRPr lang="de-DE"/>
+          </a:p>
+        </p:txBody>
+      </p:sp>
+      <p:sp>
+        <p:nvSpPr>
+          <p:cNvPr id="5" name="Titel 4"/>
+          <p:cNvSpPr>
+            <a:spLocks noGrp="1"/>
+          </p:cNvSpPr>
+          <p:nvPr>
+            <p:ph type="title"/>
+          </p:nvPr>
+        </p:nvSpPr>
+        <p:spPr/>
+        <p:txBody>
+          <a:bodyPr/>
+          <a:lstStyle/>
+          <a:p>
+            <a:r>
+              <a:rPr lang="en-US" dirty="0">
+                <a:cs typeface="Arial"/>
+              </a:rPr>
+              <a:t>Background I</a:t>
+            </a:r>
+          </a:p>
+        </p:txBody>
+      </p:sp>
+      <p:sp>
+        <p:nvSpPr>
+          <p:cNvPr id="2" name="Rechteck: abgerundete Ecken 1">
+            <a:extLst>
+              <a:ext uri="{FF2B5EF4-FFF2-40B4-BE49-F238E27FC236}">
+                <a16:creationId xmlns:a16="http://schemas.microsoft.com/office/drawing/2014/main" id="{C6F9F1D7-5867-484C-81EF-E31F5D55F722}"/>
+              </a:ext>
+            </a:extLst>
+          </p:cNvPr>
+          <p:cNvSpPr/>
+          <p:nvPr/>
+        </p:nvSpPr>
+        <p:spPr bwMode="auto">
+          <a:xfrm>
+            <a:off x="425640" y="1619819"/>
+            <a:ext cx="611037" cy="546818"/>
+          </a:xfrm>
+          <a:prstGeom prst="roundRect">
+            <a:avLst/>
+          </a:prstGeom>
+          <a:solidFill>
+            <a:schemeClr val="accent6">
+              <a:lumMod val="60000"/>
+              <a:lumOff val="40000"/>
+            </a:schemeClr>
+          </a:solidFill>
+          <a:ln w="9525" cap="flat" cmpd="sng" algn="ctr">
+            <a:solidFill>
+              <a:schemeClr val="tx1"/>
+            </a:solidFill>
+            <a:prstDash val="solid"/>
+            <a:round/>
+            <a:headEnd type="none" w="med" len="med"/>
+            <a:tailEnd type="none" w="med" len="med"/>
+          </a:ln>
+          <a:effectLst/>
+          <a:extLst>
+            <a:ext uri="{AF507438-7753-43E0-B8FC-AC1667EBCBE1}">
+              <a14:hiddenEffects xmlns:a14="http://schemas.microsoft.com/office/drawing/2010/main">
+                <a:effectLst>
+                  <a:outerShdw dist="35921" dir="2700000" algn="ctr" rotWithShape="0">
+                    <a:schemeClr val="bg2"/>
+                  </a:outerShdw>
+                </a:effectLst>
+              </a14:hiddenEffects>
+            </a:ext>
+          </a:extLst>
+        </p:spPr>
+        <p:txBody>
+          <a:bodyPr vert="horz" wrap="none" lIns="91440" tIns="45720" rIns="91440" bIns="45720" numCol="1" rtlCol="0" anchor="ctr" anchorCtr="0" compatLnSpc="1">
+            <a:prstTxWarp prst="textNoShape">
+              <a:avLst/>
+            </a:prstTxWarp>
+          </a:bodyPr>
+          <a:lstStyle/>
+          <a:p>
+            <a:pPr marL="0" marR="0" indent="0" algn="ctr" defTabSz="449263" rtl="0" eaLnBrk="1" fontAlgn="base" latinLnBrk="0" hangingPunct="1">
+              <a:lnSpc>
+                <a:spcPct val="93000"/>
+              </a:lnSpc>
+              <a:spcBef>
+                <a:spcPct val="0"/>
+              </a:spcBef>
+              <a:spcAft>
+                <a:spcPct val="0"/>
+              </a:spcAft>
+              <a:buClr>
+                <a:srgbClr val="000000"/>
+              </a:buClr>
+              <a:buSzPct val="100000"/>
+              <a:buFont typeface="Arial" charset="0"/>
+              <a:buNone/>
+              <a:tabLst/>
+            </a:pPr>
+            <a:r>
+              <a:rPr lang="de-DE">
+                <a:latin typeface="Arial"/>
+                <a:cs typeface="Arial"/>
+              </a:rPr>
+              <a:t>Int</a:t>
+            </a:r>
+            <a:endParaRPr lang="de-DE" sz="1800" b="0" i="0" u="none" strike="noStrike" cap="none" normalizeH="0" baseline="0" dirty="0" err="1">
+              <a:ln>
+                <a:noFill/>
+              </a:ln>
+              <a:solidFill>
+                <a:schemeClr val="bg1"/>
+              </a:solidFill>
+              <a:effectLst/>
+              <a:latin typeface="Arial" charset="0"/>
+              <a:cs typeface="Arial"/>
+            </a:endParaRPr>
+          </a:p>
+        </p:txBody>
+      </p:sp>
+      <p:sp>
+        <p:nvSpPr>
+          <p:cNvPr id="11" name="Rechteck: abgerundete Ecken 10">
+            <a:extLst>
+              <a:ext uri="{FF2B5EF4-FFF2-40B4-BE49-F238E27FC236}">
+                <a16:creationId xmlns:a16="http://schemas.microsoft.com/office/drawing/2014/main" id="{05CCFCE9-B7D5-46EC-8F1A-0A4D9ECD91FB}"/>
+              </a:ext>
+            </a:extLst>
+          </p:cNvPr>
+          <p:cNvSpPr/>
+          <p:nvPr/>
+        </p:nvSpPr>
+        <p:spPr bwMode="auto">
+          <a:xfrm>
+            <a:off x="421652" y="2322869"/>
+            <a:ext cx="610898" cy="546401"/>
+          </a:xfrm>
+          <a:prstGeom prst="roundRect">
+            <a:avLst/>
+          </a:prstGeom>
+          <a:solidFill>
+            <a:schemeClr val="accent6">
+              <a:lumMod val="60000"/>
+              <a:lumOff val="40000"/>
+            </a:schemeClr>
+          </a:solidFill>
+          <a:ln w="9525" cap="flat" cmpd="sng" algn="ctr">
+            <a:solidFill>
+              <a:schemeClr val="tx1"/>
+            </a:solidFill>
+            <a:prstDash val="solid"/>
+            <a:round/>
+            <a:headEnd type="none" w="med" len="med"/>
+            <a:tailEnd type="none" w="med" len="med"/>
+          </a:ln>
+          <a:effectLst/>
+          <a:extLst>
+            <a:ext uri="{AF507438-7753-43E0-B8FC-AC1667EBCBE1}">
+              <a14:hiddenEffects xmlns:a14="http://schemas.microsoft.com/office/drawing/2010/main">
+                <a:effectLst>
+                  <a:outerShdw dist="35921" dir="2700000" algn="ctr" rotWithShape="0">
+                    <a:schemeClr val="bg2"/>
+                  </a:outerShdw>
+                </a:effectLst>
+              </a14:hiddenEffects>
+            </a:ext>
+          </a:extLst>
+        </p:spPr>
+        <p:txBody>
+          <a:bodyPr vert="horz" wrap="none" lIns="91440" tIns="45720" rIns="91440" bIns="45720" numCol="1" rtlCol="0" anchor="ctr" anchorCtr="0" compatLnSpc="1">
+            <a:prstTxWarp prst="textNoShape">
+              <a:avLst/>
+            </a:prstTxWarp>
+          </a:bodyPr>
+          <a:lstStyle/>
+          <a:p>
+            <a:pPr marL="0" marR="0" indent="0" algn="ctr" defTabSz="449263" rtl="0" eaLnBrk="1" fontAlgn="base" latinLnBrk="0" hangingPunct="1">
+              <a:lnSpc>
+                <a:spcPct val="93000"/>
+              </a:lnSpc>
+              <a:spcBef>
+                <a:spcPct val="0"/>
+              </a:spcBef>
+              <a:spcAft>
+                <a:spcPct val="0"/>
+              </a:spcAft>
+              <a:buClr>
+                <a:srgbClr val="000000"/>
+              </a:buClr>
+              <a:buSzPct val="100000"/>
+              <a:buFont typeface="Arial" charset="0"/>
+              <a:buNone/>
+              <a:tabLst/>
+            </a:pPr>
+            <a:r>
+              <a:rPr lang="de-DE">
+                <a:latin typeface="Arial"/>
+                <a:cs typeface="Arial"/>
+              </a:rPr>
+              <a:t>Mot</a:t>
+            </a:r>
+            <a:endParaRPr lang="de-DE" dirty="0">
+              <a:latin typeface="Arial"/>
+              <a:cs typeface="Arial"/>
+            </a:endParaRPr>
+          </a:p>
+        </p:txBody>
+      </p:sp>
+      <p:sp>
+        <p:nvSpPr>
+          <p:cNvPr id="12" name="Rechteck: abgerundete Ecken 11">
+            <a:extLst>
+              <a:ext uri="{FF2B5EF4-FFF2-40B4-BE49-F238E27FC236}">
+                <a16:creationId xmlns:a16="http://schemas.microsoft.com/office/drawing/2014/main" id="{004E5F0F-C714-4C00-BFC6-4CEDFBF93F7D}"/>
+              </a:ext>
+            </a:extLst>
+          </p:cNvPr>
+          <p:cNvSpPr/>
+          <p:nvPr/>
+        </p:nvSpPr>
+        <p:spPr bwMode="auto">
+          <a:xfrm>
+            <a:off x="421788" y="3021239"/>
+            <a:ext cx="614887" cy="546540"/>
+          </a:xfrm>
+          <a:prstGeom prst="roundRect">
+            <a:avLst/>
+          </a:prstGeom>
+          <a:solidFill>
+            <a:schemeClr val="accent6"/>
+          </a:solidFill>
+          <a:ln w="9525" cap="flat" cmpd="sng" algn="ctr">
+            <a:solidFill>
+              <a:schemeClr val="tx1"/>
+            </a:solidFill>
+            <a:prstDash val="solid"/>
+            <a:round/>
+            <a:headEnd type="none" w="med" len="med"/>
+            <a:tailEnd type="none" w="med" len="med"/>
+          </a:ln>
+          <a:effectLst/>
+          <a:extLst>
+            <a:ext uri="{AF507438-7753-43E0-B8FC-AC1667EBCBE1}">
+              <a14:hiddenEffects xmlns:a14="http://schemas.microsoft.com/office/drawing/2010/main">
+                <a:effectLst>
+                  <a:outerShdw dist="35921" dir="2700000" algn="ctr" rotWithShape="0">
+                    <a:schemeClr val="bg2"/>
+                  </a:outerShdw>
+                </a:effectLst>
+              </a14:hiddenEffects>
+            </a:ext>
+          </a:extLst>
+        </p:spPr>
+        <p:txBody>
+          <a:bodyPr vert="horz" wrap="none" lIns="91440" tIns="45720" rIns="91440" bIns="45720" numCol="1" rtlCol="0" anchor="ctr" anchorCtr="0" compatLnSpc="1">
+            <a:prstTxWarp prst="textNoShape">
+              <a:avLst/>
+            </a:prstTxWarp>
+          </a:bodyPr>
+          <a:lstStyle/>
+          <a:p>
+            <a:pPr marL="0" marR="0" indent="0" algn="ctr" defTabSz="449263" rtl="0" eaLnBrk="1" fontAlgn="base" latinLnBrk="0" hangingPunct="1">
+              <a:lnSpc>
+                <a:spcPct val="93000"/>
+              </a:lnSpc>
+              <a:spcBef>
+                <a:spcPct val="0"/>
+              </a:spcBef>
+              <a:spcAft>
+                <a:spcPct val="0"/>
+              </a:spcAft>
+              <a:buClr>
+                <a:srgbClr val="000000"/>
+              </a:buClr>
+              <a:buSzPct val="100000"/>
+              <a:buFont typeface="Arial" charset="0"/>
+              <a:buNone/>
+              <a:tabLst/>
+            </a:pPr>
+            <a:r>
+              <a:rPr lang="de-DE" dirty="0">
+                <a:latin typeface="Arial"/>
+                <a:cs typeface="Arial"/>
+              </a:rPr>
+              <a:t>B&amp;R</a:t>
+            </a:r>
+            <a:endParaRPr lang="de-DE" sz="1800" b="0" i="0" u="none" strike="noStrike" cap="none" normalizeH="0" baseline="0" dirty="0" err="1">
+              <a:ln>
+                <a:noFill/>
+              </a:ln>
+              <a:solidFill>
+                <a:schemeClr val="bg1"/>
+              </a:solidFill>
+              <a:effectLst/>
+              <a:latin typeface="Arial" charset="0"/>
+              <a:cs typeface="Arial"/>
+            </a:endParaRPr>
+          </a:p>
+        </p:txBody>
+      </p:sp>
+      <p:sp>
+        <p:nvSpPr>
+          <p:cNvPr id="13" name="Rechteck: abgerundete Ecken 12">
+            <a:extLst>
+              <a:ext uri="{FF2B5EF4-FFF2-40B4-BE49-F238E27FC236}">
+                <a16:creationId xmlns:a16="http://schemas.microsoft.com/office/drawing/2014/main" id="{58C542FF-8FB8-44AF-84C1-1AE6A6326950}"/>
+              </a:ext>
+            </a:extLst>
+          </p:cNvPr>
+          <p:cNvSpPr/>
+          <p:nvPr/>
+        </p:nvSpPr>
+        <p:spPr bwMode="auto">
+          <a:xfrm>
+            <a:off x="425917" y="4115879"/>
+            <a:ext cx="602569" cy="546540"/>
+          </a:xfrm>
+          <a:prstGeom prst="roundRect">
+            <a:avLst/>
+          </a:prstGeom>
+          <a:solidFill>
+            <a:schemeClr val="accent6">
+              <a:lumMod val="60000"/>
+              <a:lumOff val="40000"/>
+            </a:schemeClr>
+          </a:solidFill>
+          <a:ln w="9525" cap="flat" cmpd="sng" algn="ctr">
+            <a:solidFill>
+              <a:schemeClr val="tx1"/>
+            </a:solidFill>
+            <a:prstDash val="solid"/>
+            <a:round/>
+            <a:headEnd type="none" w="med" len="med"/>
+            <a:tailEnd type="none" w="med" len="med"/>
+          </a:ln>
+          <a:effectLst/>
+          <a:extLst>
+            <a:ext uri="{AF507438-7753-43E0-B8FC-AC1667EBCBE1}">
+              <a14:hiddenEffects xmlns:a14="http://schemas.microsoft.com/office/drawing/2010/main">
+                <a:effectLst>
+                  <a:outerShdw dist="35921" dir="2700000" algn="ctr" rotWithShape="0">
+                    <a:schemeClr val="bg2"/>
+                  </a:outerShdw>
+                </a:effectLst>
+              </a14:hiddenEffects>
+            </a:ext>
+          </a:extLst>
+        </p:spPr>
+        <p:txBody>
+          <a:bodyPr vert="horz" wrap="none" lIns="91440" tIns="45720" rIns="91440" bIns="45720" numCol="1" rtlCol="0" anchor="ctr" anchorCtr="0" compatLnSpc="1">
+            <a:prstTxWarp prst="textNoShape">
+              <a:avLst/>
+            </a:prstTxWarp>
+          </a:bodyPr>
+          <a:lstStyle/>
+          <a:p>
+            <a:r>
+              <a:rPr lang="de-DE">
+                <a:latin typeface="Arial"/>
+                <a:cs typeface="Arial"/>
+              </a:rPr>
+              <a:t>Task</a:t>
+            </a:r>
+            <a:endParaRPr lang="de-DE" sz="1800" b="0" i="0" u="none" strike="noStrike" cap="none" normalizeH="0" baseline="0" dirty="0" err="1">
+              <a:ln>
+                <a:noFill/>
+              </a:ln>
+              <a:solidFill>
+                <a:schemeClr val="bg1"/>
+              </a:solidFill>
+              <a:effectLst/>
+              <a:latin typeface="Arial" charset="0"/>
+              <a:cs typeface="Arial"/>
+            </a:endParaRPr>
+          </a:p>
+        </p:txBody>
+      </p:sp>
+      <p:sp>
+        <p:nvSpPr>
+          <p:cNvPr id="14" name="Rechteck: abgerundete Ecken 13">
+            <a:extLst>
+              <a:ext uri="{FF2B5EF4-FFF2-40B4-BE49-F238E27FC236}">
+                <a16:creationId xmlns:a16="http://schemas.microsoft.com/office/drawing/2014/main" id="{EF3D045F-F08A-40C3-8DF5-7395802E384D}"/>
+              </a:ext>
+            </a:extLst>
+          </p:cNvPr>
+          <p:cNvSpPr/>
+          <p:nvPr/>
+        </p:nvSpPr>
+        <p:spPr bwMode="auto">
+          <a:xfrm>
+            <a:off x="429764" y="4818513"/>
+            <a:ext cx="606634" cy="554793"/>
+          </a:xfrm>
+          <a:prstGeom prst="roundRect">
+            <a:avLst/>
+          </a:prstGeom>
+          <a:solidFill>
+            <a:schemeClr val="accent6">
+              <a:lumMod val="60000"/>
+              <a:lumOff val="40000"/>
+            </a:schemeClr>
+          </a:solidFill>
+          <a:ln w="9525" cap="flat" cmpd="sng" algn="ctr">
+            <a:solidFill>
+              <a:schemeClr val="tx1"/>
+            </a:solidFill>
+            <a:prstDash val="solid"/>
+            <a:round/>
+            <a:headEnd type="none" w="med" len="med"/>
+            <a:tailEnd type="none" w="med" len="med"/>
+          </a:ln>
+          <a:effectLst/>
+          <a:extLst>
+            <a:ext uri="{AF507438-7753-43E0-B8FC-AC1667EBCBE1}">
+              <a14:hiddenEffects xmlns:a14="http://schemas.microsoft.com/office/drawing/2010/main">
+                <a:effectLst>
+                  <a:outerShdw dist="35921" dir="2700000" algn="ctr" rotWithShape="0">
+                    <a:schemeClr val="bg2"/>
+                  </a:outerShdw>
+                </a:effectLst>
+              </a14:hiddenEffects>
+            </a:ext>
+          </a:extLst>
+        </p:spPr>
+        <p:txBody>
+          <a:bodyPr vert="horz" wrap="none" lIns="91440" tIns="45720" rIns="91440" bIns="45720" numCol="1" rtlCol="0" anchor="ctr" anchorCtr="0" compatLnSpc="1">
+            <a:prstTxWarp prst="textNoShape">
+              <a:avLst/>
+            </a:prstTxWarp>
+          </a:bodyPr>
+          <a:lstStyle/>
+          <a:p>
+            <a:pPr marL="0" marR="0" indent="0" algn="ctr" defTabSz="449263" rtl="0" eaLnBrk="1" fontAlgn="base" latinLnBrk="0" hangingPunct="1">
+              <a:lnSpc>
+                <a:spcPct val="93000"/>
+              </a:lnSpc>
+              <a:spcBef>
+                <a:spcPct val="0"/>
+              </a:spcBef>
+              <a:spcAft>
+                <a:spcPct val="0"/>
+              </a:spcAft>
+              <a:buClr>
+                <a:srgbClr val="000000"/>
+              </a:buClr>
+              <a:buSzPct val="100000"/>
+              <a:buFont typeface="Arial" charset="0"/>
+              <a:buNone/>
+              <a:tabLst/>
+            </a:pPr>
+            <a:r>
+              <a:rPr lang="de-DE">
+                <a:latin typeface="Arial"/>
+                <a:cs typeface="Arial"/>
+              </a:rPr>
+              <a:t>Pro</a:t>
+            </a:r>
+            <a:endParaRPr lang="de-DE" dirty="0">
+              <a:latin typeface="Arial" charset="0"/>
+              <a:cs typeface="Arial"/>
+            </a:endParaRPr>
+          </a:p>
+        </p:txBody>
+      </p:sp>
+      <p:sp>
+        <p:nvSpPr>
+          <p:cNvPr id="15" name="Rechteck: abgerundete Ecken 14">
+            <a:extLst>
+              <a:ext uri="{FF2B5EF4-FFF2-40B4-BE49-F238E27FC236}">
+                <a16:creationId xmlns:a16="http://schemas.microsoft.com/office/drawing/2014/main" id="{BCA8401E-F416-4694-80C9-13FD0BD74AFE}"/>
+              </a:ext>
+            </a:extLst>
+          </p:cNvPr>
+          <p:cNvSpPr/>
+          <p:nvPr/>
+        </p:nvSpPr>
+        <p:spPr bwMode="auto">
+          <a:xfrm>
+            <a:off x="421787" y="5525274"/>
+            <a:ext cx="614887" cy="554793"/>
+          </a:xfrm>
+          <a:prstGeom prst="roundRect">
+            <a:avLst/>
+          </a:prstGeom>
+          <a:solidFill>
+            <a:schemeClr val="accent6">
+              <a:lumMod val="60000"/>
+              <a:lumOff val="40000"/>
+            </a:schemeClr>
+          </a:solidFill>
+          <a:ln w="9525" cap="flat" cmpd="sng" algn="ctr">
+            <a:solidFill>
+              <a:schemeClr val="tx1"/>
+            </a:solidFill>
+            <a:prstDash val="solid"/>
+            <a:round/>
+            <a:headEnd type="none" w="med" len="med"/>
+            <a:tailEnd type="none" w="med" len="med"/>
+          </a:ln>
+          <a:effectLst/>
+          <a:extLst>
+            <a:ext uri="{AF507438-7753-43E0-B8FC-AC1667EBCBE1}">
+              <a14:hiddenEffects xmlns:a14="http://schemas.microsoft.com/office/drawing/2010/main">
+                <a:effectLst>
+                  <a:outerShdw dist="35921" dir="2700000" algn="ctr" rotWithShape="0">
+                    <a:schemeClr val="bg2"/>
+                  </a:outerShdw>
+                </a:effectLst>
+              </a14:hiddenEffects>
+            </a:ext>
+          </a:extLst>
+        </p:spPr>
+        <p:txBody>
+          <a:bodyPr vert="horz" wrap="none" lIns="91440" tIns="45720" rIns="91440" bIns="45720" numCol="1" rtlCol="0" anchor="ctr" anchorCtr="0" compatLnSpc="1">
+            <a:prstTxWarp prst="textNoShape">
+              <a:avLst/>
+            </a:prstTxWarp>
+          </a:bodyPr>
+          <a:lstStyle/>
+          <a:p>
+            <a:pPr marL="0" marR="0" indent="0" algn="ctr" defTabSz="449263" rtl="0" eaLnBrk="1" fontAlgn="base" latinLnBrk="0" hangingPunct="1">
+              <a:lnSpc>
+                <a:spcPct val="93000"/>
+              </a:lnSpc>
+              <a:spcBef>
+                <a:spcPct val="0"/>
+              </a:spcBef>
+              <a:spcAft>
+                <a:spcPct val="0"/>
+              </a:spcAft>
+              <a:buClr>
+                <a:srgbClr val="000000"/>
+              </a:buClr>
+              <a:buSzPct val="100000"/>
+              <a:buFont typeface="Arial" charset="0"/>
+              <a:buNone/>
+              <a:tabLst/>
+            </a:pPr>
+            <a:r>
+              <a:rPr lang="de-DE">
+                <a:latin typeface="Arial"/>
+                <a:cs typeface="Arial"/>
+              </a:rPr>
+              <a:t>Out</a:t>
+            </a:r>
+            <a:endParaRPr lang="de-DE" dirty="0">
+              <a:latin typeface="Arial" charset="0"/>
+              <a:cs typeface="Arial"/>
+            </a:endParaRPr>
+          </a:p>
+        </p:txBody>
+      </p:sp>
+      <p:cxnSp>
+        <p:nvCxnSpPr>
+          <p:cNvPr id="3" name="Gerade Verbindung mit Pfeil 2">
+            <a:extLst>
+              <a:ext uri="{FF2B5EF4-FFF2-40B4-BE49-F238E27FC236}">
+                <a16:creationId xmlns:a16="http://schemas.microsoft.com/office/drawing/2014/main" id="{FF1A532A-7997-40B5-A73C-28ED39C9866D}"/>
+              </a:ext>
+            </a:extLst>
+          </p:cNvPr>
+          <p:cNvCxnSpPr/>
+          <p:nvPr/>
+        </p:nvCxnSpPr>
+        <p:spPr bwMode="auto">
+          <a:xfrm flipH="1">
+            <a:off x="1109165" y="1511071"/>
+            <a:ext cx="14028" cy="4822056"/>
+          </a:xfrm>
+          <a:prstGeom prst="straightConnector1">
+            <a:avLst/>
+          </a:prstGeom>
+          <a:solidFill>
+            <a:schemeClr val="accent2"/>
+          </a:solidFill>
+          <a:ln w="9525" cap="flat" cmpd="sng" algn="ctr">
+            <a:solidFill>
+              <a:schemeClr val="tx1"/>
+            </a:solidFill>
+            <a:prstDash val="solid"/>
+            <a:round/>
+            <a:headEnd type="none" w="med" len="med"/>
+            <a:tailEnd type="none" w="med" len="med"/>
+          </a:ln>
+          <a:effectLst/>
+          <a:extLst>
+            <a:ext uri="{AF507438-7753-43E0-B8FC-AC1667EBCBE1}">
+              <a14:hiddenEffects xmlns:a14="http://schemas.microsoft.com/office/drawing/2010/main">
+                <a:effectLst>
+                  <a:outerShdw dist="35921" dir="2700000" algn="ctr" rotWithShape="0">
+                    <a:schemeClr val="bg2"/>
+                  </a:outerShdw>
+                </a:effectLst>
+              </a14:hiddenEffects>
+            </a:ext>
+          </a:extLst>
+        </p:spPr>
+      </p:cxnSp>
+      <p:cxnSp>
+        <p:nvCxnSpPr>
+          <p:cNvPr id="6" name="Gerade Verbindung mit Pfeil 5">
+            <a:extLst>
+              <a:ext uri="{FF2B5EF4-FFF2-40B4-BE49-F238E27FC236}">
+                <a16:creationId xmlns:a16="http://schemas.microsoft.com/office/drawing/2014/main" id="{4052B892-F5AD-4830-A4AF-EC12BAB966C0}"/>
+              </a:ext>
+            </a:extLst>
+          </p:cNvPr>
+          <p:cNvCxnSpPr/>
+          <p:nvPr/>
+        </p:nvCxnSpPr>
+        <p:spPr bwMode="auto">
+          <a:xfrm flipV="1">
+            <a:off x="417587" y="3844936"/>
+            <a:ext cx="609050" cy="1650"/>
+          </a:xfrm>
+          <a:prstGeom prst="straightConnector1">
+            <a:avLst/>
+          </a:prstGeom>
+          <a:solidFill>
+            <a:schemeClr val="accent2"/>
+          </a:solidFill>
+          <a:ln w="9525" cap="flat" cmpd="sng" algn="ctr">
+            <a:solidFill>
+              <a:schemeClr val="tx1"/>
+            </a:solidFill>
+            <a:prstDash val="dash"/>
+            <a:round/>
+            <a:headEnd type="none" w="med" len="med"/>
+            <a:tailEnd type="none" w="med" len="med"/>
+          </a:ln>
+          <a:effectLst/>
+          <a:extLst>
+            <a:ext uri="{AF507438-7753-43E0-B8FC-AC1667EBCBE1}">
+              <a14:hiddenEffects xmlns:a14="http://schemas.microsoft.com/office/drawing/2010/main">
+                <a:effectLst>
+                  <a:outerShdw dist="35921" dir="2700000" algn="ctr" rotWithShape="0">
+                    <a:schemeClr val="bg2"/>
+                  </a:outerShdw>
+                </a:effectLst>
+              </a14:hiddenEffects>
+            </a:ext>
+          </a:extLst>
+        </p:spPr>
+      </p:cxnSp>
+      <p:sp>
+        <p:nvSpPr>
+          <p:cNvPr id="9" name="Textplatzhalter 5">
+            <a:extLst>
+              <a:ext uri="{FF2B5EF4-FFF2-40B4-BE49-F238E27FC236}">
+                <a16:creationId xmlns:a16="http://schemas.microsoft.com/office/drawing/2014/main" id="{2F5C2DC8-4813-4FF1-A53F-638AD69203E7}"/>
+              </a:ext>
+            </a:extLst>
+          </p:cNvPr>
+          <p:cNvSpPr>
+            <a:spLocks noGrp="1"/>
+          </p:cNvSpPr>
+          <p:nvPr>
+            <p:ph type="body" idx="1"/>
+          </p:nvPr>
+        </p:nvSpPr>
+        <p:spPr>
+          <a:xfrm>
+            <a:off x="1275915" y="1623879"/>
+            <a:ext cx="7663799" cy="4583866"/>
+          </a:xfrm>
+        </p:spPr>
+        <p:txBody>
+          <a:bodyPr/>
+          <a:lstStyle/>
+          <a:p>
+            <a:pPr marL="0" indent="0"/>
+            <a:r>
+              <a:rPr lang="en-US" dirty="0">
+                <a:cs typeface="Arial"/>
+              </a:rPr>
+              <a:t> Feed-forward Neural Networks</a:t>
+            </a:r>
+            <a:endParaRPr lang="de-DE" dirty="0"/>
+          </a:p>
+          <a:p>
+            <a:pPr marL="513080" lvl="1" indent="-342900"/>
+            <a:r>
+              <a:rPr lang="en-US" dirty="0">
+                <a:ea typeface="+mn-lt"/>
+                <a:cs typeface="+mn-lt"/>
+              </a:rPr>
+              <a:t>...</a:t>
+            </a:r>
+            <a:endParaRPr lang="en-US" dirty="0"/>
+          </a:p>
+          <a:p>
+            <a:pPr marL="179070" indent="-179070"/>
+            <a:endParaRPr lang="en-US" dirty="0">
+              <a:cs typeface="Arial"/>
+            </a:endParaRPr>
+          </a:p>
+          <a:p>
+            <a:pPr marL="179070" indent="-179070"/>
+            <a:endParaRPr lang="en-US" dirty="0">
+              <a:cs typeface="Arial"/>
+            </a:endParaRPr>
+          </a:p>
+          <a:p>
+            <a:pPr marL="179070" indent="-179070"/>
+            <a:r>
+              <a:rPr lang="en-US" dirty="0">
+                <a:ea typeface="+mn-lt"/>
+                <a:cs typeface="+mn-lt"/>
+              </a:rPr>
+              <a:t>Convolutional Neural Networks</a:t>
+            </a:r>
+            <a:endParaRPr lang="en-US" b="0" dirty="0">
+              <a:ea typeface="+mn-lt"/>
+              <a:cs typeface="+mn-lt"/>
+            </a:endParaRPr>
+          </a:p>
+          <a:p>
+            <a:pPr marL="513080" lvl="1" indent="-342900">
+              <a:buFont typeface="Wingdings"/>
+            </a:pPr>
+            <a:r>
+              <a:rPr lang="en-US" sz="2000" dirty="0">
+                <a:cs typeface="Arial"/>
+              </a:rPr>
+              <a:t>...</a:t>
+            </a:r>
+            <a:endParaRPr lang="en-US" sz="2000" dirty="0">
+              <a:ea typeface="+mn-lt"/>
+              <a:cs typeface="+mn-lt"/>
+            </a:endParaRPr>
+          </a:p>
+          <a:p>
+            <a:pPr marL="179070" indent="0"/>
+            <a:endParaRPr lang="en-US" b="0" dirty="0">
+              <a:ea typeface="+mn-lt"/>
+              <a:cs typeface="+mn-lt"/>
+            </a:endParaRPr>
+          </a:p>
+          <a:p>
+            <a:pPr marL="179070" indent="0"/>
+            <a:endParaRPr lang="en-US" b="0" dirty="0">
+              <a:ea typeface="+mn-lt"/>
+              <a:cs typeface="+mn-lt"/>
+            </a:endParaRPr>
+          </a:p>
+          <a:p>
+            <a:pPr marL="0" indent="0"/>
+            <a:r>
+              <a:rPr lang="en-US" dirty="0">
+                <a:ea typeface="+mn-lt"/>
+                <a:cs typeface="+mn-lt"/>
+              </a:rPr>
+              <a:t>Image Classification</a:t>
+            </a:r>
+            <a:endParaRPr lang="en-US" b="0" dirty="0">
+              <a:ea typeface="+mn-lt"/>
+              <a:cs typeface="+mn-lt"/>
+            </a:endParaRPr>
+          </a:p>
+          <a:p>
+            <a:pPr marL="474345" lvl="2" indent="-285750">
+              <a:buFont typeface="Wingdings"/>
+            </a:pPr>
+            <a:r>
+              <a:rPr lang="en-US" sz="2000" dirty="0">
+                <a:ea typeface="+mn-lt"/>
+                <a:cs typeface="+mn-lt"/>
+              </a:rPr>
+              <a:t>...</a:t>
+            </a:r>
+            <a:br>
+              <a:rPr lang="en-US" dirty="0"/>
+            </a:br>
+            <a:endParaRPr lang="en-US">
+              <a:cs typeface="Arial"/>
+            </a:endParaRPr>
+          </a:p>
+          <a:p>
+            <a:pPr marL="179070" indent="-179070"/>
+            <a:br>
+              <a:rPr lang="en-US" dirty="0"/>
+            </a:br>
+            <a:endParaRPr lang="en-US" dirty="0"/>
+          </a:p>
+          <a:p>
+            <a:pPr lvl="1"/>
+            <a:endParaRPr lang="en-US" dirty="0">
+              <a:cs typeface="Arial"/>
+            </a:endParaRPr>
+          </a:p>
+        </p:txBody>
+      </p:sp>
+    </p:spTree>
+    <p:extLst>
+      <p:ext uri="{BB962C8B-B14F-4D97-AF65-F5344CB8AC3E}">
+        <p14:creationId xmlns:p14="http://schemas.microsoft.com/office/powerpoint/2010/main" val="2450162298"/>
+      </p:ext>
+    </p:extLst>
+  </p:cSld>
+  <p:clrMapOvr>
+    <a:masterClrMapping/>
+  </p:clrMapOvr>
+</p:sld>
+</file>
+
+<file path=ppt/slides/slide7.xml><?xml version="1.0" encoding="utf-8"?>
+<p:sld xmlns:a="http://schemas.openxmlformats.org/drawingml/2006/main" xmlns:r="http://schemas.openxmlformats.org/officeDocument/2006/relationships" xmlns:p="http://schemas.openxmlformats.org/presentationml/2006/main">
+  <p:cSld>
+    <p:spTree>
+      <p:nvGrpSpPr>
+        <p:cNvPr id="1" name=""/>
+        <p:cNvGrpSpPr/>
+        <p:nvPr/>
+      </p:nvGrpSpPr>
+      <p:grpSpPr>
+        <a:xfrm>
+          <a:off x="0" y="0"/>
+          <a:ext cx="0" cy="0"/>
+          <a:chOff x="0" y="0"/>
+          <a:chExt cx="0" cy="0"/>
+        </a:xfrm>
+      </p:grpSpPr>
+      <p:sp>
+        <p:nvSpPr>
+          <p:cNvPr id="4" name="Fußzeilenplatzhalter 3"/>
+          <p:cNvSpPr>
+            <a:spLocks noGrp="1"/>
+          </p:cNvSpPr>
+          <p:nvPr>
+            <p:ph type="ftr" sz="quarter" idx="10"/>
+          </p:nvPr>
+        </p:nvSpPr>
+        <p:spPr/>
+        <p:txBody>
+          <a:bodyPr/>
+          <a:lstStyle/>
+          <a:p>
+            <a:pPr>
+              <a:defRPr/>
+            </a:pPr>
+            <a:endParaRPr lang="de-DE"/>
+          </a:p>
+          <a:p>
+            <a:pPr>
+              <a:defRPr/>
+            </a:pPr>
+            <a:endParaRPr lang="de-DE"/>
+          </a:p>
+        </p:txBody>
+      </p:sp>
+      <p:sp>
+        <p:nvSpPr>
+          <p:cNvPr id="5" name="Titel 4"/>
+          <p:cNvSpPr>
+            <a:spLocks noGrp="1"/>
+          </p:cNvSpPr>
+          <p:nvPr>
+            <p:ph type="title"/>
+          </p:nvPr>
+        </p:nvSpPr>
+        <p:spPr/>
+        <p:txBody>
+          <a:bodyPr/>
+          <a:lstStyle/>
+          <a:p>
+            <a:r>
+              <a:rPr lang="en-US" dirty="0">
+                <a:cs typeface="Arial"/>
+              </a:rPr>
+              <a:t>Related Work I</a:t>
+            </a:r>
+          </a:p>
+        </p:txBody>
+      </p:sp>
+      <p:sp>
+        <p:nvSpPr>
+          <p:cNvPr id="2" name="Rechteck: abgerundete Ecken 1">
+            <a:extLst>
+              <a:ext uri="{FF2B5EF4-FFF2-40B4-BE49-F238E27FC236}">
+                <a16:creationId xmlns:a16="http://schemas.microsoft.com/office/drawing/2014/main" id="{C6F9F1D7-5867-484C-81EF-E31F5D55F722}"/>
+              </a:ext>
+            </a:extLst>
+          </p:cNvPr>
+          <p:cNvSpPr/>
+          <p:nvPr/>
+        </p:nvSpPr>
+        <p:spPr bwMode="auto">
+          <a:xfrm>
+            <a:off x="425640" y="1619819"/>
+            <a:ext cx="611037" cy="546818"/>
+          </a:xfrm>
+          <a:prstGeom prst="roundRect">
+            <a:avLst/>
+          </a:prstGeom>
+          <a:solidFill>
+            <a:schemeClr val="accent6">
+              <a:lumMod val="60000"/>
+              <a:lumOff val="40000"/>
+            </a:schemeClr>
+          </a:solidFill>
+          <a:ln w="9525" cap="flat" cmpd="sng" algn="ctr">
+            <a:solidFill>
+              <a:schemeClr val="tx1"/>
+            </a:solidFill>
+            <a:prstDash val="solid"/>
+            <a:round/>
+            <a:headEnd type="none" w="med" len="med"/>
+            <a:tailEnd type="none" w="med" len="med"/>
+          </a:ln>
+          <a:effectLst/>
+          <a:extLst>
+            <a:ext uri="{AF507438-7753-43E0-B8FC-AC1667EBCBE1}">
+              <a14:hiddenEffects xmlns:a14="http://schemas.microsoft.com/office/drawing/2010/main">
+                <a:effectLst>
+                  <a:outerShdw dist="35921" dir="2700000" algn="ctr" rotWithShape="0">
+                    <a:schemeClr val="bg2"/>
+                  </a:outerShdw>
+                </a:effectLst>
+              </a14:hiddenEffects>
+            </a:ext>
+          </a:extLst>
+        </p:spPr>
+        <p:txBody>
+          <a:bodyPr vert="horz" wrap="none" lIns="91440" tIns="45720" rIns="91440" bIns="45720" numCol="1" rtlCol="0" anchor="ctr" anchorCtr="0" compatLnSpc="1">
+            <a:prstTxWarp prst="textNoShape">
+              <a:avLst/>
+            </a:prstTxWarp>
+          </a:bodyPr>
+          <a:lstStyle/>
+          <a:p>
+            <a:pPr marL="0" marR="0" indent="0" algn="ctr" defTabSz="449263" rtl="0" eaLnBrk="1" fontAlgn="base" latinLnBrk="0" hangingPunct="1">
+              <a:lnSpc>
+                <a:spcPct val="93000"/>
+              </a:lnSpc>
+              <a:spcBef>
+                <a:spcPct val="0"/>
+              </a:spcBef>
+              <a:spcAft>
+                <a:spcPct val="0"/>
+              </a:spcAft>
+              <a:buClr>
+                <a:srgbClr val="000000"/>
+              </a:buClr>
+              <a:buSzPct val="100000"/>
+              <a:buFont typeface="Arial" charset="0"/>
+              <a:buNone/>
+              <a:tabLst/>
+            </a:pPr>
+            <a:r>
+              <a:rPr lang="de-DE">
+                <a:latin typeface="Arial"/>
+                <a:cs typeface="Arial"/>
+              </a:rPr>
+              <a:t>Int</a:t>
+            </a:r>
+            <a:endParaRPr lang="de-DE" sz="1800" b="0" i="0" u="none" strike="noStrike" cap="none" normalizeH="0" baseline="0" dirty="0" err="1">
+              <a:ln>
+                <a:noFill/>
+              </a:ln>
+              <a:solidFill>
+                <a:schemeClr val="bg1"/>
+              </a:solidFill>
+              <a:effectLst/>
+              <a:latin typeface="Arial" charset="0"/>
+              <a:cs typeface="Arial"/>
+            </a:endParaRPr>
+          </a:p>
+        </p:txBody>
+      </p:sp>
+      <p:sp>
+        <p:nvSpPr>
+          <p:cNvPr id="11" name="Rechteck: abgerundete Ecken 10">
+            <a:extLst>
+              <a:ext uri="{FF2B5EF4-FFF2-40B4-BE49-F238E27FC236}">
+                <a16:creationId xmlns:a16="http://schemas.microsoft.com/office/drawing/2014/main" id="{05CCFCE9-B7D5-46EC-8F1A-0A4D9ECD91FB}"/>
+              </a:ext>
+            </a:extLst>
+          </p:cNvPr>
+          <p:cNvSpPr/>
+          <p:nvPr/>
+        </p:nvSpPr>
+        <p:spPr bwMode="auto">
+          <a:xfrm>
+            <a:off x="421652" y="2322869"/>
+            <a:ext cx="610898" cy="546401"/>
+          </a:xfrm>
+          <a:prstGeom prst="roundRect">
+            <a:avLst/>
+          </a:prstGeom>
+          <a:solidFill>
+            <a:schemeClr val="accent6">
+              <a:lumMod val="60000"/>
+              <a:lumOff val="40000"/>
+            </a:schemeClr>
+          </a:solidFill>
+          <a:ln w="9525" cap="flat" cmpd="sng" algn="ctr">
+            <a:solidFill>
+              <a:schemeClr val="tx1"/>
+            </a:solidFill>
+            <a:prstDash val="solid"/>
+            <a:round/>
+            <a:headEnd type="none" w="med" len="med"/>
+            <a:tailEnd type="none" w="med" len="med"/>
+          </a:ln>
+          <a:effectLst/>
+          <a:extLst>
+            <a:ext uri="{AF507438-7753-43E0-B8FC-AC1667EBCBE1}">
+              <a14:hiddenEffects xmlns:a14="http://schemas.microsoft.com/office/drawing/2010/main">
+                <a:effectLst>
+                  <a:outerShdw dist="35921" dir="2700000" algn="ctr" rotWithShape="0">
+                    <a:schemeClr val="bg2"/>
+                  </a:outerShdw>
+                </a:effectLst>
+              </a14:hiddenEffects>
+            </a:ext>
+          </a:extLst>
+        </p:spPr>
+        <p:txBody>
+          <a:bodyPr vert="horz" wrap="none" lIns="91440" tIns="45720" rIns="91440" bIns="45720" numCol="1" rtlCol="0" anchor="ctr" anchorCtr="0" compatLnSpc="1">
+            <a:prstTxWarp prst="textNoShape">
+              <a:avLst/>
+            </a:prstTxWarp>
+          </a:bodyPr>
+          <a:lstStyle/>
+          <a:p>
+            <a:pPr marL="0" marR="0" indent="0" algn="ctr" defTabSz="449263" rtl="0" eaLnBrk="1" fontAlgn="base" latinLnBrk="0" hangingPunct="1">
+              <a:lnSpc>
+                <a:spcPct val="93000"/>
+              </a:lnSpc>
+              <a:spcBef>
+                <a:spcPct val="0"/>
+              </a:spcBef>
+              <a:spcAft>
+                <a:spcPct val="0"/>
+              </a:spcAft>
+              <a:buClr>
+                <a:srgbClr val="000000"/>
+              </a:buClr>
+              <a:buSzPct val="100000"/>
+              <a:buFont typeface="Arial" charset="0"/>
+              <a:buNone/>
+              <a:tabLst/>
+            </a:pPr>
+            <a:r>
+              <a:rPr lang="de-DE">
+                <a:latin typeface="Arial"/>
+                <a:cs typeface="Arial"/>
+              </a:rPr>
+              <a:t>Mot</a:t>
+            </a:r>
+            <a:endParaRPr lang="de-DE" dirty="0">
+              <a:latin typeface="Arial"/>
+              <a:cs typeface="Arial"/>
+            </a:endParaRPr>
+          </a:p>
+        </p:txBody>
+      </p:sp>
+      <p:sp>
+        <p:nvSpPr>
+          <p:cNvPr id="12" name="Rechteck: abgerundete Ecken 11">
+            <a:extLst>
+              <a:ext uri="{FF2B5EF4-FFF2-40B4-BE49-F238E27FC236}">
+                <a16:creationId xmlns:a16="http://schemas.microsoft.com/office/drawing/2014/main" id="{004E5F0F-C714-4C00-BFC6-4CEDFBF93F7D}"/>
+              </a:ext>
+            </a:extLst>
+          </p:cNvPr>
+          <p:cNvSpPr/>
+          <p:nvPr/>
+        </p:nvSpPr>
+        <p:spPr bwMode="auto">
+          <a:xfrm>
+            <a:off x="421788" y="3021239"/>
+            <a:ext cx="614887" cy="546540"/>
+          </a:xfrm>
+          <a:prstGeom prst="roundRect">
+            <a:avLst/>
+          </a:prstGeom>
+          <a:solidFill>
+            <a:schemeClr val="accent6"/>
+          </a:solidFill>
+          <a:ln w="9525" cap="flat" cmpd="sng" algn="ctr">
+            <a:solidFill>
+              <a:schemeClr val="tx1"/>
+            </a:solidFill>
+            <a:prstDash val="solid"/>
+            <a:round/>
+            <a:headEnd type="none" w="med" len="med"/>
+            <a:tailEnd type="none" w="med" len="med"/>
+          </a:ln>
+          <a:effectLst/>
+          <a:extLst>
+            <a:ext uri="{AF507438-7753-43E0-B8FC-AC1667EBCBE1}">
+              <a14:hiddenEffects xmlns:a14="http://schemas.microsoft.com/office/drawing/2010/main">
+                <a:effectLst>
+                  <a:outerShdw dist="35921" dir="2700000" algn="ctr" rotWithShape="0">
+                    <a:schemeClr val="bg2"/>
+                  </a:outerShdw>
+                </a:effectLst>
+              </a14:hiddenEffects>
+            </a:ext>
+          </a:extLst>
+        </p:spPr>
+        <p:txBody>
+          <a:bodyPr vert="horz" wrap="none" lIns="91440" tIns="45720" rIns="91440" bIns="45720" numCol="1" rtlCol="0" anchor="ctr" anchorCtr="0" compatLnSpc="1">
+            <a:prstTxWarp prst="textNoShape">
+              <a:avLst/>
+            </a:prstTxWarp>
+          </a:bodyPr>
+          <a:lstStyle/>
+          <a:p>
+            <a:pPr marL="0" marR="0" indent="0" algn="ctr" defTabSz="449263" rtl="0" eaLnBrk="1" fontAlgn="base" latinLnBrk="0" hangingPunct="1">
+              <a:lnSpc>
+                <a:spcPct val="93000"/>
+              </a:lnSpc>
+              <a:spcBef>
+                <a:spcPct val="0"/>
+              </a:spcBef>
+              <a:spcAft>
+                <a:spcPct val="0"/>
+              </a:spcAft>
+              <a:buClr>
+                <a:srgbClr val="000000"/>
+              </a:buClr>
+              <a:buSzPct val="100000"/>
+              <a:buFont typeface="Arial" charset="0"/>
+              <a:buNone/>
+              <a:tabLst/>
+            </a:pPr>
+            <a:r>
+              <a:rPr lang="de-DE" dirty="0">
+                <a:latin typeface="Arial"/>
+                <a:cs typeface="Arial"/>
+              </a:rPr>
+              <a:t>B&amp;R</a:t>
+            </a:r>
+            <a:endParaRPr lang="de-DE" sz="1800" b="0" i="0" u="none" strike="noStrike" cap="none" normalizeH="0" baseline="0" dirty="0" err="1">
+              <a:ln>
+                <a:noFill/>
+              </a:ln>
+              <a:solidFill>
+                <a:schemeClr val="bg1"/>
+              </a:solidFill>
+              <a:effectLst/>
+              <a:latin typeface="Arial" charset="0"/>
+              <a:cs typeface="Arial"/>
+            </a:endParaRPr>
+          </a:p>
+        </p:txBody>
+      </p:sp>
+      <p:sp>
+        <p:nvSpPr>
+          <p:cNvPr id="13" name="Rechteck: abgerundete Ecken 12">
+            <a:extLst>
+              <a:ext uri="{FF2B5EF4-FFF2-40B4-BE49-F238E27FC236}">
+                <a16:creationId xmlns:a16="http://schemas.microsoft.com/office/drawing/2014/main" id="{58C542FF-8FB8-44AF-84C1-1AE6A6326950}"/>
+              </a:ext>
+            </a:extLst>
+          </p:cNvPr>
+          <p:cNvSpPr/>
+          <p:nvPr/>
+        </p:nvSpPr>
+        <p:spPr bwMode="auto">
+          <a:xfrm>
+            <a:off x="425917" y="4115879"/>
+            <a:ext cx="602569" cy="546540"/>
+          </a:xfrm>
+          <a:prstGeom prst="roundRect">
+            <a:avLst/>
+          </a:prstGeom>
+          <a:solidFill>
+            <a:schemeClr val="accent6">
+              <a:lumMod val="60000"/>
+              <a:lumOff val="40000"/>
+            </a:schemeClr>
+          </a:solidFill>
+          <a:ln w="9525" cap="flat" cmpd="sng" algn="ctr">
+            <a:solidFill>
+              <a:schemeClr val="tx1"/>
+            </a:solidFill>
+            <a:prstDash val="solid"/>
+            <a:round/>
+            <a:headEnd type="none" w="med" len="med"/>
+            <a:tailEnd type="none" w="med" len="med"/>
+          </a:ln>
+          <a:effectLst/>
+          <a:extLst>
+            <a:ext uri="{AF507438-7753-43E0-B8FC-AC1667EBCBE1}">
+              <a14:hiddenEffects xmlns:a14="http://schemas.microsoft.com/office/drawing/2010/main">
+                <a:effectLst>
+                  <a:outerShdw dist="35921" dir="2700000" algn="ctr" rotWithShape="0">
+                    <a:schemeClr val="bg2"/>
+                  </a:outerShdw>
+                </a:effectLst>
+              </a14:hiddenEffects>
+            </a:ext>
+          </a:extLst>
+        </p:spPr>
+        <p:txBody>
+          <a:bodyPr vert="horz" wrap="none" lIns="91440" tIns="45720" rIns="91440" bIns="45720" numCol="1" rtlCol="0" anchor="ctr" anchorCtr="0" compatLnSpc="1">
+            <a:prstTxWarp prst="textNoShape">
+              <a:avLst/>
+            </a:prstTxWarp>
+          </a:bodyPr>
+          <a:lstStyle/>
+          <a:p>
+            <a:r>
+              <a:rPr lang="de-DE">
+                <a:latin typeface="Arial"/>
+                <a:cs typeface="Arial"/>
+              </a:rPr>
+              <a:t>Task</a:t>
+            </a:r>
+            <a:endParaRPr lang="de-DE" sz="1800" b="0" i="0" u="none" strike="noStrike" cap="none" normalizeH="0" baseline="0" dirty="0" err="1">
+              <a:ln>
+                <a:noFill/>
+              </a:ln>
+              <a:solidFill>
+                <a:schemeClr val="bg1"/>
+              </a:solidFill>
+              <a:effectLst/>
+              <a:latin typeface="Arial" charset="0"/>
+              <a:cs typeface="Arial"/>
+            </a:endParaRPr>
+          </a:p>
+        </p:txBody>
+      </p:sp>
+      <p:sp>
+        <p:nvSpPr>
+          <p:cNvPr id="14" name="Rechteck: abgerundete Ecken 13">
+            <a:extLst>
+              <a:ext uri="{FF2B5EF4-FFF2-40B4-BE49-F238E27FC236}">
+                <a16:creationId xmlns:a16="http://schemas.microsoft.com/office/drawing/2014/main" id="{EF3D045F-F08A-40C3-8DF5-7395802E384D}"/>
+              </a:ext>
+            </a:extLst>
+          </p:cNvPr>
+          <p:cNvSpPr/>
+          <p:nvPr/>
+        </p:nvSpPr>
+        <p:spPr bwMode="auto">
+          <a:xfrm>
+            <a:off x="429764" y="4818513"/>
+            <a:ext cx="606634" cy="554793"/>
+          </a:xfrm>
+          <a:prstGeom prst="roundRect">
+            <a:avLst/>
+          </a:prstGeom>
+          <a:solidFill>
+            <a:schemeClr val="accent6">
+              <a:lumMod val="60000"/>
+              <a:lumOff val="40000"/>
+            </a:schemeClr>
+          </a:solidFill>
+          <a:ln w="9525" cap="flat" cmpd="sng" algn="ctr">
+            <a:solidFill>
+              <a:schemeClr val="tx1"/>
+            </a:solidFill>
+            <a:prstDash val="solid"/>
+            <a:round/>
+            <a:headEnd type="none" w="med" len="med"/>
+            <a:tailEnd type="none" w="med" len="med"/>
+          </a:ln>
+          <a:effectLst/>
+          <a:extLst>
+            <a:ext uri="{AF507438-7753-43E0-B8FC-AC1667EBCBE1}">
+              <a14:hiddenEffects xmlns:a14="http://schemas.microsoft.com/office/drawing/2010/main">
+                <a:effectLst>
+                  <a:outerShdw dist="35921" dir="2700000" algn="ctr" rotWithShape="0">
+                    <a:schemeClr val="bg2"/>
+                  </a:outerShdw>
+                </a:effectLst>
+              </a14:hiddenEffects>
+            </a:ext>
+          </a:extLst>
+        </p:spPr>
+        <p:txBody>
+          <a:bodyPr vert="horz" wrap="none" lIns="91440" tIns="45720" rIns="91440" bIns="45720" numCol="1" rtlCol="0" anchor="ctr" anchorCtr="0" compatLnSpc="1">
+            <a:prstTxWarp prst="textNoShape">
+              <a:avLst/>
+            </a:prstTxWarp>
+          </a:bodyPr>
+          <a:lstStyle/>
+          <a:p>
+            <a:pPr marL="0" marR="0" indent="0" algn="ctr" defTabSz="449263" rtl="0" eaLnBrk="1" fontAlgn="base" latinLnBrk="0" hangingPunct="1">
+              <a:lnSpc>
+                <a:spcPct val="93000"/>
+              </a:lnSpc>
+              <a:spcBef>
+                <a:spcPct val="0"/>
+              </a:spcBef>
+              <a:spcAft>
+                <a:spcPct val="0"/>
+              </a:spcAft>
+              <a:buClr>
+                <a:srgbClr val="000000"/>
+              </a:buClr>
+              <a:buSzPct val="100000"/>
+              <a:buFont typeface="Arial" charset="0"/>
+              <a:buNone/>
+              <a:tabLst/>
+            </a:pPr>
+            <a:r>
+              <a:rPr lang="de-DE">
+                <a:latin typeface="Arial"/>
+                <a:cs typeface="Arial"/>
+              </a:rPr>
+              <a:t>Pro</a:t>
+            </a:r>
+            <a:endParaRPr lang="de-DE" dirty="0">
+              <a:latin typeface="Arial" charset="0"/>
+              <a:cs typeface="Arial"/>
+            </a:endParaRPr>
+          </a:p>
+        </p:txBody>
+      </p:sp>
+      <p:sp>
+        <p:nvSpPr>
+          <p:cNvPr id="15" name="Rechteck: abgerundete Ecken 14">
+            <a:extLst>
+              <a:ext uri="{FF2B5EF4-FFF2-40B4-BE49-F238E27FC236}">
+                <a16:creationId xmlns:a16="http://schemas.microsoft.com/office/drawing/2014/main" id="{BCA8401E-F416-4694-80C9-13FD0BD74AFE}"/>
+              </a:ext>
+            </a:extLst>
+          </p:cNvPr>
+          <p:cNvSpPr/>
+          <p:nvPr/>
+        </p:nvSpPr>
+        <p:spPr bwMode="auto">
+          <a:xfrm>
+            <a:off x="421787" y="5525274"/>
+            <a:ext cx="614887" cy="554793"/>
+          </a:xfrm>
+          <a:prstGeom prst="roundRect">
+            <a:avLst/>
+          </a:prstGeom>
+          <a:solidFill>
+            <a:schemeClr val="accent6">
+              <a:lumMod val="60000"/>
+              <a:lumOff val="40000"/>
+            </a:schemeClr>
+          </a:solidFill>
+          <a:ln w="9525" cap="flat" cmpd="sng" algn="ctr">
+            <a:solidFill>
+              <a:schemeClr val="tx1"/>
+            </a:solidFill>
+            <a:prstDash val="solid"/>
+            <a:round/>
+            <a:headEnd type="none" w="med" len="med"/>
+            <a:tailEnd type="none" w="med" len="med"/>
+          </a:ln>
+          <a:effectLst/>
+          <a:extLst>
+            <a:ext uri="{AF507438-7753-43E0-B8FC-AC1667EBCBE1}">
+              <a14:hiddenEffects xmlns:a14="http://schemas.microsoft.com/office/drawing/2010/main">
+                <a:effectLst>
+                  <a:outerShdw dist="35921" dir="2700000" algn="ctr" rotWithShape="0">
+                    <a:schemeClr val="bg2"/>
+                  </a:outerShdw>
+                </a:effectLst>
+              </a14:hiddenEffects>
+            </a:ext>
+          </a:extLst>
+        </p:spPr>
+        <p:txBody>
+          <a:bodyPr vert="horz" wrap="none" lIns="91440" tIns="45720" rIns="91440" bIns="45720" numCol="1" rtlCol="0" anchor="ctr" anchorCtr="0" compatLnSpc="1">
+            <a:prstTxWarp prst="textNoShape">
+              <a:avLst/>
+            </a:prstTxWarp>
+          </a:bodyPr>
+          <a:lstStyle/>
+          <a:p>
+            <a:pPr marL="0" marR="0" indent="0" algn="ctr" defTabSz="449263" rtl="0" eaLnBrk="1" fontAlgn="base" latinLnBrk="0" hangingPunct="1">
+              <a:lnSpc>
+                <a:spcPct val="93000"/>
+              </a:lnSpc>
+              <a:spcBef>
+                <a:spcPct val="0"/>
+              </a:spcBef>
+              <a:spcAft>
+                <a:spcPct val="0"/>
+              </a:spcAft>
+              <a:buClr>
+                <a:srgbClr val="000000"/>
+              </a:buClr>
+              <a:buSzPct val="100000"/>
+              <a:buFont typeface="Arial" charset="0"/>
+              <a:buNone/>
+              <a:tabLst/>
+            </a:pPr>
+            <a:r>
+              <a:rPr lang="de-DE">
+                <a:latin typeface="Arial"/>
+                <a:cs typeface="Arial"/>
+              </a:rPr>
+              <a:t>Out</a:t>
+            </a:r>
+            <a:endParaRPr lang="de-DE" dirty="0">
+              <a:latin typeface="Arial" charset="0"/>
+              <a:cs typeface="Arial"/>
+            </a:endParaRPr>
+          </a:p>
+        </p:txBody>
+      </p:sp>
+      <p:cxnSp>
+        <p:nvCxnSpPr>
+          <p:cNvPr id="3" name="Gerade Verbindung mit Pfeil 2">
+            <a:extLst>
+              <a:ext uri="{FF2B5EF4-FFF2-40B4-BE49-F238E27FC236}">
+                <a16:creationId xmlns:a16="http://schemas.microsoft.com/office/drawing/2014/main" id="{FF1A532A-7997-40B5-A73C-28ED39C9866D}"/>
+              </a:ext>
+            </a:extLst>
+          </p:cNvPr>
+          <p:cNvCxnSpPr/>
+          <p:nvPr/>
+        </p:nvCxnSpPr>
+        <p:spPr bwMode="auto">
+          <a:xfrm flipH="1">
+            <a:off x="1109165" y="1511071"/>
+            <a:ext cx="14028" cy="4822056"/>
+          </a:xfrm>
+          <a:prstGeom prst="straightConnector1">
+            <a:avLst/>
+          </a:prstGeom>
+          <a:solidFill>
+            <a:schemeClr val="accent2"/>
+          </a:solidFill>
+          <a:ln w="9525" cap="flat" cmpd="sng" algn="ctr">
+            <a:solidFill>
+              <a:schemeClr val="tx1"/>
+            </a:solidFill>
+            <a:prstDash val="solid"/>
+            <a:round/>
+            <a:headEnd type="none" w="med" len="med"/>
+            <a:tailEnd type="none" w="med" len="med"/>
+          </a:ln>
+          <a:effectLst/>
+          <a:extLst>
+            <a:ext uri="{AF507438-7753-43E0-B8FC-AC1667EBCBE1}">
+              <a14:hiddenEffects xmlns:a14="http://schemas.microsoft.com/office/drawing/2010/main">
+                <a:effectLst>
+                  <a:outerShdw dist="35921" dir="2700000" algn="ctr" rotWithShape="0">
+                    <a:schemeClr val="bg2"/>
+                  </a:outerShdw>
+                </a:effectLst>
+              </a14:hiddenEffects>
+            </a:ext>
+          </a:extLst>
+        </p:spPr>
+      </p:cxnSp>
+      <p:cxnSp>
+        <p:nvCxnSpPr>
+          <p:cNvPr id="6" name="Gerade Verbindung mit Pfeil 5">
+            <a:extLst>
+              <a:ext uri="{FF2B5EF4-FFF2-40B4-BE49-F238E27FC236}">
+                <a16:creationId xmlns:a16="http://schemas.microsoft.com/office/drawing/2014/main" id="{4052B892-F5AD-4830-A4AF-EC12BAB966C0}"/>
+              </a:ext>
+            </a:extLst>
+          </p:cNvPr>
+          <p:cNvCxnSpPr/>
+          <p:nvPr/>
+        </p:nvCxnSpPr>
+        <p:spPr bwMode="auto">
+          <a:xfrm flipV="1">
+            <a:off x="417587" y="3844936"/>
+            <a:ext cx="609050" cy="1650"/>
+          </a:xfrm>
+          <a:prstGeom prst="straightConnector1">
+            <a:avLst/>
+          </a:prstGeom>
+          <a:solidFill>
+            <a:schemeClr val="accent2"/>
+          </a:solidFill>
+          <a:ln w="9525" cap="flat" cmpd="sng" algn="ctr">
+            <a:solidFill>
+              <a:schemeClr val="tx1"/>
+            </a:solidFill>
+            <a:prstDash val="dash"/>
+            <a:round/>
+            <a:headEnd type="none" w="med" len="med"/>
+            <a:tailEnd type="none" w="med" len="med"/>
+          </a:ln>
+          <a:effectLst/>
+          <a:extLst>
+            <a:ext uri="{AF507438-7753-43E0-B8FC-AC1667EBCBE1}">
+              <a14:hiddenEffects xmlns:a14="http://schemas.microsoft.com/office/drawing/2010/main">
+                <a:effectLst>
+                  <a:outerShdw dist="35921" dir="2700000" algn="ctr" rotWithShape="0">
+                    <a:schemeClr val="bg2"/>
+                  </a:outerShdw>
+                </a:effectLst>
+              </a14:hiddenEffects>
+            </a:ext>
+          </a:extLst>
+        </p:spPr>
+      </p:cxnSp>
+      <p:sp>
+        <p:nvSpPr>
+          <p:cNvPr id="9" name="Textplatzhalter 5">
+            <a:extLst>
+              <a:ext uri="{FF2B5EF4-FFF2-40B4-BE49-F238E27FC236}">
+                <a16:creationId xmlns:a16="http://schemas.microsoft.com/office/drawing/2014/main" id="{2F5C2DC8-4813-4FF1-A53F-638AD69203E7}"/>
+              </a:ext>
+            </a:extLst>
+          </p:cNvPr>
+          <p:cNvSpPr>
+            <a:spLocks noGrp="1"/>
+          </p:cNvSpPr>
+          <p:nvPr>
+            <p:ph type="body" idx="1"/>
+          </p:nvPr>
+        </p:nvSpPr>
+        <p:spPr>
+          <a:xfrm>
+            <a:off x="1275915" y="1623879"/>
+            <a:ext cx="7663799" cy="4583866"/>
+          </a:xfrm>
+        </p:spPr>
+        <p:txBody>
+          <a:bodyPr/>
+          <a:lstStyle/>
+          <a:p>
+            <a:pPr marL="0" indent="0"/>
+            <a:r>
+              <a:rPr lang="en-US" dirty="0">
+                <a:cs typeface="Arial"/>
+              </a:rPr>
+              <a:t> Pruning</a:t>
+            </a:r>
+            <a:endParaRPr lang="de-DE" dirty="0"/>
+          </a:p>
+          <a:p>
+            <a:pPr marL="513080" lvl="1" indent="-342900"/>
+            <a:r>
+              <a:rPr lang="en-US" dirty="0">
+                <a:ea typeface="+mn-lt"/>
+                <a:cs typeface="+mn-lt"/>
+              </a:rPr>
+              <a:t>...</a:t>
+            </a:r>
+            <a:endParaRPr lang="en-US" dirty="0"/>
+          </a:p>
+          <a:p>
+            <a:pPr marL="179070" indent="-179070"/>
+            <a:endParaRPr lang="en-US" dirty="0">
+              <a:cs typeface="Arial"/>
+            </a:endParaRPr>
+          </a:p>
+          <a:p>
+            <a:pPr marL="179070" indent="-179070"/>
+            <a:endParaRPr lang="en-US" dirty="0">
+              <a:cs typeface="Arial"/>
+            </a:endParaRPr>
+          </a:p>
+          <a:p>
+            <a:pPr marL="179070" indent="-179070"/>
+            <a:r>
+              <a:rPr lang="en-US" dirty="0">
+                <a:ea typeface="+mn-lt"/>
+                <a:cs typeface="+mn-lt"/>
+              </a:rPr>
+              <a:t>Network </a:t>
+            </a:r>
+            <a:r>
+              <a:rPr lang="en-US" dirty="0" err="1">
+                <a:ea typeface="+mn-lt"/>
+                <a:cs typeface="+mn-lt"/>
+              </a:rPr>
+              <a:t>Arichtecture</a:t>
+            </a:r>
+            <a:endParaRPr lang="en-US" b="0" dirty="0" err="1">
+              <a:ea typeface="+mn-lt"/>
+              <a:cs typeface="+mn-lt"/>
+            </a:endParaRPr>
+          </a:p>
+          <a:p>
+            <a:pPr marL="513080" lvl="1" indent="-342900">
+              <a:buFont typeface="Wingdings"/>
+            </a:pPr>
+            <a:r>
+              <a:rPr lang="en-US" sz="2000" dirty="0">
+                <a:cs typeface="Arial"/>
+              </a:rPr>
+              <a:t>...</a:t>
+            </a:r>
+            <a:endParaRPr lang="en-US" sz="2000" dirty="0">
+              <a:ea typeface="+mn-lt"/>
+              <a:cs typeface="+mn-lt"/>
+            </a:endParaRPr>
+          </a:p>
+          <a:p>
+            <a:pPr marL="179070" indent="0"/>
+            <a:endParaRPr lang="en-US" b="0" dirty="0">
+              <a:ea typeface="+mn-lt"/>
+              <a:cs typeface="+mn-lt"/>
+            </a:endParaRPr>
+          </a:p>
+          <a:p>
+            <a:pPr marL="179070" indent="0"/>
+            <a:endParaRPr lang="en-US" b="0" dirty="0">
+              <a:ea typeface="+mn-lt"/>
+              <a:cs typeface="+mn-lt"/>
+            </a:endParaRPr>
+          </a:p>
+          <a:p>
+            <a:pPr marL="0" indent="0"/>
+            <a:br>
+              <a:rPr lang="en-US" dirty="0"/>
+            </a:br>
+            <a:endParaRPr lang="en-US" sz="1800" b="0">
+              <a:cs typeface="Arial"/>
+            </a:endParaRPr>
+          </a:p>
+          <a:p>
+            <a:pPr marL="179070" indent="-179070"/>
+            <a:br>
+              <a:rPr lang="en-US" dirty="0"/>
+            </a:br>
+            <a:endParaRPr lang="en-US" dirty="0"/>
+          </a:p>
+          <a:p>
+            <a:pPr lvl="1"/>
+            <a:endParaRPr lang="en-US" dirty="0">
+              <a:cs typeface="Arial"/>
+            </a:endParaRPr>
+          </a:p>
+        </p:txBody>
+      </p:sp>
+    </p:spTree>
+    <p:extLst>
+      <p:ext uri="{BB962C8B-B14F-4D97-AF65-F5344CB8AC3E}">
+        <p14:creationId xmlns:p14="http://schemas.microsoft.com/office/powerpoint/2010/main" val="770779447"/>
+      </p:ext>
+    </p:extLst>
+  </p:cSld>
+  <p:clrMapOvr>
+    <a:masterClrMapping/>
+  </p:clrMapOvr>
+</p:sld>
+</file>
+
+<file path=ppt/slides/slide8.xml><?xml version="1.0" encoding="utf-8"?>
+<p:sld xmlns:a="http://schemas.openxmlformats.org/drawingml/2006/main" xmlns:r="http://schemas.openxmlformats.org/officeDocument/2006/relationships" xmlns:p="http://schemas.openxmlformats.org/presentationml/2006/main">
+  <p:cSld>
+    <p:spTree>
+      <p:nvGrpSpPr>
+        <p:cNvPr id="1" name=""/>
+        <p:cNvGrpSpPr/>
+        <p:nvPr/>
+      </p:nvGrpSpPr>
+      <p:grpSpPr>
+        <a:xfrm>
+          <a:off x="0" y="0"/>
+          <a:ext cx="0" cy="0"/>
+          <a:chOff x="0" y="0"/>
+          <a:chExt cx="0" cy="0"/>
+        </a:xfrm>
+      </p:grpSpPr>
+      <p:sp>
+        <p:nvSpPr>
+          <p:cNvPr id="4" name="Fußzeilenplatzhalter 3"/>
+          <p:cNvSpPr>
+            <a:spLocks noGrp="1"/>
+          </p:cNvSpPr>
+          <p:nvPr>
+            <p:ph type="ftr" sz="quarter" idx="10"/>
+          </p:nvPr>
+        </p:nvSpPr>
+        <p:spPr/>
+        <p:txBody>
+          <a:bodyPr/>
+          <a:lstStyle/>
+          <a:p>
+            <a:pPr>
+              <a:defRPr/>
+            </a:pPr>
+            <a:endParaRPr lang="de-DE"/>
+          </a:p>
+          <a:p>
+            <a:pPr>
+              <a:defRPr/>
+            </a:pPr>
+            <a:endParaRPr lang="de-DE"/>
+          </a:p>
+        </p:txBody>
+      </p:sp>
+      <p:sp>
+        <p:nvSpPr>
+          <p:cNvPr id="5" name="Titel 4"/>
+          <p:cNvSpPr>
+            <a:spLocks noGrp="1"/>
+          </p:cNvSpPr>
+          <p:nvPr>
+            <p:ph type="title"/>
+          </p:nvPr>
+        </p:nvSpPr>
+        <p:spPr/>
+        <p:txBody>
+          <a:bodyPr/>
+          <a:lstStyle/>
+          <a:p>
+            <a:r>
+              <a:rPr lang="en-US" dirty="0">
+                <a:cs typeface="Arial"/>
+              </a:rPr>
+              <a:t>Task I</a:t>
+            </a:r>
+          </a:p>
+        </p:txBody>
+      </p:sp>
+      <p:sp>
+        <p:nvSpPr>
+          <p:cNvPr id="2" name="Rechteck: abgerundete Ecken 1">
+            <a:extLst>
+              <a:ext uri="{FF2B5EF4-FFF2-40B4-BE49-F238E27FC236}">
+                <a16:creationId xmlns:a16="http://schemas.microsoft.com/office/drawing/2014/main" id="{C6F9F1D7-5867-484C-81EF-E31F5D55F722}"/>
+              </a:ext>
+            </a:extLst>
+          </p:cNvPr>
+          <p:cNvSpPr/>
+          <p:nvPr/>
+        </p:nvSpPr>
+        <p:spPr bwMode="auto">
+          <a:xfrm>
+            <a:off x="425640" y="1619819"/>
+            <a:ext cx="611037" cy="546818"/>
+          </a:xfrm>
+          <a:prstGeom prst="roundRect">
+            <a:avLst/>
+          </a:prstGeom>
+          <a:solidFill>
+            <a:schemeClr val="accent6">
+              <a:lumMod val="60000"/>
+              <a:lumOff val="40000"/>
+            </a:schemeClr>
+          </a:solidFill>
+          <a:ln w="9525" cap="flat" cmpd="sng" algn="ctr">
+            <a:solidFill>
+              <a:schemeClr val="tx1"/>
+            </a:solidFill>
+            <a:prstDash val="solid"/>
+            <a:round/>
+            <a:headEnd type="none" w="med" len="med"/>
+            <a:tailEnd type="none" w="med" len="med"/>
+          </a:ln>
+          <a:effectLst/>
+          <a:extLst>
+            <a:ext uri="{AF507438-7753-43E0-B8FC-AC1667EBCBE1}">
+              <a14:hiddenEffects xmlns:a14="http://schemas.microsoft.com/office/drawing/2010/main">
+                <a:effectLst>
+                  <a:outerShdw dist="35921" dir="2700000" algn="ctr" rotWithShape="0">
+                    <a:schemeClr val="bg2"/>
+                  </a:outerShdw>
+                </a:effectLst>
+              </a14:hiddenEffects>
+            </a:ext>
+          </a:extLst>
+        </p:spPr>
+        <p:txBody>
+          <a:bodyPr vert="horz" wrap="none" lIns="91440" tIns="45720" rIns="91440" bIns="45720" numCol="1" rtlCol="0" anchor="ctr" anchorCtr="0" compatLnSpc="1">
+            <a:prstTxWarp prst="textNoShape">
+              <a:avLst/>
+            </a:prstTxWarp>
+          </a:bodyPr>
+          <a:lstStyle/>
+          <a:p>
+            <a:pPr marL="0" marR="0" indent="0" algn="ctr" defTabSz="449263" rtl="0" eaLnBrk="1" fontAlgn="base" latinLnBrk="0" hangingPunct="1">
+              <a:lnSpc>
+                <a:spcPct val="93000"/>
+              </a:lnSpc>
+              <a:spcBef>
+                <a:spcPct val="0"/>
+              </a:spcBef>
+              <a:spcAft>
+                <a:spcPct val="0"/>
+              </a:spcAft>
+              <a:buClr>
+                <a:srgbClr val="000000"/>
+              </a:buClr>
+              <a:buSzPct val="100000"/>
+              <a:buFont typeface="Arial" charset="0"/>
+              <a:buNone/>
+              <a:tabLst/>
+            </a:pPr>
+            <a:r>
+              <a:rPr lang="de-DE">
+                <a:latin typeface="Arial"/>
+                <a:cs typeface="Arial"/>
+              </a:rPr>
+              <a:t>Int</a:t>
+            </a:r>
+            <a:endParaRPr lang="de-DE" sz="1800" b="0" i="0" u="none" strike="noStrike" cap="none" normalizeH="0" baseline="0" dirty="0" err="1">
+              <a:ln>
+                <a:noFill/>
+              </a:ln>
+              <a:solidFill>
+                <a:schemeClr val="bg1"/>
+              </a:solidFill>
+              <a:effectLst/>
+              <a:latin typeface="Arial" charset="0"/>
+              <a:cs typeface="Arial"/>
+            </a:endParaRPr>
+          </a:p>
+        </p:txBody>
+      </p:sp>
+      <p:sp>
+        <p:nvSpPr>
+          <p:cNvPr id="11" name="Rechteck: abgerundete Ecken 10">
+            <a:extLst>
+              <a:ext uri="{FF2B5EF4-FFF2-40B4-BE49-F238E27FC236}">
+                <a16:creationId xmlns:a16="http://schemas.microsoft.com/office/drawing/2014/main" id="{05CCFCE9-B7D5-46EC-8F1A-0A4D9ECD91FB}"/>
+              </a:ext>
+            </a:extLst>
+          </p:cNvPr>
+          <p:cNvSpPr/>
+          <p:nvPr/>
+        </p:nvSpPr>
+        <p:spPr bwMode="auto">
+          <a:xfrm>
+            <a:off x="421652" y="2322869"/>
+            <a:ext cx="610898" cy="546401"/>
+          </a:xfrm>
+          <a:prstGeom prst="roundRect">
+            <a:avLst/>
+          </a:prstGeom>
+          <a:solidFill>
+            <a:schemeClr val="accent6">
+              <a:lumMod val="60000"/>
+              <a:lumOff val="40000"/>
+            </a:schemeClr>
+          </a:solidFill>
+          <a:ln w="9525" cap="flat" cmpd="sng" algn="ctr">
+            <a:solidFill>
+              <a:schemeClr val="tx1"/>
+            </a:solidFill>
+            <a:prstDash val="solid"/>
+            <a:round/>
+            <a:headEnd type="none" w="med" len="med"/>
+            <a:tailEnd type="none" w="med" len="med"/>
+          </a:ln>
+          <a:effectLst/>
+          <a:extLst>
+            <a:ext uri="{AF507438-7753-43E0-B8FC-AC1667EBCBE1}">
+              <a14:hiddenEffects xmlns:a14="http://schemas.microsoft.com/office/drawing/2010/main">
+                <a:effectLst>
+                  <a:outerShdw dist="35921" dir="2700000" algn="ctr" rotWithShape="0">
+                    <a:schemeClr val="bg2"/>
+                  </a:outerShdw>
+                </a:effectLst>
+              </a14:hiddenEffects>
+            </a:ext>
+          </a:extLst>
+        </p:spPr>
+        <p:txBody>
+          <a:bodyPr vert="horz" wrap="none" lIns="91440" tIns="45720" rIns="91440" bIns="45720" numCol="1" rtlCol="0" anchor="ctr" anchorCtr="0" compatLnSpc="1">
+            <a:prstTxWarp prst="textNoShape">
+              <a:avLst/>
+            </a:prstTxWarp>
+          </a:bodyPr>
+          <a:lstStyle/>
+          <a:p>
+            <a:pPr marL="0" marR="0" indent="0" algn="ctr" defTabSz="449263" rtl="0" eaLnBrk="1" fontAlgn="base" latinLnBrk="0" hangingPunct="1">
+              <a:lnSpc>
+                <a:spcPct val="93000"/>
+              </a:lnSpc>
+              <a:spcBef>
+                <a:spcPct val="0"/>
+              </a:spcBef>
+              <a:spcAft>
+                <a:spcPct val="0"/>
+              </a:spcAft>
+              <a:buClr>
+                <a:srgbClr val="000000"/>
+              </a:buClr>
+              <a:buSzPct val="100000"/>
+              <a:buFont typeface="Arial" charset="0"/>
+              <a:buNone/>
+              <a:tabLst/>
+            </a:pPr>
+            <a:r>
+              <a:rPr lang="de-DE">
+                <a:latin typeface="Arial"/>
+                <a:cs typeface="Arial"/>
+              </a:rPr>
+              <a:t>Mot</a:t>
+            </a:r>
+            <a:endParaRPr lang="de-DE" dirty="0">
+              <a:latin typeface="Arial"/>
+              <a:cs typeface="Arial"/>
+            </a:endParaRPr>
+          </a:p>
+        </p:txBody>
+      </p:sp>
+      <p:sp>
+        <p:nvSpPr>
+          <p:cNvPr id="12" name="Rechteck: abgerundete Ecken 11">
+            <a:extLst>
+              <a:ext uri="{FF2B5EF4-FFF2-40B4-BE49-F238E27FC236}">
+                <a16:creationId xmlns:a16="http://schemas.microsoft.com/office/drawing/2014/main" id="{004E5F0F-C714-4C00-BFC6-4CEDFBF93F7D}"/>
+              </a:ext>
+            </a:extLst>
+          </p:cNvPr>
+          <p:cNvSpPr/>
+          <p:nvPr/>
+        </p:nvSpPr>
+        <p:spPr bwMode="auto">
+          <a:xfrm>
+            <a:off x="421788" y="3021239"/>
+            <a:ext cx="614887" cy="546540"/>
+          </a:xfrm>
+          <a:prstGeom prst="roundRect">
+            <a:avLst/>
+          </a:prstGeom>
+          <a:solidFill>
+            <a:schemeClr val="accent6">
+              <a:lumMod val="60000"/>
+              <a:lumOff val="40000"/>
+            </a:schemeClr>
+          </a:solidFill>
+          <a:ln w="9525" cap="flat" cmpd="sng" algn="ctr">
+            <a:solidFill>
+              <a:schemeClr val="tx1"/>
+            </a:solidFill>
+            <a:prstDash val="solid"/>
+            <a:round/>
+            <a:headEnd type="none" w="med" len="med"/>
+            <a:tailEnd type="none" w="med" len="med"/>
+          </a:ln>
+          <a:effectLst/>
+          <a:extLst>
+            <a:ext uri="{AF507438-7753-43E0-B8FC-AC1667EBCBE1}">
+              <a14:hiddenEffects xmlns:a14="http://schemas.microsoft.com/office/drawing/2010/main">
+                <a:effectLst>
+                  <a:outerShdw dist="35921" dir="2700000" algn="ctr" rotWithShape="0">
+                    <a:schemeClr val="bg2"/>
+                  </a:outerShdw>
+                </a:effectLst>
+              </a14:hiddenEffects>
+            </a:ext>
+          </a:extLst>
+        </p:spPr>
+        <p:txBody>
+          <a:bodyPr vert="horz" wrap="none" lIns="91440" tIns="45720" rIns="91440" bIns="45720" numCol="1" rtlCol="0" anchor="ctr" anchorCtr="0" compatLnSpc="1">
+            <a:prstTxWarp prst="textNoShape">
+              <a:avLst/>
+            </a:prstTxWarp>
+          </a:bodyPr>
+          <a:lstStyle/>
+          <a:p>
+            <a:pPr marL="0" marR="0" indent="0" algn="ctr" defTabSz="449263" rtl="0" eaLnBrk="1" fontAlgn="base" latinLnBrk="0" hangingPunct="1">
+              <a:lnSpc>
+                <a:spcPct val="93000"/>
+              </a:lnSpc>
+              <a:spcBef>
+                <a:spcPct val="0"/>
+              </a:spcBef>
+              <a:spcAft>
+                <a:spcPct val="0"/>
+              </a:spcAft>
+              <a:buClr>
+                <a:srgbClr val="000000"/>
+              </a:buClr>
+              <a:buSzPct val="100000"/>
+              <a:buFont typeface="Arial" charset="0"/>
+              <a:buNone/>
+              <a:tabLst/>
+            </a:pPr>
+            <a:r>
+              <a:rPr lang="de-DE" dirty="0">
+                <a:latin typeface="Arial"/>
+                <a:cs typeface="Arial"/>
+              </a:rPr>
+              <a:t>B&amp;R</a:t>
+            </a:r>
+            <a:endParaRPr lang="de-DE" sz="1800" b="0" i="0" u="none" strike="noStrike" cap="none" normalizeH="0" baseline="0" dirty="0" err="1">
+              <a:ln>
+                <a:noFill/>
+              </a:ln>
+              <a:solidFill>
+                <a:schemeClr val="bg1"/>
+              </a:solidFill>
+              <a:effectLst/>
+              <a:latin typeface="Arial" charset="0"/>
+              <a:cs typeface="Arial"/>
+            </a:endParaRPr>
+          </a:p>
+        </p:txBody>
+      </p:sp>
+      <p:sp>
+        <p:nvSpPr>
+          <p:cNvPr id="13" name="Rechteck: abgerundete Ecken 12">
+            <a:extLst>
+              <a:ext uri="{FF2B5EF4-FFF2-40B4-BE49-F238E27FC236}">
+                <a16:creationId xmlns:a16="http://schemas.microsoft.com/office/drawing/2014/main" id="{58C542FF-8FB8-44AF-84C1-1AE6A6326950}"/>
+              </a:ext>
+            </a:extLst>
+          </p:cNvPr>
+          <p:cNvSpPr/>
+          <p:nvPr/>
+        </p:nvSpPr>
+        <p:spPr bwMode="auto">
+          <a:xfrm>
+            <a:off x="425917" y="4115879"/>
+            <a:ext cx="602569" cy="546540"/>
+          </a:xfrm>
+          <a:prstGeom prst="roundRect">
+            <a:avLst/>
+          </a:prstGeom>
+          <a:solidFill>
+            <a:schemeClr val="accent6"/>
+          </a:solidFill>
+          <a:ln w="9525" cap="flat" cmpd="sng" algn="ctr">
+            <a:solidFill>
+              <a:schemeClr val="tx1"/>
+            </a:solidFill>
+            <a:prstDash val="solid"/>
+            <a:round/>
+            <a:headEnd type="none" w="med" len="med"/>
+            <a:tailEnd type="none" w="med" len="med"/>
+          </a:ln>
+          <a:effectLst/>
+          <a:extLst>
+            <a:ext uri="{AF507438-7753-43E0-B8FC-AC1667EBCBE1}">
+              <a14:hiddenEffects xmlns:a14="http://schemas.microsoft.com/office/drawing/2010/main">
+                <a:effectLst>
+                  <a:outerShdw dist="35921" dir="2700000" algn="ctr" rotWithShape="0">
+                    <a:schemeClr val="bg2"/>
+                  </a:outerShdw>
+                </a:effectLst>
+              </a14:hiddenEffects>
+            </a:ext>
+          </a:extLst>
+        </p:spPr>
+        <p:txBody>
+          <a:bodyPr vert="horz" wrap="none" lIns="91440" tIns="45720" rIns="91440" bIns="45720" numCol="1" rtlCol="0" anchor="ctr" anchorCtr="0" compatLnSpc="1">
+            <a:prstTxWarp prst="textNoShape">
+              <a:avLst/>
+            </a:prstTxWarp>
+          </a:bodyPr>
+          <a:lstStyle/>
+          <a:p>
+            <a:r>
+              <a:rPr lang="de-DE">
+                <a:latin typeface="Arial"/>
+                <a:cs typeface="Arial"/>
+              </a:rPr>
+              <a:t>Task</a:t>
+            </a:r>
+            <a:endParaRPr lang="de-DE" sz="1800" b="0" i="0" u="none" strike="noStrike" cap="none" normalizeH="0" baseline="0" dirty="0" err="1">
+              <a:ln>
+                <a:noFill/>
+              </a:ln>
+              <a:solidFill>
+                <a:schemeClr val="bg1"/>
+              </a:solidFill>
+              <a:effectLst/>
+              <a:latin typeface="Arial" charset="0"/>
+              <a:cs typeface="Arial"/>
+            </a:endParaRPr>
+          </a:p>
+        </p:txBody>
+      </p:sp>
+      <p:sp>
+        <p:nvSpPr>
+          <p:cNvPr id="14" name="Rechteck: abgerundete Ecken 13">
+            <a:extLst>
+              <a:ext uri="{FF2B5EF4-FFF2-40B4-BE49-F238E27FC236}">
+                <a16:creationId xmlns:a16="http://schemas.microsoft.com/office/drawing/2014/main" id="{EF3D045F-F08A-40C3-8DF5-7395802E384D}"/>
+              </a:ext>
+            </a:extLst>
+          </p:cNvPr>
+          <p:cNvSpPr/>
+          <p:nvPr/>
+        </p:nvSpPr>
+        <p:spPr bwMode="auto">
+          <a:xfrm>
+            <a:off x="429764" y="4818513"/>
+            <a:ext cx="606634" cy="554793"/>
+          </a:xfrm>
+          <a:prstGeom prst="roundRect">
+            <a:avLst/>
+          </a:prstGeom>
+          <a:solidFill>
+            <a:schemeClr val="accent6">
+              <a:lumMod val="60000"/>
+              <a:lumOff val="40000"/>
+            </a:schemeClr>
+          </a:solidFill>
+          <a:ln w="9525" cap="flat" cmpd="sng" algn="ctr">
+            <a:solidFill>
+              <a:schemeClr val="tx1"/>
+            </a:solidFill>
+            <a:prstDash val="solid"/>
+            <a:round/>
+            <a:headEnd type="none" w="med" len="med"/>
+            <a:tailEnd type="none" w="med" len="med"/>
+          </a:ln>
+          <a:effectLst/>
+          <a:extLst>
+            <a:ext uri="{AF507438-7753-43E0-B8FC-AC1667EBCBE1}">
+              <a14:hiddenEffects xmlns:a14="http://schemas.microsoft.com/office/drawing/2010/main">
+                <a:effectLst>
+                  <a:outerShdw dist="35921" dir="2700000" algn="ctr" rotWithShape="0">
+                    <a:schemeClr val="bg2"/>
+                  </a:outerShdw>
+                </a:effectLst>
+              </a14:hiddenEffects>
+            </a:ext>
+          </a:extLst>
+        </p:spPr>
+        <p:txBody>
+          <a:bodyPr vert="horz" wrap="none" lIns="91440" tIns="45720" rIns="91440" bIns="45720" numCol="1" rtlCol="0" anchor="ctr" anchorCtr="0" compatLnSpc="1">
+            <a:prstTxWarp prst="textNoShape">
+              <a:avLst/>
+            </a:prstTxWarp>
+          </a:bodyPr>
+          <a:lstStyle/>
+          <a:p>
+            <a:pPr marL="0" marR="0" indent="0" algn="ctr" defTabSz="449263" rtl="0" eaLnBrk="1" fontAlgn="base" latinLnBrk="0" hangingPunct="1">
+              <a:lnSpc>
+                <a:spcPct val="93000"/>
+              </a:lnSpc>
+              <a:spcBef>
+                <a:spcPct val="0"/>
+              </a:spcBef>
+              <a:spcAft>
+                <a:spcPct val="0"/>
+              </a:spcAft>
+              <a:buClr>
+                <a:srgbClr val="000000"/>
+              </a:buClr>
+              <a:buSzPct val="100000"/>
+              <a:buFont typeface="Arial" charset="0"/>
+              <a:buNone/>
+              <a:tabLst/>
+            </a:pPr>
+            <a:r>
+              <a:rPr lang="de-DE">
+                <a:latin typeface="Arial"/>
+                <a:cs typeface="Arial"/>
+              </a:rPr>
+              <a:t>Pro</a:t>
+            </a:r>
+            <a:endParaRPr lang="de-DE" dirty="0">
+              <a:latin typeface="Arial" charset="0"/>
+              <a:cs typeface="Arial"/>
+            </a:endParaRPr>
+          </a:p>
+        </p:txBody>
+      </p:sp>
+      <p:sp>
+        <p:nvSpPr>
+          <p:cNvPr id="15" name="Rechteck: abgerundete Ecken 14">
+            <a:extLst>
+              <a:ext uri="{FF2B5EF4-FFF2-40B4-BE49-F238E27FC236}">
+                <a16:creationId xmlns:a16="http://schemas.microsoft.com/office/drawing/2014/main" id="{BCA8401E-F416-4694-80C9-13FD0BD74AFE}"/>
+              </a:ext>
+            </a:extLst>
+          </p:cNvPr>
+          <p:cNvSpPr/>
+          <p:nvPr/>
+        </p:nvSpPr>
+        <p:spPr bwMode="auto">
+          <a:xfrm>
+            <a:off x="421787" y="5525274"/>
+            <a:ext cx="614887" cy="554793"/>
+          </a:xfrm>
+          <a:prstGeom prst="roundRect">
+            <a:avLst/>
+          </a:prstGeom>
+          <a:solidFill>
+            <a:schemeClr val="accent6">
+              <a:lumMod val="60000"/>
+              <a:lumOff val="40000"/>
+            </a:schemeClr>
+          </a:solidFill>
+          <a:ln w="9525" cap="flat" cmpd="sng" algn="ctr">
+            <a:solidFill>
+              <a:schemeClr val="tx1"/>
+            </a:solidFill>
+            <a:prstDash val="solid"/>
+            <a:round/>
+            <a:headEnd type="none" w="med" len="med"/>
+            <a:tailEnd type="none" w="med" len="med"/>
+          </a:ln>
+          <a:effectLst/>
+          <a:extLst>
+            <a:ext uri="{AF507438-7753-43E0-B8FC-AC1667EBCBE1}">
+              <a14:hiddenEffects xmlns:a14="http://schemas.microsoft.com/office/drawing/2010/main">
+                <a:effectLst>
+                  <a:outerShdw dist="35921" dir="2700000" algn="ctr" rotWithShape="0">
+                    <a:schemeClr val="bg2"/>
+                  </a:outerShdw>
+                </a:effectLst>
+              </a14:hiddenEffects>
+            </a:ext>
+          </a:extLst>
+        </p:spPr>
+        <p:txBody>
+          <a:bodyPr vert="horz" wrap="none" lIns="91440" tIns="45720" rIns="91440" bIns="45720" numCol="1" rtlCol="0" anchor="ctr" anchorCtr="0" compatLnSpc="1">
+            <a:prstTxWarp prst="textNoShape">
+              <a:avLst/>
+            </a:prstTxWarp>
+          </a:bodyPr>
+          <a:lstStyle/>
+          <a:p>
+            <a:pPr marL="0" marR="0" indent="0" algn="ctr" defTabSz="449263" rtl="0" eaLnBrk="1" fontAlgn="base" latinLnBrk="0" hangingPunct="1">
+              <a:lnSpc>
+                <a:spcPct val="93000"/>
+              </a:lnSpc>
+              <a:spcBef>
+                <a:spcPct val="0"/>
+              </a:spcBef>
+              <a:spcAft>
+                <a:spcPct val="0"/>
+              </a:spcAft>
+              <a:buClr>
+                <a:srgbClr val="000000"/>
+              </a:buClr>
+              <a:buSzPct val="100000"/>
+              <a:buFont typeface="Arial" charset="0"/>
+              <a:buNone/>
+              <a:tabLst/>
+            </a:pPr>
+            <a:r>
+              <a:rPr lang="de-DE">
+                <a:latin typeface="Arial"/>
+                <a:cs typeface="Arial"/>
+              </a:rPr>
+              <a:t>Out</a:t>
+            </a:r>
+            <a:endParaRPr lang="de-DE" dirty="0">
+              <a:latin typeface="Arial" charset="0"/>
+              <a:cs typeface="Arial"/>
+            </a:endParaRPr>
+          </a:p>
+        </p:txBody>
+      </p:sp>
+      <p:cxnSp>
+        <p:nvCxnSpPr>
+          <p:cNvPr id="3" name="Gerade Verbindung mit Pfeil 2">
+            <a:extLst>
+              <a:ext uri="{FF2B5EF4-FFF2-40B4-BE49-F238E27FC236}">
+                <a16:creationId xmlns:a16="http://schemas.microsoft.com/office/drawing/2014/main" id="{FF1A532A-7997-40B5-A73C-28ED39C9866D}"/>
+              </a:ext>
+            </a:extLst>
+          </p:cNvPr>
+          <p:cNvCxnSpPr/>
+          <p:nvPr/>
+        </p:nvCxnSpPr>
+        <p:spPr bwMode="auto">
+          <a:xfrm flipH="1">
+            <a:off x="1109165" y="1511071"/>
+            <a:ext cx="14028" cy="4822056"/>
+          </a:xfrm>
+          <a:prstGeom prst="straightConnector1">
+            <a:avLst/>
+          </a:prstGeom>
+          <a:solidFill>
+            <a:schemeClr val="accent2"/>
+          </a:solidFill>
+          <a:ln w="9525" cap="flat" cmpd="sng" algn="ctr">
+            <a:solidFill>
+              <a:schemeClr val="tx1"/>
+            </a:solidFill>
+            <a:prstDash val="solid"/>
+            <a:round/>
+            <a:headEnd type="none" w="med" len="med"/>
+            <a:tailEnd type="none" w="med" len="med"/>
+          </a:ln>
+          <a:effectLst/>
+          <a:extLst>
+            <a:ext uri="{AF507438-7753-43E0-B8FC-AC1667EBCBE1}">
+              <a14:hiddenEffects xmlns:a14="http://schemas.microsoft.com/office/drawing/2010/main">
+                <a:effectLst>
+                  <a:outerShdw dist="35921" dir="2700000" algn="ctr" rotWithShape="0">
+                    <a:schemeClr val="bg2"/>
+                  </a:outerShdw>
+                </a:effectLst>
+              </a14:hiddenEffects>
+            </a:ext>
+          </a:extLst>
+        </p:spPr>
+      </p:cxnSp>
+      <p:cxnSp>
+        <p:nvCxnSpPr>
+          <p:cNvPr id="6" name="Gerade Verbindung mit Pfeil 5">
+            <a:extLst>
+              <a:ext uri="{FF2B5EF4-FFF2-40B4-BE49-F238E27FC236}">
+                <a16:creationId xmlns:a16="http://schemas.microsoft.com/office/drawing/2014/main" id="{4052B892-F5AD-4830-A4AF-EC12BAB966C0}"/>
+              </a:ext>
+            </a:extLst>
+          </p:cNvPr>
+          <p:cNvCxnSpPr/>
+          <p:nvPr/>
+        </p:nvCxnSpPr>
+        <p:spPr bwMode="auto">
+          <a:xfrm flipV="1">
+            <a:off x="417587" y="3844936"/>
+            <a:ext cx="609050" cy="1650"/>
+          </a:xfrm>
+          <a:prstGeom prst="straightConnector1">
+            <a:avLst/>
+          </a:prstGeom>
+          <a:solidFill>
+            <a:schemeClr val="accent2"/>
+          </a:solidFill>
+          <a:ln w="9525" cap="flat" cmpd="sng" algn="ctr">
+            <a:solidFill>
+              <a:schemeClr val="tx1"/>
+            </a:solidFill>
+            <a:prstDash val="dash"/>
+            <a:round/>
+            <a:headEnd type="none" w="med" len="med"/>
+            <a:tailEnd type="none" w="med" len="med"/>
+          </a:ln>
+          <a:effectLst/>
+          <a:extLst>
+            <a:ext uri="{AF507438-7753-43E0-B8FC-AC1667EBCBE1}">
+              <a14:hiddenEffects xmlns:a14="http://schemas.microsoft.com/office/drawing/2010/main">
+                <a:effectLst>
+                  <a:outerShdw dist="35921" dir="2700000" algn="ctr" rotWithShape="0">
+                    <a:schemeClr val="bg2"/>
+                  </a:outerShdw>
+                </a:effectLst>
+              </a14:hiddenEffects>
+            </a:ext>
+          </a:extLst>
+        </p:spPr>
+      </p:cxnSp>
+      <p:sp>
+        <p:nvSpPr>
+          <p:cNvPr id="9" name="Textplatzhalter 5">
+            <a:extLst>
+              <a:ext uri="{FF2B5EF4-FFF2-40B4-BE49-F238E27FC236}">
+                <a16:creationId xmlns:a16="http://schemas.microsoft.com/office/drawing/2014/main" id="{2F5C2DC8-4813-4FF1-A53F-638AD69203E7}"/>
+              </a:ext>
+            </a:extLst>
+          </p:cNvPr>
+          <p:cNvSpPr>
+            <a:spLocks noGrp="1"/>
+          </p:cNvSpPr>
+          <p:nvPr>
+            <p:ph type="body" idx="1"/>
+          </p:nvPr>
+        </p:nvSpPr>
+        <p:spPr>
+          <a:xfrm>
+            <a:off x="1275915" y="1623879"/>
+            <a:ext cx="7663799" cy="4583866"/>
+          </a:xfrm>
+        </p:spPr>
+        <p:txBody>
+          <a:bodyPr/>
+          <a:lstStyle/>
+          <a:p>
+            <a:pPr marL="0" indent="0"/>
+            <a:r>
+              <a:rPr lang="en-US" dirty="0">
+                <a:cs typeface="Arial"/>
+              </a:rPr>
+              <a:t> Reproduction</a:t>
+            </a:r>
+            <a:endParaRPr lang="de-DE" dirty="0"/>
+          </a:p>
+          <a:p>
+            <a:pPr marL="513080" lvl="1" indent="-342900"/>
+            <a:r>
+              <a:rPr lang="en-US" dirty="0">
+                <a:ea typeface="+mn-lt"/>
+                <a:cs typeface="+mn-lt"/>
+              </a:rPr>
+              <a:t>On MNIST</a:t>
+            </a:r>
+            <a:endParaRPr lang="en-US" dirty="0" err="1"/>
+          </a:p>
+          <a:p>
+            <a:pPr marL="179070" indent="-179070"/>
+            <a:endParaRPr lang="en-US" dirty="0">
+              <a:cs typeface="Arial"/>
+            </a:endParaRPr>
+          </a:p>
+          <a:p>
+            <a:pPr marL="179070" indent="-179070"/>
+            <a:endParaRPr lang="en-US" dirty="0">
+              <a:cs typeface="Arial"/>
+            </a:endParaRPr>
+          </a:p>
+          <a:p>
+            <a:pPr marL="179070" indent="-179070"/>
+            <a:r>
+              <a:rPr lang="en-US" dirty="0">
+                <a:ea typeface="+mn-lt"/>
+                <a:cs typeface="+mn-lt"/>
+              </a:rPr>
+              <a:t>Transfer</a:t>
+            </a:r>
+          </a:p>
+          <a:p>
+            <a:pPr marL="513080" lvl="1" indent="-342900">
+              <a:buFont typeface="Wingdings"/>
+            </a:pPr>
+            <a:r>
+              <a:rPr lang="en-US" sz="2000" dirty="0">
+                <a:cs typeface="Arial"/>
+              </a:rPr>
+              <a:t>To Reuters-???</a:t>
+            </a:r>
+            <a:endParaRPr lang="en-US" sz="2000" dirty="0">
+              <a:ea typeface="+mn-lt"/>
+              <a:cs typeface="+mn-lt"/>
+            </a:endParaRPr>
+          </a:p>
+          <a:p>
+            <a:pPr marL="513080" lvl="1" indent="-342900">
+              <a:buFont typeface="Wingdings"/>
+              <a:buChar char="§"/>
+            </a:pPr>
+            <a:r>
+              <a:rPr lang="en-US" dirty="0">
+                <a:ea typeface="+mn-lt"/>
+                <a:cs typeface="+mn-lt"/>
+              </a:rPr>
+              <a:t>Find Sensible model in using FFNN or CNN</a:t>
+            </a:r>
+            <a:endParaRPr lang="en-US" b="0" dirty="0">
+              <a:ea typeface="+mn-lt"/>
+              <a:cs typeface="+mn-lt"/>
+            </a:endParaRPr>
+          </a:p>
+          <a:p>
+            <a:pPr marL="179070" indent="0"/>
+            <a:endParaRPr lang="en-US" b="0" dirty="0">
+              <a:ea typeface="+mn-lt"/>
+              <a:cs typeface="+mn-lt"/>
+            </a:endParaRPr>
+          </a:p>
+          <a:p>
+            <a:pPr marL="179070" indent="0"/>
+            <a:endParaRPr lang="en-US" b="0" dirty="0">
+              <a:cs typeface="Arial"/>
+            </a:endParaRPr>
+          </a:p>
+          <a:p>
+            <a:pPr marL="0" indent="0"/>
+            <a:br>
+              <a:rPr lang="en-US" dirty="0"/>
+            </a:br>
+            <a:endParaRPr lang="en-US" sz="1800" b="0">
+              <a:cs typeface="Arial"/>
+            </a:endParaRPr>
+          </a:p>
+          <a:p>
+            <a:pPr marL="179070" indent="-179070"/>
+            <a:br>
+              <a:rPr lang="en-US" dirty="0"/>
+            </a:br>
+            <a:endParaRPr lang="en-US" dirty="0"/>
+          </a:p>
+          <a:p>
+            <a:pPr lvl="1"/>
+            <a:endParaRPr lang="en-US" dirty="0">
+              <a:cs typeface="Arial"/>
+            </a:endParaRPr>
+          </a:p>
+        </p:txBody>
+      </p:sp>
+    </p:spTree>
+    <p:extLst>
+      <p:ext uri="{BB962C8B-B14F-4D97-AF65-F5344CB8AC3E}">
+        <p14:creationId xmlns:p14="http://schemas.microsoft.com/office/powerpoint/2010/main" val="2338009605"/>
+      </p:ext>
+    </p:extLst>
+  </p:cSld>
+  <p:clrMapOvr>
+    <a:masterClrMapping/>
+  </p:clrMapOvr>
+</p:sld>
+</file>
+
+<file path=ppt/slides/slide9.xml><?xml version="1.0" encoding="utf-8"?>
+<p:sld xmlns:a="http://schemas.openxmlformats.org/drawingml/2006/main" xmlns:r="http://schemas.openxmlformats.org/officeDocument/2006/relationships" xmlns:p="http://schemas.openxmlformats.org/presentationml/2006/main">
+  <p:cSld>
+    <p:spTree>
+      <p:nvGrpSpPr>
+        <p:cNvPr id="1" name=""/>
+        <p:cNvGrpSpPr/>
+        <p:nvPr/>
+      </p:nvGrpSpPr>
+      <p:grpSpPr>
+        <a:xfrm>
+          <a:off x="0" y="0"/>
+          <a:ext cx="0" cy="0"/>
+          <a:chOff x="0" y="0"/>
+          <a:chExt cx="0" cy="0"/>
+        </a:xfrm>
+      </p:grpSpPr>
+      <p:sp>
+        <p:nvSpPr>
+          <p:cNvPr id="4" name="Fußzeilenplatzhalter 3"/>
+          <p:cNvSpPr>
+            <a:spLocks noGrp="1"/>
+          </p:cNvSpPr>
+          <p:nvPr>
+            <p:ph type="ftr" sz="quarter" idx="10"/>
+          </p:nvPr>
+        </p:nvSpPr>
+        <p:spPr/>
+        <p:txBody>
+          <a:bodyPr/>
+          <a:lstStyle/>
+          <a:p>
+            <a:pPr>
+              <a:defRPr/>
+            </a:pPr>
+            <a:endParaRPr lang="de-DE"/>
+          </a:p>
+          <a:p>
+            <a:pPr>
+              <a:defRPr/>
+            </a:pPr>
+            <a:endParaRPr lang="de-DE"/>
+          </a:p>
+        </p:txBody>
+      </p:sp>
+      <p:sp>
+        <p:nvSpPr>
+          <p:cNvPr id="5" name="Titel 4"/>
+          <p:cNvSpPr>
+            <a:spLocks noGrp="1"/>
+          </p:cNvSpPr>
+          <p:nvPr>
+            <p:ph type="title"/>
+          </p:nvPr>
+        </p:nvSpPr>
+        <p:spPr/>
+        <p:txBody>
+          <a:bodyPr/>
+          <a:lstStyle/>
+          <a:p>
+            <a:r>
+              <a:rPr lang="en-US" dirty="0">
+                <a:cs typeface="Arial"/>
+              </a:rPr>
+              <a:t>Progress I</a:t>
+            </a:r>
+          </a:p>
+        </p:txBody>
+      </p:sp>
+      <p:sp>
+        <p:nvSpPr>
+          <p:cNvPr id="2" name="Rechteck: abgerundete Ecken 1">
+            <a:extLst>
+              <a:ext uri="{FF2B5EF4-FFF2-40B4-BE49-F238E27FC236}">
+                <a16:creationId xmlns:a16="http://schemas.microsoft.com/office/drawing/2014/main" id="{C6F9F1D7-5867-484C-81EF-E31F5D55F722}"/>
+              </a:ext>
+            </a:extLst>
+          </p:cNvPr>
+          <p:cNvSpPr/>
+          <p:nvPr/>
+        </p:nvSpPr>
+        <p:spPr bwMode="auto">
+          <a:xfrm>
+            <a:off x="425640" y="1619819"/>
+            <a:ext cx="611037" cy="546818"/>
+          </a:xfrm>
+          <a:prstGeom prst="roundRect">
+            <a:avLst/>
+          </a:prstGeom>
+          <a:solidFill>
+            <a:schemeClr val="accent6">
+              <a:lumMod val="60000"/>
+              <a:lumOff val="40000"/>
+            </a:schemeClr>
+          </a:solidFill>
+          <a:ln w="9525" cap="flat" cmpd="sng" algn="ctr">
+            <a:solidFill>
+              <a:schemeClr val="tx1"/>
+            </a:solidFill>
+            <a:prstDash val="solid"/>
+            <a:round/>
+            <a:headEnd type="none" w="med" len="med"/>
+            <a:tailEnd type="none" w="med" len="med"/>
+          </a:ln>
+          <a:effectLst/>
+          <a:extLst>
+            <a:ext uri="{AF507438-7753-43E0-B8FC-AC1667EBCBE1}">
+              <a14:hiddenEffects xmlns:a14="http://schemas.microsoft.com/office/drawing/2010/main">
+                <a:effectLst>
+                  <a:outerShdw dist="35921" dir="2700000" algn="ctr" rotWithShape="0">
+                    <a:schemeClr val="bg2"/>
+                  </a:outerShdw>
+                </a:effectLst>
+              </a14:hiddenEffects>
+            </a:ext>
+          </a:extLst>
+        </p:spPr>
+        <p:txBody>
+          <a:bodyPr vert="horz" wrap="none" lIns="91440" tIns="45720" rIns="91440" bIns="45720" numCol="1" rtlCol="0" anchor="ctr" anchorCtr="0" compatLnSpc="1">
+            <a:prstTxWarp prst="textNoShape">
+              <a:avLst/>
+            </a:prstTxWarp>
+          </a:bodyPr>
+          <a:lstStyle/>
+          <a:p>
+            <a:pPr marL="0" marR="0" indent="0" algn="ctr" defTabSz="449263" rtl="0" eaLnBrk="1" fontAlgn="base" latinLnBrk="0" hangingPunct="1">
+              <a:lnSpc>
+                <a:spcPct val="93000"/>
+              </a:lnSpc>
+              <a:spcBef>
+                <a:spcPct val="0"/>
+              </a:spcBef>
+              <a:spcAft>
+                <a:spcPct val="0"/>
+              </a:spcAft>
+              <a:buClr>
+                <a:srgbClr val="000000"/>
+              </a:buClr>
+              <a:buSzPct val="100000"/>
+              <a:buFont typeface="Arial" charset="0"/>
+              <a:buNone/>
+              <a:tabLst/>
+            </a:pPr>
+            <a:r>
+              <a:rPr lang="de-DE">
+                <a:latin typeface="Arial"/>
+                <a:cs typeface="Arial"/>
+              </a:rPr>
+              <a:t>Int</a:t>
+            </a:r>
+            <a:endParaRPr lang="de-DE" sz="1800" b="0" i="0" u="none" strike="noStrike" cap="none" normalizeH="0" baseline="0" dirty="0" err="1">
+              <a:ln>
+                <a:noFill/>
+              </a:ln>
+              <a:solidFill>
+                <a:schemeClr val="bg1"/>
+              </a:solidFill>
+              <a:effectLst/>
+              <a:latin typeface="Arial" charset="0"/>
+              <a:cs typeface="Arial"/>
+            </a:endParaRPr>
+          </a:p>
+        </p:txBody>
+      </p:sp>
+      <p:sp>
+        <p:nvSpPr>
+          <p:cNvPr id="11" name="Rechteck: abgerundete Ecken 10">
+            <a:extLst>
+              <a:ext uri="{FF2B5EF4-FFF2-40B4-BE49-F238E27FC236}">
+                <a16:creationId xmlns:a16="http://schemas.microsoft.com/office/drawing/2014/main" id="{05CCFCE9-B7D5-46EC-8F1A-0A4D9ECD91FB}"/>
+              </a:ext>
+            </a:extLst>
+          </p:cNvPr>
+          <p:cNvSpPr/>
+          <p:nvPr/>
+        </p:nvSpPr>
+        <p:spPr bwMode="auto">
+          <a:xfrm>
+            <a:off x="421652" y="2322869"/>
+            <a:ext cx="610898" cy="546401"/>
+          </a:xfrm>
+          <a:prstGeom prst="roundRect">
+            <a:avLst/>
+          </a:prstGeom>
+          <a:solidFill>
+            <a:schemeClr val="accent6">
+              <a:lumMod val="60000"/>
+              <a:lumOff val="40000"/>
+            </a:schemeClr>
+          </a:solidFill>
+          <a:ln w="9525" cap="flat" cmpd="sng" algn="ctr">
+            <a:solidFill>
+              <a:schemeClr val="tx1"/>
+            </a:solidFill>
+            <a:prstDash val="solid"/>
+            <a:round/>
+            <a:headEnd type="none" w="med" len="med"/>
+            <a:tailEnd type="none" w="med" len="med"/>
+          </a:ln>
+          <a:effectLst/>
+          <a:extLst>
+            <a:ext uri="{AF507438-7753-43E0-B8FC-AC1667EBCBE1}">
+              <a14:hiddenEffects xmlns:a14="http://schemas.microsoft.com/office/drawing/2010/main">
+                <a:effectLst>
+                  <a:outerShdw dist="35921" dir="2700000" algn="ctr" rotWithShape="0">
+                    <a:schemeClr val="bg2"/>
+                  </a:outerShdw>
+                </a:effectLst>
+              </a14:hiddenEffects>
+            </a:ext>
+          </a:extLst>
+        </p:spPr>
+        <p:txBody>
+          <a:bodyPr vert="horz" wrap="none" lIns="91440" tIns="45720" rIns="91440" bIns="45720" numCol="1" rtlCol="0" anchor="ctr" anchorCtr="0" compatLnSpc="1">
+            <a:prstTxWarp prst="textNoShape">
+              <a:avLst/>
+            </a:prstTxWarp>
+          </a:bodyPr>
+          <a:lstStyle/>
+          <a:p>
+            <a:pPr marL="0" marR="0" indent="0" algn="ctr" defTabSz="449263" rtl="0" eaLnBrk="1" fontAlgn="base" latinLnBrk="0" hangingPunct="1">
+              <a:lnSpc>
+                <a:spcPct val="93000"/>
+              </a:lnSpc>
+              <a:spcBef>
+                <a:spcPct val="0"/>
+              </a:spcBef>
+              <a:spcAft>
+                <a:spcPct val="0"/>
+              </a:spcAft>
+              <a:buClr>
+                <a:srgbClr val="000000"/>
+              </a:buClr>
+              <a:buSzPct val="100000"/>
+              <a:buFont typeface="Arial" charset="0"/>
+              <a:buNone/>
+              <a:tabLst/>
+            </a:pPr>
+            <a:r>
+              <a:rPr lang="de-DE">
+                <a:latin typeface="Arial"/>
+                <a:cs typeface="Arial"/>
+              </a:rPr>
+              <a:t>Mot</a:t>
+            </a:r>
+            <a:endParaRPr lang="de-DE" dirty="0">
+              <a:latin typeface="Arial"/>
+              <a:cs typeface="Arial"/>
+            </a:endParaRPr>
+          </a:p>
+        </p:txBody>
+      </p:sp>
+      <p:sp>
+        <p:nvSpPr>
+          <p:cNvPr id="12" name="Rechteck: abgerundete Ecken 11">
+            <a:extLst>
+              <a:ext uri="{FF2B5EF4-FFF2-40B4-BE49-F238E27FC236}">
+                <a16:creationId xmlns:a16="http://schemas.microsoft.com/office/drawing/2014/main" id="{004E5F0F-C714-4C00-BFC6-4CEDFBF93F7D}"/>
+              </a:ext>
+            </a:extLst>
+          </p:cNvPr>
+          <p:cNvSpPr/>
+          <p:nvPr/>
+        </p:nvSpPr>
+        <p:spPr bwMode="auto">
+          <a:xfrm>
+            <a:off x="421788" y="3021239"/>
+            <a:ext cx="614887" cy="546540"/>
+          </a:xfrm>
+          <a:prstGeom prst="roundRect">
+            <a:avLst/>
+          </a:prstGeom>
+          <a:solidFill>
+            <a:schemeClr val="accent6">
+              <a:lumMod val="60000"/>
+              <a:lumOff val="40000"/>
+            </a:schemeClr>
+          </a:solidFill>
+          <a:ln w="9525" cap="flat" cmpd="sng" algn="ctr">
+            <a:solidFill>
+              <a:schemeClr val="tx1"/>
+            </a:solidFill>
+            <a:prstDash val="solid"/>
+            <a:round/>
+            <a:headEnd type="none" w="med" len="med"/>
+            <a:tailEnd type="none" w="med" len="med"/>
+          </a:ln>
+          <a:effectLst/>
+          <a:extLst>
+            <a:ext uri="{AF507438-7753-43E0-B8FC-AC1667EBCBE1}">
+              <a14:hiddenEffects xmlns:a14="http://schemas.microsoft.com/office/drawing/2010/main">
+                <a:effectLst>
+                  <a:outerShdw dist="35921" dir="2700000" algn="ctr" rotWithShape="0">
+                    <a:schemeClr val="bg2"/>
+                  </a:outerShdw>
+                </a:effectLst>
+              </a14:hiddenEffects>
+            </a:ext>
+          </a:extLst>
+        </p:spPr>
+        <p:txBody>
+          <a:bodyPr vert="horz" wrap="none" lIns="91440" tIns="45720" rIns="91440" bIns="45720" numCol="1" rtlCol="0" anchor="ctr" anchorCtr="0" compatLnSpc="1">
+            <a:prstTxWarp prst="textNoShape">
+              <a:avLst/>
+            </a:prstTxWarp>
+          </a:bodyPr>
+          <a:lstStyle/>
+          <a:p>
+            <a:pPr marL="0" marR="0" indent="0" algn="ctr" defTabSz="449263" rtl="0" eaLnBrk="1" fontAlgn="base" latinLnBrk="0" hangingPunct="1">
+              <a:lnSpc>
+                <a:spcPct val="93000"/>
+              </a:lnSpc>
+              <a:spcBef>
+                <a:spcPct val="0"/>
+              </a:spcBef>
+              <a:spcAft>
+                <a:spcPct val="0"/>
+              </a:spcAft>
+              <a:buClr>
+                <a:srgbClr val="000000"/>
+              </a:buClr>
+              <a:buSzPct val="100000"/>
+              <a:buFont typeface="Arial" charset="0"/>
+              <a:buNone/>
+              <a:tabLst/>
+            </a:pPr>
+            <a:r>
+              <a:rPr lang="de-DE" dirty="0">
+                <a:latin typeface="Arial"/>
+                <a:cs typeface="Arial"/>
+              </a:rPr>
+              <a:t>B&amp;R</a:t>
+            </a:r>
+            <a:endParaRPr lang="de-DE" sz="1800" b="0" i="0" u="none" strike="noStrike" cap="none" normalizeH="0" baseline="0" dirty="0" err="1">
+              <a:ln>
+                <a:noFill/>
+              </a:ln>
+              <a:solidFill>
+                <a:schemeClr val="bg1"/>
+              </a:solidFill>
+              <a:effectLst/>
+              <a:latin typeface="Arial" charset="0"/>
+              <a:cs typeface="Arial"/>
+            </a:endParaRPr>
+          </a:p>
+        </p:txBody>
+      </p:sp>
+      <p:sp>
+        <p:nvSpPr>
+          <p:cNvPr id="13" name="Rechteck: abgerundete Ecken 12">
+            <a:extLst>
+              <a:ext uri="{FF2B5EF4-FFF2-40B4-BE49-F238E27FC236}">
+                <a16:creationId xmlns:a16="http://schemas.microsoft.com/office/drawing/2014/main" id="{58C542FF-8FB8-44AF-84C1-1AE6A6326950}"/>
+              </a:ext>
+            </a:extLst>
+          </p:cNvPr>
+          <p:cNvSpPr/>
+          <p:nvPr/>
+        </p:nvSpPr>
+        <p:spPr bwMode="auto">
+          <a:xfrm>
+            <a:off x="425917" y="4115879"/>
+            <a:ext cx="602569" cy="546540"/>
+          </a:xfrm>
+          <a:prstGeom prst="roundRect">
+            <a:avLst/>
+          </a:prstGeom>
+          <a:solidFill>
+            <a:schemeClr val="accent6">
+              <a:lumMod val="60000"/>
+              <a:lumOff val="40000"/>
+            </a:schemeClr>
+          </a:solidFill>
+          <a:ln w="9525" cap="flat" cmpd="sng" algn="ctr">
+            <a:solidFill>
+              <a:schemeClr val="tx1"/>
+            </a:solidFill>
+            <a:prstDash val="solid"/>
+            <a:round/>
+            <a:headEnd type="none" w="med" len="med"/>
+            <a:tailEnd type="none" w="med" len="med"/>
+          </a:ln>
+          <a:effectLst/>
+          <a:extLst>
+            <a:ext uri="{AF507438-7753-43E0-B8FC-AC1667EBCBE1}">
+              <a14:hiddenEffects xmlns:a14="http://schemas.microsoft.com/office/drawing/2010/main">
+                <a:effectLst>
+                  <a:outerShdw dist="35921" dir="2700000" algn="ctr" rotWithShape="0">
+                    <a:schemeClr val="bg2"/>
+                  </a:outerShdw>
+                </a:effectLst>
+              </a14:hiddenEffects>
+            </a:ext>
+          </a:extLst>
+        </p:spPr>
+        <p:txBody>
+          <a:bodyPr vert="horz" wrap="none" lIns="91440" tIns="45720" rIns="91440" bIns="45720" numCol="1" rtlCol="0" anchor="ctr" anchorCtr="0" compatLnSpc="1">
+            <a:prstTxWarp prst="textNoShape">
+              <a:avLst/>
+            </a:prstTxWarp>
+          </a:bodyPr>
+          <a:lstStyle/>
+          <a:p>
+            <a:r>
+              <a:rPr lang="de-DE">
+                <a:latin typeface="Arial"/>
+                <a:cs typeface="Arial"/>
+              </a:rPr>
+              <a:t>Task</a:t>
+            </a:r>
+            <a:endParaRPr lang="de-DE" sz="1800" b="0" i="0" u="none" strike="noStrike" cap="none" normalizeH="0" baseline="0" dirty="0" err="1">
+              <a:ln>
+                <a:noFill/>
+              </a:ln>
+              <a:solidFill>
+                <a:schemeClr val="bg1"/>
+              </a:solidFill>
+              <a:effectLst/>
+              <a:latin typeface="Arial" charset="0"/>
+              <a:cs typeface="Arial"/>
+            </a:endParaRPr>
+          </a:p>
+        </p:txBody>
+      </p:sp>
+      <p:sp>
+        <p:nvSpPr>
+          <p:cNvPr id="14" name="Rechteck: abgerundete Ecken 13">
+            <a:extLst>
+              <a:ext uri="{FF2B5EF4-FFF2-40B4-BE49-F238E27FC236}">
+                <a16:creationId xmlns:a16="http://schemas.microsoft.com/office/drawing/2014/main" id="{EF3D045F-F08A-40C3-8DF5-7395802E384D}"/>
+              </a:ext>
+            </a:extLst>
+          </p:cNvPr>
+          <p:cNvSpPr/>
+          <p:nvPr/>
+        </p:nvSpPr>
+        <p:spPr bwMode="auto">
+          <a:xfrm>
+            <a:off x="429764" y="4818513"/>
+            <a:ext cx="606634" cy="554793"/>
+          </a:xfrm>
+          <a:prstGeom prst="roundRect">
+            <a:avLst/>
+          </a:prstGeom>
+          <a:solidFill>
+            <a:schemeClr val="accent6"/>
+          </a:solidFill>
+          <a:ln w="9525" cap="flat" cmpd="sng" algn="ctr">
+            <a:solidFill>
+              <a:schemeClr val="tx1"/>
+            </a:solidFill>
+            <a:prstDash val="solid"/>
+            <a:round/>
+            <a:headEnd type="none" w="med" len="med"/>
+            <a:tailEnd type="none" w="med" len="med"/>
+          </a:ln>
+          <a:effectLst/>
+          <a:extLst>
+            <a:ext uri="{AF507438-7753-43E0-B8FC-AC1667EBCBE1}">
+              <a14:hiddenEffects xmlns:a14="http://schemas.microsoft.com/office/drawing/2010/main">
+                <a:effectLst>
+                  <a:outerShdw dist="35921" dir="2700000" algn="ctr" rotWithShape="0">
+                    <a:schemeClr val="bg2"/>
+                  </a:outerShdw>
+                </a:effectLst>
+              </a14:hiddenEffects>
+            </a:ext>
+          </a:extLst>
+        </p:spPr>
+        <p:txBody>
+          <a:bodyPr vert="horz" wrap="none" lIns="91440" tIns="45720" rIns="91440" bIns="45720" numCol="1" rtlCol="0" anchor="ctr" anchorCtr="0" compatLnSpc="1">
+            <a:prstTxWarp prst="textNoShape">
+              <a:avLst/>
+            </a:prstTxWarp>
+          </a:bodyPr>
+          <a:lstStyle/>
+          <a:p>
+            <a:pPr marL="0" marR="0" indent="0" algn="ctr" defTabSz="449263" rtl="0" eaLnBrk="1" fontAlgn="base" latinLnBrk="0" hangingPunct="1">
+              <a:lnSpc>
+                <a:spcPct val="93000"/>
+              </a:lnSpc>
+              <a:spcBef>
+                <a:spcPct val="0"/>
+              </a:spcBef>
+              <a:spcAft>
+                <a:spcPct val="0"/>
+              </a:spcAft>
+              <a:buClr>
+                <a:srgbClr val="000000"/>
+              </a:buClr>
+              <a:buSzPct val="100000"/>
+              <a:buFont typeface="Arial" charset="0"/>
+              <a:buNone/>
+              <a:tabLst/>
+            </a:pPr>
+            <a:r>
+              <a:rPr lang="de-DE">
+                <a:latin typeface="Arial"/>
+                <a:cs typeface="Arial"/>
+              </a:rPr>
+              <a:t>Pro</a:t>
+            </a:r>
+            <a:endParaRPr lang="de-DE" dirty="0">
+              <a:latin typeface="Arial" charset="0"/>
+              <a:cs typeface="Arial"/>
+            </a:endParaRPr>
+          </a:p>
+        </p:txBody>
+      </p:sp>
+      <p:sp>
+        <p:nvSpPr>
+          <p:cNvPr id="15" name="Rechteck: abgerundete Ecken 14">
+            <a:extLst>
+              <a:ext uri="{FF2B5EF4-FFF2-40B4-BE49-F238E27FC236}">
+                <a16:creationId xmlns:a16="http://schemas.microsoft.com/office/drawing/2014/main" id="{BCA8401E-F416-4694-80C9-13FD0BD74AFE}"/>
+              </a:ext>
+            </a:extLst>
+          </p:cNvPr>
+          <p:cNvSpPr/>
+          <p:nvPr/>
+        </p:nvSpPr>
+        <p:spPr bwMode="auto">
+          <a:xfrm>
+            <a:off x="421787" y="5525274"/>
+            <a:ext cx="614887" cy="554793"/>
+          </a:xfrm>
+          <a:prstGeom prst="roundRect">
+            <a:avLst/>
+          </a:prstGeom>
+          <a:solidFill>
+            <a:schemeClr val="accent6">
+              <a:lumMod val="60000"/>
+              <a:lumOff val="40000"/>
+            </a:schemeClr>
+          </a:solidFill>
+          <a:ln w="9525" cap="flat" cmpd="sng" algn="ctr">
+            <a:solidFill>
+              <a:schemeClr val="tx1"/>
+            </a:solidFill>
+            <a:prstDash val="solid"/>
+            <a:round/>
+            <a:headEnd type="none" w="med" len="med"/>
+            <a:tailEnd type="none" w="med" len="med"/>
+          </a:ln>
+          <a:effectLst/>
+          <a:extLst>
+            <a:ext uri="{AF507438-7753-43E0-B8FC-AC1667EBCBE1}">
+              <a14:hiddenEffects xmlns:a14="http://schemas.microsoft.com/office/drawing/2010/main">
+                <a:effectLst>
+                  <a:outerShdw dist="35921" dir="2700000" algn="ctr" rotWithShape="0">
+                    <a:schemeClr val="bg2"/>
+                  </a:outerShdw>
+                </a:effectLst>
+              </a14:hiddenEffects>
+            </a:ext>
+          </a:extLst>
+        </p:spPr>
+        <p:txBody>
+          <a:bodyPr vert="horz" wrap="none" lIns="91440" tIns="45720" rIns="91440" bIns="45720" numCol="1" rtlCol="0" anchor="ctr" anchorCtr="0" compatLnSpc="1">
+            <a:prstTxWarp prst="textNoShape">
+              <a:avLst/>
+            </a:prstTxWarp>
+          </a:bodyPr>
+          <a:lstStyle/>
+          <a:p>
+            <a:pPr marL="0" marR="0" indent="0" algn="ctr" defTabSz="449263" rtl="0" eaLnBrk="1" fontAlgn="base" latinLnBrk="0" hangingPunct="1">
+              <a:lnSpc>
+                <a:spcPct val="93000"/>
+              </a:lnSpc>
+              <a:spcBef>
+                <a:spcPct val="0"/>
+              </a:spcBef>
+              <a:spcAft>
+                <a:spcPct val="0"/>
+              </a:spcAft>
+              <a:buClr>
+                <a:srgbClr val="000000"/>
+              </a:buClr>
+              <a:buSzPct val="100000"/>
+              <a:buFont typeface="Arial" charset="0"/>
+              <a:buNone/>
+              <a:tabLst/>
+            </a:pPr>
+            <a:r>
+              <a:rPr lang="de-DE">
+                <a:latin typeface="Arial"/>
+                <a:cs typeface="Arial"/>
+              </a:rPr>
+              <a:t>Out</a:t>
+            </a:r>
+            <a:endParaRPr lang="de-DE" dirty="0">
+              <a:latin typeface="Arial" charset="0"/>
+              <a:cs typeface="Arial"/>
+            </a:endParaRPr>
+          </a:p>
+        </p:txBody>
+      </p:sp>
+      <p:cxnSp>
+        <p:nvCxnSpPr>
+          <p:cNvPr id="3" name="Gerade Verbindung mit Pfeil 2">
+            <a:extLst>
+              <a:ext uri="{FF2B5EF4-FFF2-40B4-BE49-F238E27FC236}">
+                <a16:creationId xmlns:a16="http://schemas.microsoft.com/office/drawing/2014/main" id="{FF1A532A-7997-40B5-A73C-28ED39C9866D}"/>
+              </a:ext>
+            </a:extLst>
+          </p:cNvPr>
+          <p:cNvCxnSpPr/>
+          <p:nvPr/>
+        </p:nvCxnSpPr>
+        <p:spPr bwMode="auto">
+          <a:xfrm flipH="1">
+            <a:off x="1109165" y="1511071"/>
+            <a:ext cx="14028" cy="4822056"/>
+          </a:xfrm>
+          <a:prstGeom prst="straightConnector1">
+            <a:avLst/>
+          </a:prstGeom>
+          <a:solidFill>
+            <a:schemeClr val="accent2"/>
+          </a:solidFill>
+          <a:ln w="9525" cap="flat" cmpd="sng" algn="ctr">
+            <a:solidFill>
+              <a:schemeClr val="tx1"/>
+            </a:solidFill>
+            <a:prstDash val="solid"/>
+            <a:round/>
+            <a:headEnd type="none" w="med" len="med"/>
+            <a:tailEnd type="none" w="med" len="med"/>
+          </a:ln>
+          <a:effectLst/>
+          <a:extLst>
+            <a:ext uri="{AF507438-7753-43E0-B8FC-AC1667EBCBE1}">
+              <a14:hiddenEffects xmlns:a14="http://schemas.microsoft.com/office/drawing/2010/main">
+                <a:effectLst>
+                  <a:outerShdw dist="35921" dir="2700000" algn="ctr" rotWithShape="0">
+                    <a:schemeClr val="bg2"/>
+                  </a:outerShdw>
+                </a:effectLst>
+              </a14:hiddenEffects>
+            </a:ext>
+          </a:extLst>
+        </p:spPr>
+      </p:cxnSp>
+      <p:cxnSp>
+        <p:nvCxnSpPr>
+          <p:cNvPr id="6" name="Gerade Verbindung mit Pfeil 5">
+            <a:extLst>
+              <a:ext uri="{FF2B5EF4-FFF2-40B4-BE49-F238E27FC236}">
+                <a16:creationId xmlns:a16="http://schemas.microsoft.com/office/drawing/2014/main" id="{4052B892-F5AD-4830-A4AF-EC12BAB966C0}"/>
+              </a:ext>
+            </a:extLst>
+          </p:cNvPr>
+          <p:cNvCxnSpPr/>
+          <p:nvPr/>
+        </p:nvCxnSpPr>
+        <p:spPr bwMode="auto">
+          <a:xfrm flipV="1">
+            <a:off x="417587" y="3844936"/>
+            <a:ext cx="609050" cy="1650"/>
+          </a:xfrm>
+          <a:prstGeom prst="straightConnector1">
+            <a:avLst/>
+          </a:prstGeom>
+          <a:solidFill>
+            <a:schemeClr val="accent2"/>
+          </a:solidFill>
+          <a:ln w="9525" cap="flat" cmpd="sng" algn="ctr">
+            <a:solidFill>
+              <a:schemeClr val="tx1"/>
+            </a:solidFill>
+            <a:prstDash val="dash"/>
+            <a:round/>
+            <a:headEnd type="none" w="med" len="med"/>
+            <a:tailEnd type="none" w="med" len="med"/>
+          </a:ln>
+          <a:effectLst/>
+          <a:extLst>
+            <a:ext uri="{AF507438-7753-43E0-B8FC-AC1667EBCBE1}">
+              <a14:hiddenEffects xmlns:a14="http://schemas.microsoft.com/office/drawing/2010/main">
+                <a:effectLst>
+                  <a:outerShdw dist="35921" dir="2700000" algn="ctr" rotWithShape="0">
+                    <a:schemeClr val="bg2"/>
+                  </a:outerShdw>
+                </a:effectLst>
+              </a14:hiddenEffects>
+            </a:ext>
+          </a:extLst>
+        </p:spPr>
+      </p:cxnSp>
+      <p:sp>
+        <p:nvSpPr>
+          <p:cNvPr id="9" name="Textplatzhalter 5">
+            <a:extLst>
+              <a:ext uri="{FF2B5EF4-FFF2-40B4-BE49-F238E27FC236}">
+                <a16:creationId xmlns:a16="http://schemas.microsoft.com/office/drawing/2014/main" id="{2F5C2DC8-4813-4FF1-A53F-638AD69203E7}"/>
+              </a:ext>
+            </a:extLst>
+          </p:cNvPr>
+          <p:cNvSpPr>
+            <a:spLocks noGrp="1"/>
+          </p:cNvSpPr>
+          <p:nvPr>
+            <p:ph type="body" idx="1"/>
+          </p:nvPr>
+        </p:nvSpPr>
+        <p:spPr>
+          <a:xfrm>
+            <a:off x="1275915" y="1623879"/>
+            <a:ext cx="7663799" cy="4583866"/>
+          </a:xfrm>
+        </p:spPr>
+        <p:txBody>
+          <a:bodyPr/>
+          <a:lstStyle/>
+          <a:p>
+            <a:pPr marL="179070" indent="-179070"/>
+            <a:r>
+              <a:rPr lang="en-US" dirty="0">
+                <a:ea typeface="+mn-lt"/>
+                <a:cs typeface="+mn-lt"/>
+              </a:rPr>
+              <a:t>Python-project</a:t>
+            </a:r>
+            <a:endParaRPr lang="de-DE" b="0" dirty="0">
+              <a:ea typeface="+mn-lt"/>
+              <a:cs typeface="+mn-lt"/>
+            </a:endParaRPr>
+          </a:p>
+          <a:p>
+            <a:pPr marL="513080" lvl="1" indent="-342900">
+              <a:buFont typeface="Wingdings"/>
+              <a:buChar char="§"/>
+            </a:pPr>
+            <a:r>
+              <a:rPr lang="en-US" dirty="0">
+                <a:ea typeface="+mn-lt"/>
+                <a:cs typeface="+mn-lt"/>
+              </a:rPr>
+              <a:t>Data-flow</a:t>
+            </a:r>
+          </a:p>
+          <a:p>
+            <a:pPr marL="513080" lvl="1" indent="-342900">
+              <a:buFont typeface="Wingdings,Sans-Serif"/>
+              <a:buChar char="§"/>
+            </a:pPr>
+            <a:r>
+              <a:rPr lang="en-US" dirty="0">
+                <a:ea typeface="+mn-lt"/>
+                <a:cs typeface="+mn-lt"/>
+              </a:rPr>
+              <a:t>Find Sensible model in using FFNN or CNN</a:t>
+            </a:r>
+            <a:endParaRPr lang="en-US" dirty="0"/>
+          </a:p>
+          <a:p>
+            <a:pPr marL="179070" indent="-179070"/>
+            <a:endParaRPr lang="en-US" dirty="0">
+              <a:ea typeface="+mn-lt"/>
+              <a:cs typeface="+mn-lt"/>
+            </a:endParaRPr>
+          </a:p>
+          <a:p>
+            <a:pPr marL="179070" indent="-179070"/>
+            <a:endParaRPr lang="en-US" dirty="0">
+              <a:ea typeface="+mn-lt"/>
+              <a:cs typeface="+mn-lt"/>
+            </a:endParaRPr>
+          </a:p>
+          <a:p>
+            <a:pPr marL="179070" indent="-179070"/>
+            <a:r>
+              <a:rPr lang="en-US" dirty="0">
+                <a:ea typeface="+mn-lt"/>
+                <a:cs typeface="+mn-lt"/>
+              </a:rPr>
+              <a:t>Experiments</a:t>
+            </a:r>
+            <a:endParaRPr lang="de-DE" dirty="0"/>
+          </a:p>
+          <a:p>
+            <a:pPr marL="513080" lvl="1" indent="-342900">
+              <a:buFont typeface="Wingdings"/>
+            </a:pPr>
+            <a:r>
+              <a:rPr lang="en-US" sz="2000" dirty="0">
+                <a:cs typeface="Arial"/>
+              </a:rPr>
+              <a:t>...</a:t>
+            </a:r>
+            <a:endParaRPr lang="en-US" sz="2000" dirty="0">
+              <a:ea typeface="+mn-lt"/>
+              <a:cs typeface="+mn-lt"/>
+            </a:endParaRPr>
+          </a:p>
+          <a:p>
+            <a:pPr marL="513080" lvl="1" indent="-342900">
+              <a:buFont typeface="Wingdings"/>
+              <a:buChar char="§"/>
+            </a:pPr>
+            <a:r>
+              <a:rPr lang="en-US" dirty="0">
+                <a:ea typeface="+mn-lt"/>
+                <a:cs typeface="+mn-lt"/>
+              </a:rPr>
+              <a:t>...</a:t>
+            </a:r>
+            <a:endParaRPr lang="en-US" b="0" dirty="0">
+              <a:ea typeface="+mn-lt"/>
+              <a:cs typeface="+mn-lt"/>
+            </a:endParaRPr>
+          </a:p>
+          <a:p>
+            <a:pPr marL="179070" indent="0"/>
+            <a:endParaRPr lang="en-US" b="0" dirty="0">
+              <a:ea typeface="+mn-lt"/>
+              <a:cs typeface="+mn-lt"/>
+            </a:endParaRPr>
+          </a:p>
+          <a:p>
+            <a:pPr marL="179070" indent="0"/>
+            <a:endParaRPr lang="en-US" b="0" dirty="0">
+              <a:cs typeface="Arial"/>
+            </a:endParaRPr>
+          </a:p>
+          <a:p>
+            <a:pPr marL="0" indent="0"/>
+            <a:br>
+              <a:rPr lang="en-US" dirty="0"/>
+            </a:br>
+            <a:endParaRPr lang="en-US" sz="1800" b="0">
+              <a:cs typeface="Arial"/>
+            </a:endParaRPr>
+          </a:p>
+          <a:p>
+            <a:pPr marL="179070" indent="-179070"/>
+            <a:br>
+              <a:rPr lang="en-US" dirty="0"/>
+            </a:br>
+            <a:endParaRPr lang="en-US" dirty="0"/>
+          </a:p>
+          <a:p>
+            <a:pPr lvl="1"/>
+            <a:endParaRPr lang="en-US" dirty="0">
+              <a:cs typeface="Arial"/>
+            </a:endParaRPr>
+          </a:p>
+        </p:txBody>
+      </p:sp>
+    </p:spTree>
+    <p:extLst>
+      <p:ext uri="{BB962C8B-B14F-4D97-AF65-F5344CB8AC3E}">
+        <p14:creationId xmlns:p14="http://schemas.microsoft.com/office/powerpoint/2010/main" val="775328803"/>
+      </p:ext>
+    </p:extLst>
+  </p:cSld>
+  <p:clrMapOvr>
+    <a:masterClrMapping/>
+  </p:clrMapOvr>
 </p:sld>
 </file>
 
